--- a/talk-wordcamp-greece.pptx
+++ b/talk-wordcamp-greece.pptx
@@ -10,17 +10,18 @@
     <p:sldId id="365" r:id="rId4"/>
     <p:sldId id="263" r:id="rId5"/>
     <p:sldId id="362" r:id="rId6"/>
-    <p:sldId id="363" r:id="rId7"/>
-    <p:sldId id="364" r:id="rId8"/>
-    <p:sldId id="361" r:id="rId9"/>
-    <p:sldId id="349" r:id="rId10"/>
-    <p:sldId id="354" r:id="rId11"/>
-    <p:sldId id="357" r:id="rId12"/>
-    <p:sldId id="358" r:id="rId13"/>
-    <p:sldId id="359" r:id="rId14"/>
-    <p:sldId id="360" r:id="rId15"/>
-    <p:sldId id="356" r:id="rId16"/>
-    <p:sldId id="355" r:id="rId17"/>
+    <p:sldId id="366" r:id="rId7"/>
+    <p:sldId id="363" r:id="rId8"/>
+    <p:sldId id="364" r:id="rId9"/>
+    <p:sldId id="361" r:id="rId10"/>
+    <p:sldId id="349" r:id="rId11"/>
+    <p:sldId id="354" r:id="rId12"/>
+    <p:sldId id="357" r:id="rId13"/>
+    <p:sldId id="358" r:id="rId14"/>
+    <p:sldId id="359" r:id="rId15"/>
+    <p:sldId id="360" r:id="rId16"/>
+    <p:sldId id="356" r:id="rId17"/>
+    <p:sldId id="355" r:id="rId18"/>
   </p:sldIdLst>
   <p:sldSz cx="12192000" cy="6858000"/>
   <p:notesSz cx="6858000" cy="9144000"/>
@@ -3756,6 +3757,17 @@
 <file path=ppt/slides/slide10.xml><?xml version="1.0" encoding="utf-8"?>
 <p:sld xmlns:a="http://schemas.openxmlformats.org/drawingml/2006/main" xmlns:r="http://schemas.openxmlformats.org/officeDocument/2006/relationships" xmlns:p="http://schemas.openxmlformats.org/presentationml/2006/main">
   <p:cSld>
+    <p:bg>
+      <p:bgPr>
+        <a:solidFill>
+          <a:schemeClr val="tx1">
+            <a:lumMod val="65000"/>
+            <a:lumOff val="35000"/>
+          </a:schemeClr>
+        </a:solidFill>
+        <a:effectLst/>
+      </p:bgPr>
+    </p:bg>
     <p:spTree>
       <p:nvGrpSpPr>
         <p:cNvPr id="1" name=""/>
@@ -3770,167 +3782,786 @@
           <a:chExt cx="0" cy="0"/>
         </a:xfrm>
       </p:grpSpPr>
-      <p:sp>
-        <p:nvSpPr>
-          <p:cNvPr id="2" name="Title 1">
-            <a:extLst>
-              <a:ext uri="{FF2B5EF4-FFF2-40B4-BE49-F238E27FC236}">
-                <a16:creationId xmlns:a16="http://schemas.microsoft.com/office/drawing/2014/main" id="{81769C98-962F-4C3A-B575-99BB0A9C6763}"/>
-              </a:ext>
-            </a:extLst>
-          </p:cNvPr>
-          <p:cNvSpPr>
-            <a:spLocks noGrp="1"/>
-          </p:cNvSpPr>
-          <p:nvPr>
-            <p:ph type="title"/>
-          </p:nvPr>
-        </p:nvSpPr>
+      <p:pic>
+        <p:nvPicPr>
+          <p:cNvPr id="16" name="Picture 15" descr="A close up of a typewriter&#10;&#10;Description automatically generated">
+            <a:extLst>
+              <a:ext uri="{FF2B5EF4-FFF2-40B4-BE49-F238E27FC236}">
+                <a16:creationId xmlns:a16="http://schemas.microsoft.com/office/drawing/2014/main" id="{16FE7CA4-EC3F-42CD-BDD7-9DB299CE9A72}"/>
+              </a:ext>
+            </a:extLst>
+          </p:cNvPr>
+          <p:cNvPicPr>
+            <a:picLocks noChangeAspect="1"/>
+          </p:cNvPicPr>
+          <p:nvPr/>
+        </p:nvPicPr>
+        <p:blipFill>
+          <a:blip r:embed="rId2">
+            <a:extLst>
+              <a:ext uri="{28A0092B-C50C-407E-A947-70E740481C1C}">
+                <a14:useLocalDpi xmlns:a14="http://schemas.microsoft.com/office/drawing/2010/main" val="0"/>
+              </a:ext>
+            </a:extLst>
+          </a:blip>
+          <a:stretch>
+            <a:fillRect/>
+          </a:stretch>
+        </p:blipFill>
         <p:spPr>
           <a:xfrm>
-            <a:off x="910628" y="323943"/>
-            <a:ext cx="10515600" cy="892835"/>
+            <a:off x="667389" y="1333603"/>
+            <a:ext cx="2068860" cy="2762035"/>
           </a:xfrm>
+          <a:prstGeom prst="rect">
+            <a:avLst/>
+          </a:prstGeom>
         </p:spPr>
-        <p:txBody>
-          <a:bodyPr/>
-          <a:lstStyle/>
-          <a:p>
-            <a:r>
-              <a:rPr lang="en-GB" dirty="0">
-                <a:solidFill>
-                  <a:schemeClr val="bg1"/>
-                </a:solidFill>
-              </a:rPr>
-              <a:t>WordPress REST API</a:t>
-            </a:r>
-          </a:p>
-        </p:txBody>
-      </p:sp>
-      <p:sp>
-        <p:nvSpPr>
-          <p:cNvPr id="3" name="Content Placeholder 2">
-            <a:extLst>
-              <a:ext uri="{FF2B5EF4-FFF2-40B4-BE49-F238E27FC236}">
-                <a16:creationId xmlns:a16="http://schemas.microsoft.com/office/drawing/2014/main" id="{C77D8FCA-15A2-453C-BEDB-B01FF3E48151}"/>
-              </a:ext>
-            </a:extLst>
-          </p:cNvPr>
-          <p:cNvSpPr>
-            <a:spLocks noGrp="1"/>
-          </p:cNvSpPr>
-          <p:nvPr>
-            <p:ph idx="1"/>
-          </p:nvPr>
-        </p:nvSpPr>
+      </p:pic>
+      <p:pic>
+        <p:nvPicPr>
+          <p:cNvPr id="19" name="Picture 18" descr="A picture containing wall, indoor, table, cup&#10;&#10;Description automatically generated">
+            <a:extLst>
+              <a:ext uri="{FF2B5EF4-FFF2-40B4-BE49-F238E27FC236}">
+                <a16:creationId xmlns:a16="http://schemas.microsoft.com/office/drawing/2014/main" id="{CC8D6E43-818C-421B-8A10-E6255328A2FA}"/>
+              </a:ext>
+            </a:extLst>
+          </p:cNvPr>
+          <p:cNvPicPr>
+            <a:picLocks noChangeAspect="1"/>
+          </p:cNvPicPr>
+          <p:nvPr/>
+        </p:nvPicPr>
+        <p:blipFill>
+          <a:blip r:embed="rId3">
+            <a:extLst>
+              <a:ext uri="{28A0092B-C50C-407E-A947-70E740481C1C}">
+                <a14:useLocalDpi xmlns:a14="http://schemas.microsoft.com/office/drawing/2010/main" val="0"/>
+              </a:ext>
+            </a:extLst>
+          </a:blip>
+          <a:stretch>
+            <a:fillRect/>
+          </a:stretch>
+        </p:blipFill>
         <p:spPr>
           <a:xfrm>
-            <a:off x="910628" y="1348300"/>
-            <a:ext cx="10515600" cy="5185757"/>
+            <a:off x="684617" y="4510160"/>
+            <a:ext cx="2647950" cy="1765554"/>
           </a:xfrm>
+          <a:prstGeom prst="rect">
+            <a:avLst/>
+          </a:prstGeom>
         </p:spPr>
-        <p:txBody>
-          <a:bodyPr>
+      </p:pic>
+      <p:sp>
+        <p:nvSpPr>
+          <p:cNvPr id="3" name="TextBox 2">
+            <a:extLst>
+              <a:ext uri="{FF2B5EF4-FFF2-40B4-BE49-F238E27FC236}">
+                <a16:creationId xmlns:a16="http://schemas.microsoft.com/office/drawing/2014/main" id="{3816F0FF-6206-4FDB-B50E-A5E0A8290985}"/>
+              </a:ext>
+            </a:extLst>
+          </p:cNvPr>
+          <p:cNvSpPr txBox="1"/>
+          <p:nvPr/>
+        </p:nvSpPr>
+        <p:spPr>
+          <a:xfrm>
+            <a:off x="3525225" y="3771496"/>
+            <a:ext cx="4530797" cy="2585323"/>
+          </a:xfrm>
+          <a:prstGeom prst="rect">
+            <a:avLst/>
+          </a:prstGeom>
+          <a:noFill/>
+        </p:spPr>
+        <p:txBody>
+          <a:bodyPr wrap="square" rtlCol="0">
+            <a:spAutoFit/>
+          </a:bodyPr>
+          <a:lstStyle/>
+          <a:p>
+            <a:r>
+              <a:rPr lang="en-GB" dirty="0">
+                <a:solidFill>
+                  <a:schemeClr val="bg1">
+                    <a:lumMod val="95000"/>
+                  </a:schemeClr>
+                </a:solidFill>
+              </a:rPr>
+              <a:t>1980: At University, I studied Chemistry and used MS-DOS, client/server main frame systems, ZX-Spectrum computer and Jupiter Ace recreationally.</a:t>
+            </a:r>
+          </a:p>
+          <a:p>
+            <a:endParaRPr lang="en-GB" dirty="0">
+              <a:solidFill>
+                <a:schemeClr val="bg1">
+                  <a:lumMod val="95000"/>
+                </a:schemeClr>
+              </a:solidFill>
+            </a:endParaRPr>
+          </a:p>
+          <a:p>
+            <a:r>
+              <a:rPr lang="en-GB" dirty="0">
+                <a:solidFill>
+                  <a:schemeClr val="bg1">
+                    <a:lumMod val="95000"/>
+                  </a:schemeClr>
+                </a:solidFill>
+              </a:rPr>
+              <a:t>Former careers as accountant, SQL Server DBA and Business Information Architect.</a:t>
+            </a:r>
+          </a:p>
+          <a:p>
+            <a:endParaRPr lang="en-GB" dirty="0">
+              <a:solidFill>
+                <a:schemeClr val="bg1">
+                  <a:lumMod val="95000"/>
+                </a:schemeClr>
+              </a:solidFill>
+            </a:endParaRPr>
+          </a:p>
+          <a:p>
+            <a:r>
+              <a:rPr lang="en-GB" dirty="0">
+                <a:solidFill>
+                  <a:schemeClr val="bg1">
+                    <a:lumMod val="95000"/>
+                  </a:schemeClr>
+                </a:solidFill>
+              </a:rPr>
+              <a:t>And a (proud) plumber!</a:t>
+            </a:r>
+          </a:p>
+        </p:txBody>
+      </p:sp>
+      <p:pic>
+        <p:nvPicPr>
+          <p:cNvPr id="7" name="Picture 6" descr="A close up of a calculator&#10;&#10;Description automatically generated">
+            <a:extLst>
+              <a:ext uri="{FF2B5EF4-FFF2-40B4-BE49-F238E27FC236}">
+                <a16:creationId xmlns:a16="http://schemas.microsoft.com/office/drawing/2014/main" id="{95E6E97F-3325-49C1-8F22-358281B945EF}"/>
+              </a:ext>
+            </a:extLst>
+          </p:cNvPr>
+          <p:cNvPicPr>
+            <a:picLocks noChangeAspect="1"/>
+          </p:cNvPicPr>
+          <p:nvPr/>
+        </p:nvPicPr>
+        <p:blipFill>
+          <a:blip r:embed="rId4">
+            <a:extLst>
+              <a:ext uri="{28A0092B-C50C-407E-A947-70E740481C1C}">
+                <a14:useLocalDpi xmlns:a14="http://schemas.microsoft.com/office/drawing/2010/main" val="0"/>
+              </a:ext>
+            </a:extLst>
+          </a:blip>
+          <a:stretch>
+            <a:fillRect/>
+          </a:stretch>
+        </p:blipFill>
+        <p:spPr>
+          <a:xfrm>
+            <a:off x="5747659" y="1259502"/>
+            <a:ext cx="2578653" cy="2367793"/>
+          </a:xfrm>
+          <a:prstGeom prst="rect">
+            <a:avLst/>
+          </a:prstGeom>
+        </p:spPr>
+      </p:pic>
+      <p:sp>
+        <p:nvSpPr>
+          <p:cNvPr id="14" name="TextBox 13">
+            <a:extLst>
+              <a:ext uri="{FF2B5EF4-FFF2-40B4-BE49-F238E27FC236}">
+                <a16:creationId xmlns:a16="http://schemas.microsoft.com/office/drawing/2014/main" id="{E4464916-709F-4640-AE4A-E863DD40F8E5}"/>
+              </a:ext>
+            </a:extLst>
+          </p:cNvPr>
+          <p:cNvSpPr txBox="1"/>
+          <p:nvPr/>
+        </p:nvSpPr>
+        <p:spPr>
+          <a:xfrm>
+            <a:off x="9243998" y="6473032"/>
+            <a:ext cx="3103696" cy="261610"/>
+          </a:xfrm>
+          <a:prstGeom prst="rect">
+            <a:avLst/>
+          </a:prstGeom>
+          <a:noFill/>
+        </p:spPr>
+        <p:txBody>
+          <a:bodyPr wrap="square" rtlCol="0">
+            <a:spAutoFit/>
+          </a:bodyPr>
+          <a:lstStyle/>
+          <a:p>
+            <a:r>
+              <a:rPr lang="en-GB" sz="1100" dirty="0" err="1">
+                <a:solidFill>
+                  <a:schemeClr val="bg1">
+                    <a:lumMod val="95000"/>
+                  </a:schemeClr>
+                </a:solidFill>
+              </a:rPr>
+              <a:t>Source:Wikimedia</a:t>
+            </a:r>
+            <a:r>
+              <a:rPr lang="en-GB" sz="1100" dirty="0">
+                <a:solidFill>
+                  <a:schemeClr val="bg1">
+                    <a:lumMod val="95000"/>
+                  </a:schemeClr>
+                </a:solidFill>
+              </a:rPr>
+              <a:t> Commons </a:t>
+            </a:r>
+          </a:p>
+        </p:txBody>
+      </p:sp>
+      <p:sp>
+        <p:nvSpPr>
+          <p:cNvPr id="20" name="TextBox 19">
+            <a:extLst>
+              <a:ext uri="{FF2B5EF4-FFF2-40B4-BE49-F238E27FC236}">
+                <a16:creationId xmlns:a16="http://schemas.microsoft.com/office/drawing/2014/main" id="{26D382D3-C4B0-43B6-91E5-8A0DC150A00B}"/>
+              </a:ext>
+            </a:extLst>
+          </p:cNvPr>
+          <p:cNvSpPr txBox="1"/>
+          <p:nvPr/>
+        </p:nvSpPr>
+        <p:spPr>
+          <a:xfrm>
+            <a:off x="1042967" y="6253235"/>
+            <a:ext cx="3103696" cy="261610"/>
+          </a:xfrm>
+          <a:prstGeom prst="rect">
+            <a:avLst/>
+          </a:prstGeom>
+          <a:noFill/>
+        </p:spPr>
+        <p:txBody>
+          <a:bodyPr wrap="square" rtlCol="0">
+            <a:spAutoFit/>
+          </a:bodyPr>
+          <a:lstStyle/>
+          <a:p>
+            <a:r>
+              <a:rPr lang="en-GB" sz="1100" dirty="0" err="1">
+                <a:solidFill>
+                  <a:schemeClr val="bg1">
+                    <a:lumMod val="95000"/>
+                  </a:schemeClr>
+                </a:solidFill>
+              </a:rPr>
+              <a:t>Source:Wikimedia</a:t>
+            </a:r>
+            <a:r>
+              <a:rPr lang="en-GB" sz="1100" dirty="0">
+                <a:solidFill>
+                  <a:schemeClr val="bg1">
+                    <a:lumMod val="95000"/>
+                  </a:schemeClr>
+                </a:solidFill>
+              </a:rPr>
+              <a:t> Commons </a:t>
+            </a:r>
+          </a:p>
+        </p:txBody>
+      </p:sp>
+      <p:sp>
+        <p:nvSpPr>
+          <p:cNvPr id="24" name="TextBox 23">
+            <a:extLst>
+              <a:ext uri="{FF2B5EF4-FFF2-40B4-BE49-F238E27FC236}">
+                <a16:creationId xmlns:a16="http://schemas.microsoft.com/office/drawing/2014/main" id="{AA0A30FB-0945-4278-8753-6B9D55742D4E}"/>
+              </a:ext>
+            </a:extLst>
+          </p:cNvPr>
+          <p:cNvSpPr txBox="1"/>
+          <p:nvPr/>
+        </p:nvSpPr>
+        <p:spPr>
+          <a:xfrm>
+            <a:off x="870841" y="3419507"/>
+            <a:ext cx="1920953" cy="261610"/>
+          </a:xfrm>
+          <a:prstGeom prst="rect">
+            <a:avLst/>
+          </a:prstGeom>
+          <a:noFill/>
+        </p:spPr>
+        <p:txBody>
+          <a:bodyPr wrap="square" rtlCol="0">
+            <a:spAutoFit/>
+          </a:bodyPr>
+          <a:lstStyle/>
+          <a:p>
+            <a:r>
+              <a:rPr lang="en-GB" sz="1100" dirty="0" err="1">
+                <a:solidFill>
+                  <a:schemeClr val="bg1">
+                    <a:lumMod val="95000"/>
+                  </a:schemeClr>
+                </a:solidFill>
+              </a:rPr>
+              <a:t>Source:Wikimedia</a:t>
+            </a:r>
+            <a:r>
+              <a:rPr lang="en-GB" sz="1100" dirty="0">
+                <a:solidFill>
+                  <a:schemeClr val="bg1">
+                    <a:lumMod val="95000"/>
+                  </a:schemeClr>
+                </a:solidFill>
+              </a:rPr>
+              <a:t> Commons </a:t>
+            </a:r>
+          </a:p>
+        </p:txBody>
+      </p:sp>
+      <p:pic>
+        <p:nvPicPr>
+          <p:cNvPr id="27" name="Picture 26" descr="A close up of a machine&#10;&#10;Description automatically generated">
+            <a:extLst>
+              <a:ext uri="{FF2B5EF4-FFF2-40B4-BE49-F238E27FC236}">
+                <a16:creationId xmlns:a16="http://schemas.microsoft.com/office/drawing/2014/main" id="{94E45426-8ADB-4DBB-904D-303D2A86FF07}"/>
+              </a:ext>
+            </a:extLst>
+          </p:cNvPr>
+          <p:cNvPicPr>
+            <a:picLocks noChangeAspect="1"/>
+          </p:cNvPicPr>
+          <p:nvPr/>
+        </p:nvPicPr>
+        <p:blipFill>
+          <a:blip r:embed="rId5">
+            <a:extLst>
+              <a:ext uri="{28A0092B-C50C-407E-A947-70E740481C1C}">
+                <a14:useLocalDpi xmlns:a14="http://schemas.microsoft.com/office/drawing/2010/main" val="0"/>
+              </a:ext>
+            </a:extLst>
+          </a:blip>
+          <a:stretch>
+            <a:fillRect/>
+          </a:stretch>
+        </p:blipFill>
+        <p:spPr>
+          <a:xfrm>
+            <a:off x="2836975" y="1333603"/>
+            <a:ext cx="2619375" cy="1743075"/>
+          </a:xfrm>
+          <a:prstGeom prst="rect">
+            <a:avLst/>
+          </a:prstGeom>
+        </p:spPr>
+      </p:pic>
+      <p:sp>
+        <p:nvSpPr>
+          <p:cNvPr id="31" name="TextBox 30">
+            <a:extLst>
+              <a:ext uri="{FF2B5EF4-FFF2-40B4-BE49-F238E27FC236}">
+                <a16:creationId xmlns:a16="http://schemas.microsoft.com/office/drawing/2014/main" id="{D13CBD88-7C36-4649-BA85-472BBE038547}"/>
+              </a:ext>
+            </a:extLst>
+          </p:cNvPr>
+          <p:cNvSpPr txBox="1"/>
+          <p:nvPr/>
+        </p:nvSpPr>
+        <p:spPr>
+          <a:xfrm>
+            <a:off x="3034203" y="3288702"/>
+            <a:ext cx="3103696" cy="261610"/>
+          </a:xfrm>
+          <a:prstGeom prst="rect">
+            <a:avLst/>
+          </a:prstGeom>
+          <a:noFill/>
+        </p:spPr>
+        <p:txBody>
+          <a:bodyPr wrap="square" rtlCol="0">
+            <a:spAutoFit/>
+          </a:bodyPr>
+          <a:lstStyle/>
+          <a:p>
+            <a:r>
+              <a:rPr lang="en-GB" sz="1100" dirty="0" err="1">
+                <a:solidFill>
+                  <a:schemeClr val="bg1">
+                    <a:lumMod val="95000"/>
+                  </a:schemeClr>
+                </a:solidFill>
+              </a:rPr>
+              <a:t>Source:Wikimedia</a:t>
+            </a:r>
+            <a:r>
+              <a:rPr lang="en-GB" sz="1100" dirty="0">
+                <a:solidFill>
+                  <a:schemeClr val="bg1">
+                    <a:lumMod val="95000"/>
+                  </a:schemeClr>
+                </a:solidFill>
+              </a:rPr>
+              <a:t> Commons </a:t>
+            </a:r>
+          </a:p>
+        </p:txBody>
+      </p:sp>
+      <p:pic>
+        <p:nvPicPr>
+          <p:cNvPr id="1026" name="Picture 2" descr="Image result for brighton">
+            <a:extLst>
+              <a:ext uri="{FF2B5EF4-FFF2-40B4-BE49-F238E27FC236}">
+                <a16:creationId xmlns:a16="http://schemas.microsoft.com/office/drawing/2014/main" id="{FACF46E5-7177-4EC0-90B6-2287D648C70E}"/>
+              </a:ext>
+            </a:extLst>
+          </p:cNvPr>
+          <p:cNvPicPr>
+            <a:picLocks noChangeAspect="1" noChangeArrowheads="1"/>
+          </p:cNvPicPr>
+          <p:nvPr/>
+        </p:nvPicPr>
+        <p:blipFill>
+          <a:blip r:embed="rId6">
+            <a:extLst>
+              <a:ext uri="{28A0092B-C50C-407E-A947-70E740481C1C}">
+                <a14:useLocalDpi xmlns:a14="http://schemas.microsoft.com/office/drawing/2010/main" val="0"/>
+              </a:ext>
+            </a:extLst>
+          </a:blip>
+          <a:srcRect/>
+          <a:stretch>
+            <a:fillRect/>
+          </a:stretch>
+        </p:blipFill>
+        <p:spPr bwMode="auto">
+          <a:xfrm>
+            <a:off x="8287496" y="1532896"/>
+            <a:ext cx="3558135" cy="2367777"/>
+          </a:xfrm>
+          <a:prstGeom prst="rect">
+            <a:avLst/>
+          </a:prstGeom>
+          <a:noFill/>
+          <a:extLst>
+            <a:ext uri="{909E8E84-426E-40DD-AFC4-6F175D3DCCD1}">
+              <a14:hiddenFill xmlns:a14="http://schemas.microsoft.com/office/drawing/2010/main">
+                <a:solidFill>
+                  <a:srgbClr val="FFFFFF"/>
+                </a:solidFill>
+              </a14:hiddenFill>
+            </a:ext>
+          </a:extLst>
+        </p:spPr>
+      </p:pic>
+      <p:sp>
+        <p:nvSpPr>
+          <p:cNvPr id="5" name="TextBox 4">
+            <a:extLst>
+              <a:ext uri="{FF2B5EF4-FFF2-40B4-BE49-F238E27FC236}">
+                <a16:creationId xmlns:a16="http://schemas.microsoft.com/office/drawing/2014/main" id="{B146C545-2A2F-48B4-9694-D05FBB2AB9B7}"/>
+              </a:ext>
+            </a:extLst>
+          </p:cNvPr>
+          <p:cNvSpPr txBox="1"/>
+          <p:nvPr/>
+        </p:nvSpPr>
+        <p:spPr>
+          <a:xfrm>
+            <a:off x="8529904" y="3196369"/>
+            <a:ext cx="3251437" cy="707886"/>
+          </a:xfrm>
+          <a:prstGeom prst="rect">
+            <a:avLst/>
+          </a:prstGeom>
+          <a:noFill/>
+        </p:spPr>
+        <p:txBody>
+          <a:bodyPr wrap="square" rtlCol="0">
+            <a:spAutoFit/>
+          </a:bodyPr>
+          <a:lstStyle/>
+          <a:p>
+            <a:r>
+              <a:rPr lang="en-GB" sz="4000" dirty="0">
+                <a:solidFill>
+                  <a:schemeClr val="bg1">
+                    <a:lumMod val="95000"/>
+                  </a:schemeClr>
+                </a:solidFill>
+              </a:rPr>
+              <a:t>Brighton, UK</a:t>
+            </a:r>
+          </a:p>
+        </p:txBody>
+      </p:sp>
+      <p:sp>
+        <p:nvSpPr>
+          <p:cNvPr id="25" name="Title 3">
+            <a:extLst>
+              <a:ext uri="{FF2B5EF4-FFF2-40B4-BE49-F238E27FC236}">
+                <a16:creationId xmlns:a16="http://schemas.microsoft.com/office/drawing/2014/main" id="{0F64EF32-D2AE-4269-8EC7-8C7137A6B05E}"/>
+              </a:ext>
+            </a:extLst>
+          </p:cNvPr>
+          <p:cNvSpPr txBox="1">
+            <a:spLocks/>
+          </p:cNvSpPr>
+          <p:nvPr/>
+        </p:nvSpPr>
+        <p:spPr>
+          <a:xfrm>
+            <a:off x="504377" y="365565"/>
+            <a:ext cx="11183245" cy="749992"/>
+          </a:xfrm>
+          <a:prstGeom prst="rect">
+            <a:avLst/>
+          </a:prstGeom>
+        </p:spPr>
+        <p:txBody>
+          <a:bodyPr vert="horz" lIns="91440" tIns="45720" rIns="91440" bIns="45720" rtlCol="0" anchor="b" anchorCtr="0">
             <a:noAutofit/>
           </a:bodyPr>
+          <a:lstStyle>
+            <a:lvl1pPr algn="ctr" defTabSz="914400" rtl="0" eaLnBrk="1" latinLnBrk="0" hangingPunct="1">
+              <a:spcBef>
+                <a:spcPct val="0"/>
+              </a:spcBef>
+              <a:buNone/>
+              <a:defRPr sz="6000" kern="1200">
+                <a:solidFill>
+                  <a:schemeClr val="tx1"/>
+                </a:solidFill>
+                <a:latin typeface="+mj-lt"/>
+                <a:ea typeface="+mj-ea"/>
+                <a:cs typeface="+mj-cs"/>
+              </a:defRPr>
+            </a:lvl1pPr>
+          </a:lstStyle>
+          <a:p>
+            <a:pPr algn="l">
+              <a:lnSpc>
+                <a:spcPct val="90000"/>
+              </a:lnSpc>
+            </a:pPr>
+            <a:r>
+              <a:rPr lang="en-US" sz="4800" b="1" dirty="0">
+                <a:solidFill>
+                  <a:schemeClr val="bg1"/>
+                </a:solidFill>
+              </a:rPr>
+              <a:t>Trainer JS, PWAs, Web Components &amp; RxJS </a:t>
+            </a:r>
+          </a:p>
+        </p:txBody>
+      </p:sp>
+      <p:pic>
+        <p:nvPicPr>
+          <p:cNvPr id="4" name="Picture 3" descr="Map&#10;&#10;Description automatically generated">
+            <a:extLst>
+              <a:ext uri="{FF2B5EF4-FFF2-40B4-BE49-F238E27FC236}">
+                <a16:creationId xmlns:a16="http://schemas.microsoft.com/office/drawing/2014/main" id="{FE8BC434-79CB-4853-8AE2-95FD421B83BC}"/>
+              </a:ext>
+            </a:extLst>
+          </p:cNvPr>
+          <p:cNvPicPr>
+            <a:picLocks noChangeAspect="1"/>
+          </p:cNvPicPr>
+          <p:nvPr/>
+        </p:nvPicPr>
+        <p:blipFill>
+          <a:blip r:embed="rId7"/>
+          <a:stretch>
+            <a:fillRect/>
+          </a:stretch>
+        </p:blipFill>
+        <p:spPr>
+          <a:xfrm>
+            <a:off x="8326312" y="4048139"/>
+            <a:ext cx="3519319" cy="2437455"/>
+          </a:xfrm>
+          <a:prstGeom prst="rect">
+            <a:avLst/>
+          </a:prstGeom>
+        </p:spPr>
+      </p:pic>
+      <p:sp>
+        <p:nvSpPr>
+          <p:cNvPr id="6" name="TextBox 5">
+            <a:extLst>
+              <a:ext uri="{FF2B5EF4-FFF2-40B4-BE49-F238E27FC236}">
+                <a16:creationId xmlns:a16="http://schemas.microsoft.com/office/drawing/2014/main" id="{EA464BC5-0B91-4840-ACC1-7D47267D5CB2}"/>
+              </a:ext>
+            </a:extLst>
+          </p:cNvPr>
+          <p:cNvSpPr txBox="1"/>
+          <p:nvPr/>
+        </p:nvSpPr>
+        <p:spPr>
+          <a:xfrm>
+            <a:off x="8409012" y="4171651"/>
+            <a:ext cx="2090057" cy="253916"/>
+          </a:xfrm>
+          <a:prstGeom prst="rect">
+            <a:avLst/>
+          </a:prstGeom>
+          <a:noFill/>
+        </p:spPr>
+        <p:txBody>
+          <a:bodyPr wrap="square" rtlCol="0">
+            <a:spAutoFit/>
+          </a:bodyPr>
           <a:lstStyle/>
           <a:p>
-            <a:pPr marL="914400" lvl="1" indent="-457200">
-              <a:buFont typeface="Arial" panose="020B0604020202020204" pitchFamily="34" charset="0"/>
-              <a:buChar char="•"/>
-            </a:pPr>
+            <a:r>
+              <a:rPr lang="en-GB" sz="1050" b="1" dirty="0">
+                <a:solidFill>
+                  <a:schemeClr val="bg1">
+                    <a:lumMod val="95000"/>
+                  </a:schemeClr>
+                </a:solidFill>
+              </a:rPr>
+              <a:t>http://www.map-of-uk.co.uk/</a:t>
+            </a:r>
+          </a:p>
+        </p:txBody>
+      </p:sp>
+      <p:sp>
+        <p:nvSpPr>
+          <p:cNvPr id="2" name="TextBox 1">
+            <a:extLst>
+              <a:ext uri="{FF2B5EF4-FFF2-40B4-BE49-F238E27FC236}">
+                <a16:creationId xmlns:a16="http://schemas.microsoft.com/office/drawing/2014/main" id="{780AC6CF-70C4-45AA-91F9-D1D99AC38CE0}"/>
+              </a:ext>
+            </a:extLst>
+          </p:cNvPr>
+          <p:cNvSpPr txBox="1"/>
+          <p:nvPr/>
+        </p:nvSpPr>
+        <p:spPr>
+          <a:xfrm>
+            <a:off x="9914552" y="4948119"/>
+            <a:ext cx="1538881" cy="584775"/>
+          </a:xfrm>
+          <a:prstGeom prst="rect">
+            <a:avLst/>
+          </a:prstGeom>
+          <a:noFill/>
+        </p:spPr>
+        <p:txBody>
+          <a:bodyPr wrap="square" rtlCol="0">
+            <a:spAutoFit/>
+          </a:bodyPr>
+          <a:lstStyle/>
+          <a:p>
             <a:r>
               <a:rPr lang="en-GB" sz="3200" dirty="0">
                 <a:solidFill>
-                  <a:schemeClr val="bg1"/>
-                </a:solidFill>
-              </a:rPr>
-              <a:t>What is REST?</a:t>
-            </a:r>
-          </a:p>
-          <a:p>
-            <a:pPr marL="914400" lvl="1" indent="-457200">
-              <a:buFont typeface="Arial" panose="020B0604020202020204" pitchFamily="34" charset="0"/>
-              <a:buChar char="•"/>
-            </a:pPr>
-            <a:r>
-              <a:rPr lang="en-GB" sz="3200" dirty="0">
-                <a:solidFill>
-                  <a:schemeClr val="bg1"/>
-                </a:solidFill>
-              </a:rPr>
-              <a:t>This was formulated by Roy Fielding for his thesis in 2000.</a:t>
-            </a:r>
-          </a:p>
-          <a:p>
-            <a:pPr marL="914400" lvl="1" indent="-457200">
-              <a:buFont typeface="Arial" panose="020B0604020202020204" pitchFamily="34" charset="0"/>
-              <a:buChar char="•"/>
-            </a:pPr>
-            <a:r>
-              <a:rPr lang="en-GB" sz="3200" dirty="0">
-                <a:solidFill>
-                  <a:schemeClr val="bg1"/>
-                </a:solidFill>
-              </a:rPr>
-              <a:t>An architectural style not a protocol.</a:t>
-            </a:r>
-          </a:p>
-          <a:p>
-            <a:pPr marL="914400" lvl="1" indent="-457200">
-              <a:buFont typeface="Arial" panose="020B0604020202020204" pitchFamily="34" charset="0"/>
-              <a:buChar char="•"/>
-            </a:pPr>
-            <a:r>
-              <a:rPr lang="en-GB" sz="3200" dirty="0">
-                <a:solidFill>
-                  <a:schemeClr val="bg1"/>
-                </a:solidFill>
-              </a:rPr>
-              <a:t>HTTP by its nature is implicitly RESTful.</a:t>
-            </a:r>
-          </a:p>
-          <a:p>
-            <a:pPr marL="914400" lvl="1" indent="-457200">
-              <a:buFont typeface="Arial" panose="020B0604020202020204" pitchFamily="34" charset="0"/>
-              <a:buChar char="•"/>
-            </a:pPr>
-            <a:r>
-              <a:rPr lang="en-GB" sz="3200" dirty="0">
-                <a:solidFill>
-                  <a:schemeClr val="bg1"/>
-                </a:solidFill>
-                <a:hlinkClick r:id="rId2">
-                  <a:extLst>
-                    <a:ext uri="{A12FA001-AC4F-418D-AE19-62706E023703}">
-                      <ahyp:hlinkClr xmlns:ahyp="http://schemas.microsoft.com/office/drawing/2018/hyperlinkcolor" val="tx"/>
-                    </a:ext>
-                  </a:extLst>
-                </a:hlinkClick>
-              </a:rPr>
-              <a:t>https://www.ics.uci.edu/~fielding/pubs/dissertation/rest_arch_style.htm</a:t>
-            </a:r>
-            <a:endParaRPr lang="en-GB" sz="3200" dirty="0">
-              <a:solidFill>
-                <a:schemeClr val="bg1"/>
-              </a:solidFill>
-            </a:endParaRPr>
-          </a:p>
-          <a:p>
-            <a:endParaRPr lang="en-GB" dirty="0"/>
+                  <a:schemeClr val="bg1">
+                    <a:lumMod val="95000"/>
+                  </a:schemeClr>
+                </a:solidFill>
+              </a:rPr>
+              <a:t>80 km</a:t>
+            </a:r>
           </a:p>
         </p:txBody>
       </p:sp>
     </p:spTree>
     <p:extLst>
       <p:ext uri="{BB962C8B-B14F-4D97-AF65-F5344CB8AC3E}">
-        <p14:creationId xmlns:p14="http://schemas.microsoft.com/office/powerpoint/2010/main" val="698649124"/>
+        <p14:creationId xmlns:p14="http://schemas.microsoft.com/office/powerpoint/2010/main" val="3216478344"/>
       </p:ext>
     </p:extLst>
   </p:cSld>
   <p:clrMapOvr>
     <a:masterClrMapping/>
   </p:clrMapOvr>
+  <p:timing>
+    <p:tnLst>
+      <p:par>
+        <p:cTn id="1" dur="indefinite" restart="never" nodeType="tmRoot">
+          <p:childTnLst>
+            <p:seq concurrent="1" nextAc="seek">
+              <p:cTn id="2" dur="indefinite" nodeType="mainSeq">
+                <p:childTnLst>
+                  <p:par>
+                    <p:cTn id="3" fill="hold">
+                      <p:stCondLst>
+                        <p:cond delay="indefinite"/>
+                      </p:stCondLst>
+                      <p:childTnLst>
+                        <p:par>
+                          <p:cTn id="4" fill="hold">
+                            <p:stCondLst>
+                              <p:cond delay="0"/>
+                            </p:stCondLst>
+                            <p:childTnLst>
+                              <p:par>
+                                <p:cTn id="5" presetID="1" presetClass="entr" presetSubtype="0" fill="hold" nodeType="clickEffect">
+                                  <p:stCondLst>
+                                    <p:cond delay="0"/>
+                                  </p:stCondLst>
+                                  <p:childTnLst>
+                                    <p:set>
+                                      <p:cBhvr>
+                                        <p:cTn id="6" dur="1" fill="hold">
+                                          <p:stCondLst>
+                                            <p:cond delay="0"/>
+                                          </p:stCondLst>
+                                        </p:cTn>
+                                        <p:tgtEl>
+                                          <p:spTgt spid="3">
+                                            <p:txEl>
+                                              <p:pRg st="4" end="4"/>
+                                            </p:txEl>
+                                          </p:spTgt>
+                                        </p:tgtEl>
+                                        <p:attrNameLst>
+                                          <p:attrName>style.visibility</p:attrName>
+                                        </p:attrNameLst>
+                                      </p:cBhvr>
+                                      <p:to>
+                                        <p:strVal val="visible"/>
+                                      </p:to>
+                                    </p:set>
+                                  </p:childTnLst>
+                                </p:cTn>
+                              </p:par>
+                            </p:childTnLst>
+                          </p:cTn>
+                        </p:par>
+                      </p:childTnLst>
+                    </p:cTn>
+                  </p:par>
+                </p:childTnLst>
+              </p:cTn>
+              <p:prevCondLst>
+                <p:cond evt="onPrev" delay="0">
+                  <p:tgtEl>
+                    <p:sldTgt/>
+                  </p:tgtEl>
+                </p:cond>
+              </p:prevCondLst>
+              <p:nextCondLst>
+                <p:cond evt="onNext" delay="0">
+                  <p:tgtEl>
+                    <p:sldTgt/>
+                  </p:tgtEl>
+                </p:cond>
+              </p:nextCondLst>
+            </p:seq>
+          </p:childTnLst>
+        </p:cTn>
+      </p:par>
+    </p:tnLst>
+  </p:timing>
 </p:sld>
 </file>
 
@@ -3969,7 +4600,7 @@
         </p:nvSpPr>
         <p:spPr>
           <a:xfrm>
-            <a:off x="910628" y="371568"/>
+            <a:off x="910628" y="323943"/>
             <a:ext cx="10515600" cy="892835"/>
           </a:xfrm>
         </p:spPr>
@@ -3983,7 +4614,7 @@
                   <a:schemeClr val="bg1"/>
                 </a:solidFill>
               </a:rPr>
-              <a:t>Endpoints</a:t>
+              <a:t>WordPress REST API</a:t>
             </a:r>
           </a:p>
         </p:txBody>
@@ -4016,53 +4647,68 @@
           </a:bodyPr>
           <a:lstStyle/>
           <a:p>
-            <a:pPr marL="457200" lvl="1" indent="0">
-              <a:buNone/>
+            <a:pPr marL="914400" lvl="1" indent="-457200">
+              <a:buFont typeface="Arial" panose="020B0604020202020204" pitchFamily="34" charset="0"/>
+              <a:buChar char="•"/>
             </a:pPr>
-            <a:endParaRPr lang="en-GB" sz="900" dirty="0">
-              <a:solidFill>
-                <a:schemeClr val="bg1"/>
-              </a:solidFill>
-              <a:latin typeface="Segoe UI" panose="020B0502040204020203" pitchFamily="34" charset="0"/>
-              <a:cs typeface="Segoe UI" panose="020B0502040204020203" pitchFamily="34" charset="0"/>
-            </a:endParaRPr>
-          </a:p>
-          <a:p>
-            <a:pPr marL="457200" lvl="1" indent="0">
-              <a:buNone/>
+            <a:r>
+              <a:rPr lang="en-GB" sz="3200" dirty="0">
+                <a:solidFill>
+                  <a:schemeClr val="bg1"/>
+                </a:solidFill>
+              </a:rPr>
+              <a:t>What is REST?</a:t>
+            </a:r>
+          </a:p>
+          <a:p>
+            <a:pPr marL="914400" lvl="1" indent="-457200">
+              <a:buFont typeface="Arial" panose="020B0604020202020204" pitchFamily="34" charset="0"/>
+              <a:buChar char="•"/>
             </a:pPr>
             <a:r>
-              <a:rPr lang="en-GB" sz="3600" dirty="0">
+              <a:rPr lang="en-GB" sz="3200" dirty="0">
                 <a:solidFill>
                   <a:schemeClr val="bg1"/>
                 </a:solidFill>
-                <a:latin typeface="Segoe UI" panose="020B0502040204020203" pitchFamily="34" charset="0"/>
-                <a:cs typeface="Segoe UI" panose="020B0502040204020203" pitchFamily="34" charset="0"/>
-              </a:rPr>
-              <a:t>HTTP VERB + URL = ENDPOINT</a:t>
-            </a:r>
-          </a:p>
-          <a:p>
-            <a:pPr marL="457200" lvl="1" indent="0">
-              <a:buNone/>
+              </a:rPr>
+              <a:t>This was formulated by Roy Fielding for his thesis in 2000.</a:t>
+            </a:r>
+          </a:p>
+          <a:p>
+            <a:pPr marL="914400" lvl="1" indent="-457200">
+              <a:buFont typeface="Arial" panose="020B0604020202020204" pitchFamily="34" charset="0"/>
+              <a:buChar char="•"/>
             </a:pPr>
             <a:r>
-              <a:rPr lang="en-GB" sz="3600" dirty="0">
+              <a:rPr lang="en-GB" sz="3200" dirty="0">
                 <a:solidFill>
                   <a:schemeClr val="bg1"/>
                 </a:solidFill>
-                <a:latin typeface="Segoe UI" panose="020B0502040204020203" pitchFamily="34" charset="0"/>
-                <a:cs typeface="Segoe UI" panose="020B0502040204020203" pitchFamily="34" charset="0"/>
-              </a:rPr>
-              <a:t>GET/POST + same URL = 2 ENDPOINTS</a:t>
-            </a:r>
-          </a:p>
-          <a:p>
-            <a:pPr marL="457200" lvl="1" indent="0">
-              <a:buNone/>
+              </a:rPr>
+              <a:t>An architectural style not a protocol.</a:t>
+            </a:r>
+          </a:p>
+          <a:p>
+            <a:pPr marL="914400" lvl="1" indent="-457200">
+              <a:buFont typeface="Arial" panose="020B0604020202020204" pitchFamily="34" charset="0"/>
+              <a:buChar char="•"/>
             </a:pPr>
             <a:r>
-              <a:rPr lang="en-GB" sz="2400" dirty="0">
+              <a:rPr lang="en-GB" sz="3200" dirty="0">
+                <a:solidFill>
+                  <a:schemeClr val="bg1"/>
+                </a:solidFill>
+              </a:rPr>
+              <a:t>HTTP by its nature is implicitly RESTful.</a:t>
+            </a:r>
+          </a:p>
+          <a:p>
+            <a:pPr marL="914400" lvl="1" indent="-457200">
+              <a:buFont typeface="Arial" panose="020B0604020202020204" pitchFamily="34" charset="0"/>
+              <a:buChar char="•"/>
+            </a:pPr>
+            <a:r>
+              <a:rPr lang="en-GB" sz="3200" dirty="0">
                 <a:solidFill>
                   <a:schemeClr val="bg1"/>
                 </a:solidFill>
@@ -4074,22 +4720,12 @@
                   </a:extLst>
                 </a:hlinkClick>
               </a:rPr>
-              <a:t>https://wpjs.co.uk/wpb/wp-json/wp/v2/posts</a:t>
-            </a:r>
-            <a:r>
-              <a:rPr lang="en-GB" sz="2400" dirty="0">
-                <a:solidFill>
-                  <a:schemeClr val="bg1"/>
-                </a:solidFill>
-              </a:rPr>
-              <a:t>  GET/POST/DELETE</a:t>
-            </a:r>
-            <a:endParaRPr lang="en-GB" sz="2400" dirty="0">
+              <a:t>https://www.ics.uci.edu/~fielding/pubs/dissertation/rest_arch_style.htm</a:t>
+            </a:r>
+            <a:endParaRPr lang="en-GB" sz="3200" dirty="0">
               <a:solidFill>
                 <a:schemeClr val="bg1"/>
               </a:solidFill>
-              <a:latin typeface="Segoe UI" panose="020B0502040204020203" pitchFamily="34" charset="0"/>
-              <a:cs typeface="Segoe UI" panose="020B0502040204020203" pitchFamily="34" charset="0"/>
             </a:endParaRPr>
           </a:p>
           <a:p>
@@ -4100,7 +4736,7 @@
     </p:spTree>
     <p:extLst>
       <p:ext uri="{BB962C8B-B14F-4D97-AF65-F5344CB8AC3E}">
-        <p14:creationId xmlns:p14="http://schemas.microsoft.com/office/powerpoint/2010/main" val="3261839569"/>
+        <p14:creationId xmlns:p14="http://schemas.microsoft.com/office/powerpoint/2010/main" val="698649124"/>
       </p:ext>
     </p:extLst>
   </p:cSld>
@@ -4145,7 +4781,7 @@
         </p:nvSpPr>
         <p:spPr>
           <a:xfrm>
-            <a:off x="920153" y="320950"/>
+            <a:off x="910628" y="371568"/>
             <a:ext cx="10515600" cy="892835"/>
           </a:xfrm>
         </p:spPr>
@@ -4159,7 +4795,7 @@
                   <a:schemeClr val="bg1"/>
                 </a:solidFill>
               </a:rPr>
-              <a:t>AJAX</a:t>
+              <a:t>Endpoints – just another term for a URL</a:t>
             </a:r>
           </a:p>
         </p:txBody>
@@ -4182,7 +4818,7 @@
         </p:nvSpPr>
         <p:spPr>
           <a:xfrm>
-            <a:off x="838200" y="904875"/>
+            <a:off x="910628" y="1348300"/>
             <a:ext cx="10515600" cy="5185757"/>
           </a:xfrm>
         </p:spPr>
@@ -4212,74 +4848,55 @@
                 <a:solidFill>
                   <a:schemeClr val="bg1"/>
                 </a:solidFill>
-              </a:rPr>
-              <a:t>AJAX = </a:t>
-            </a:r>
-            <a:r>
-              <a:rPr lang="en-GB" sz="3600" b="1" dirty="0">
+                <a:latin typeface="Segoe UI" panose="020B0502040204020203" pitchFamily="34" charset="0"/>
+                <a:cs typeface="Segoe UI" panose="020B0502040204020203" pitchFamily="34" charset="0"/>
+              </a:rPr>
+              <a:t>HTTP VERB + URL = ENDPOINT</a:t>
+            </a:r>
+          </a:p>
+          <a:p>
+            <a:pPr marL="457200" lvl="1" indent="0">
+              <a:buNone/>
+            </a:pPr>
+            <a:r>
+              <a:rPr lang="en-GB" sz="3600" dirty="0">
                 <a:solidFill>
                   <a:schemeClr val="bg1"/>
                 </a:solidFill>
-              </a:rPr>
-              <a:t>A</a:t>
-            </a:r>
-            <a:r>
-              <a:rPr lang="en-GB" sz="3600" dirty="0">
+                <a:latin typeface="Segoe UI" panose="020B0502040204020203" pitchFamily="34" charset="0"/>
+                <a:cs typeface="Segoe UI" panose="020B0502040204020203" pitchFamily="34" charset="0"/>
+              </a:rPr>
+              <a:t>GET/POST + same URL = 2 ENDPOINTS</a:t>
+            </a:r>
+          </a:p>
+          <a:p>
+            <a:pPr marL="457200" lvl="1" indent="0">
+              <a:buNone/>
+            </a:pPr>
+            <a:r>
+              <a:rPr lang="en-GB" sz="2400" dirty="0">
                 <a:solidFill>
                   <a:schemeClr val="bg1"/>
                 </a:solidFill>
-              </a:rPr>
-              <a:t>synchronous </a:t>
-            </a:r>
-            <a:r>
-              <a:rPr lang="en-GB" sz="3600" b="1" dirty="0">
+                <a:hlinkClick r:id="rId2">
+                  <a:extLst>
+                    <a:ext uri="{A12FA001-AC4F-418D-AE19-62706E023703}">
+                      <ahyp:hlinkClr xmlns:ahyp="http://schemas.microsoft.com/office/drawing/2018/hyperlinkcolor" val="tx"/>
+                    </a:ext>
+                  </a:extLst>
+                </a:hlinkClick>
+              </a:rPr>
+              <a:t>https://wpjs.co.uk/wpb/wp-json/wp/v2/posts</a:t>
+            </a:r>
+            <a:r>
+              <a:rPr lang="en-GB" sz="2400" dirty="0">
                 <a:solidFill>
                   <a:schemeClr val="bg1"/>
                 </a:solidFill>
               </a:rPr>
-              <a:t>J</a:t>
-            </a:r>
-            <a:r>
-              <a:rPr lang="en-GB" sz="3600" dirty="0">
-                <a:solidFill>
-                  <a:schemeClr val="bg1"/>
-                </a:solidFill>
-              </a:rPr>
-              <a:t>avaScript </a:t>
-            </a:r>
-            <a:r>
-              <a:rPr lang="en-GB" sz="3600" b="1" dirty="0">
-                <a:solidFill>
-                  <a:schemeClr val="bg1"/>
-                </a:solidFill>
-              </a:rPr>
-              <a:t>A</a:t>
-            </a:r>
-            <a:r>
-              <a:rPr lang="en-GB" sz="3600" dirty="0">
-                <a:solidFill>
-                  <a:schemeClr val="bg1"/>
-                </a:solidFill>
-              </a:rPr>
-              <a:t>nd </a:t>
-            </a:r>
-            <a:r>
-              <a:rPr lang="en-GB" sz="3600" b="1" dirty="0">
-                <a:solidFill>
-                  <a:schemeClr val="bg1"/>
-                </a:solidFill>
-              </a:rPr>
-              <a:t>X</a:t>
-            </a:r>
-            <a:r>
-              <a:rPr lang="en-GB" sz="3600" dirty="0">
-                <a:solidFill>
-                  <a:schemeClr val="bg1"/>
-                </a:solidFill>
-              </a:rPr>
-              <a:t>ML.</a:t>
-            </a:r>
-            <a:endParaRPr lang="en-GB" sz="3600" dirty="0">
+              <a:t>  GET/POST/DELETE</a:t>
+            </a:r>
+            <a:endParaRPr lang="en-GB" sz="2400" dirty="0">
               <a:solidFill>
                 <a:schemeClr val="bg1"/>
               </a:solidFill>
@@ -4288,47 +4905,6 @@
             </a:endParaRPr>
           </a:p>
           <a:p>
-            <a:pPr lvl="1"/>
-            <a:r>
-              <a:rPr lang="en-GB" sz="3600" dirty="0">
-                <a:solidFill>
-                  <a:schemeClr val="bg1"/>
-                </a:solidFill>
-              </a:rPr>
-              <a:t>Read data from a web server </a:t>
-            </a:r>
-            <a:r>
-              <a:rPr lang="en-GB" sz="3600" i="1" dirty="0">
-                <a:solidFill>
-                  <a:schemeClr val="bg1"/>
-                </a:solidFill>
-              </a:rPr>
-              <a:t>without reloading the page</a:t>
-            </a:r>
-          </a:p>
-          <a:p>
-            <a:pPr lvl="1"/>
-            <a:r>
-              <a:rPr lang="en-GB" sz="3600" dirty="0">
-                <a:solidFill>
-                  <a:schemeClr val="bg1"/>
-                </a:solidFill>
-              </a:rPr>
-              <a:t>Update a web page</a:t>
-            </a:r>
-          </a:p>
-          <a:p>
-            <a:pPr lvl="1"/>
-            <a:r>
-              <a:rPr lang="en-GB" sz="3600" dirty="0">
-                <a:solidFill>
-                  <a:schemeClr val="bg1"/>
-                </a:solidFill>
-              </a:rPr>
-              <a:t>Send data to a web server - in the background</a:t>
-            </a:r>
-          </a:p>
-          <a:p>
             <a:endParaRPr lang="en-GB" dirty="0"/>
           </a:p>
         </p:txBody>
@@ -4336,7 +4912,7 @@
     </p:spTree>
     <p:extLst>
       <p:ext uri="{BB962C8B-B14F-4D97-AF65-F5344CB8AC3E}">
-        <p14:creationId xmlns:p14="http://schemas.microsoft.com/office/powerpoint/2010/main" val="1482472910"/>
+        <p14:creationId xmlns:p14="http://schemas.microsoft.com/office/powerpoint/2010/main" val="3261839569"/>
       </p:ext>
     </p:extLst>
   </p:cSld>
@@ -4381,7 +4957,7 @@
         </p:nvSpPr>
         <p:spPr>
           <a:xfrm>
-            <a:off x="910628" y="354940"/>
+            <a:off x="920153" y="320950"/>
             <a:ext cx="10515600" cy="892835"/>
           </a:xfrm>
         </p:spPr>
@@ -4395,7 +4971,7 @@
                   <a:schemeClr val="bg1"/>
                 </a:solidFill>
               </a:rPr>
-              <a:t>JSON – JavaScript Object Notation</a:t>
+              <a:t>AJAX</a:t>
             </a:r>
           </a:p>
         </p:txBody>
@@ -4418,7 +4994,7 @@
         </p:nvSpPr>
         <p:spPr>
           <a:xfrm>
-            <a:off x="669200" y="532921"/>
+            <a:off x="838200" y="904875"/>
             <a:ext cx="10515600" cy="5185757"/>
           </a:xfrm>
         </p:spPr>
@@ -4440,79 +5016,128 @@
             </a:endParaRPr>
           </a:p>
           <a:p>
-            <a:pPr lvl="1"/>
-            <a:r>
-              <a:rPr lang="en-GB" sz="4400" dirty="0">
+            <a:pPr marL="457200" lvl="1" indent="0">
+              <a:buNone/>
+            </a:pPr>
+            <a:r>
+              <a:rPr lang="en-GB" sz="3600" dirty="0">
                 <a:solidFill>
                   <a:schemeClr val="bg1"/>
                 </a:solidFill>
               </a:rPr>
-              <a:t>{ “id”: 1, “name”: ”Craig” }</a:t>
-            </a:r>
-          </a:p>
-          <a:p>
-            <a:pPr lvl="1"/>
-            <a:r>
-              <a:rPr lang="en-GB" sz="2800" dirty="0">
+              <a:t>AJAX = </a:t>
+            </a:r>
+            <a:r>
+              <a:rPr lang="en-GB" sz="3600" b="1" dirty="0">
                 <a:solidFill>
                   <a:schemeClr val="bg1"/>
                 </a:solidFill>
               </a:rPr>
-              <a:t>Data</a:t>
-            </a:r>
-            <a:r>
-              <a:rPr lang="en-GB" sz="3200" dirty="0">
+              <a:t>A</a:t>
+            </a:r>
+            <a:r>
+              <a:rPr lang="en-GB" sz="3600" dirty="0">
                 <a:solidFill>
                   <a:schemeClr val="bg1"/>
                 </a:solidFill>
               </a:rPr>
-              <a:t> is in name/value pairs separated by </a:t>
-            </a:r>
-            <a:r>
-              <a:rPr lang="en-GB" sz="3200">
+              <a:t>synchronous </a:t>
+            </a:r>
+            <a:r>
+              <a:rPr lang="en-GB" sz="3600" b="1" dirty="0">
                 <a:solidFill>
                   <a:schemeClr val="bg1"/>
                 </a:solidFill>
               </a:rPr>
-              <a:t>commas.</a:t>
-            </a:r>
-            <a:endParaRPr lang="en-GB" sz="4400" dirty="0">
+              <a:t>J</a:t>
+            </a:r>
+            <a:r>
+              <a:rPr lang="en-GB" sz="3600" dirty="0">
+                <a:solidFill>
+                  <a:schemeClr val="bg1"/>
+                </a:solidFill>
+              </a:rPr>
+              <a:t>avaScript </a:t>
+            </a:r>
+            <a:r>
+              <a:rPr lang="en-GB" sz="3600" b="1" dirty="0">
+                <a:solidFill>
+                  <a:schemeClr val="bg1"/>
+                </a:solidFill>
+              </a:rPr>
+              <a:t>A</a:t>
+            </a:r>
+            <a:r>
+              <a:rPr lang="en-GB" sz="3600" dirty="0">
+                <a:solidFill>
+                  <a:schemeClr val="bg1"/>
+                </a:solidFill>
+              </a:rPr>
+              <a:t>nd </a:t>
+            </a:r>
+            <a:r>
+              <a:rPr lang="en-GB" sz="3600" b="1" dirty="0">
+                <a:solidFill>
+                  <a:schemeClr val="bg1"/>
+                </a:solidFill>
+              </a:rPr>
+              <a:t>X</a:t>
+            </a:r>
+            <a:r>
+              <a:rPr lang="en-GB" sz="3600" dirty="0">
+                <a:solidFill>
+                  <a:schemeClr val="bg1"/>
+                </a:solidFill>
+              </a:rPr>
+              <a:t>ML.</a:t>
+            </a:r>
+            <a:endParaRPr lang="en-GB" sz="3600" dirty="0">
               <a:solidFill>
                 <a:schemeClr val="bg1"/>
               </a:solidFill>
+              <a:latin typeface="Segoe UI" panose="020B0502040204020203" pitchFamily="34" charset="0"/>
+              <a:cs typeface="Segoe UI" panose="020B0502040204020203" pitchFamily="34" charset="0"/>
             </a:endParaRPr>
           </a:p>
           <a:p>
             <a:pPr lvl="1"/>
             <a:r>
-              <a:rPr lang="en-GB" sz="2800" dirty="0">
+              <a:rPr lang="en-GB" sz="3600" dirty="0">
                 <a:solidFill>
                   <a:schemeClr val="bg1"/>
                 </a:solidFill>
               </a:rPr>
-              <a:t>JSON is a lightweight format for storing and transporting data</a:t>
+              <a:t>Read data from a web server </a:t>
+            </a:r>
+            <a:r>
+              <a:rPr lang="en-GB" sz="3600" b="1" i="1" dirty="0">
+                <a:solidFill>
+                  <a:schemeClr val="bg1"/>
+                </a:solidFill>
+              </a:rPr>
+              <a:t>without reloading the page</a:t>
             </a:r>
           </a:p>
           <a:p>
             <a:pPr lvl="1"/>
             <a:r>
-              <a:rPr lang="en-GB" sz="2800" dirty="0">
+              <a:rPr lang="en-GB" sz="3600" dirty="0">
                 <a:solidFill>
                   <a:schemeClr val="bg1"/>
                 </a:solidFill>
               </a:rPr>
-              <a:t>JSON is often used when data is sent from a server to a web page.</a:t>
+              <a:t>Update a web page</a:t>
             </a:r>
           </a:p>
           <a:p>
             <a:pPr lvl="1"/>
             <a:r>
-              <a:rPr lang="en-GB" sz="2800" dirty="0">
+              <a:rPr lang="en-GB" sz="3600" dirty="0">
                 <a:solidFill>
                   <a:schemeClr val="bg1"/>
                 </a:solidFill>
               </a:rPr>
-              <a:t>JSON is "self-describing" and easy to understand.</a:t>
+              <a:t>Send data to a web server - in the background</a:t>
             </a:r>
           </a:p>
           <a:p>
@@ -4523,7 +5148,7 @@
     </p:spTree>
     <p:extLst>
       <p:ext uri="{BB962C8B-B14F-4D97-AF65-F5344CB8AC3E}">
-        <p14:creationId xmlns:p14="http://schemas.microsoft.com/office/powerpoint/2010/main" val="4018142618"/>
+        <p14:creationId xmlns:p14="http://schemas.microsoft.com/office/powerpoint/2010/main" val="1482472910"/>
       </p:ext>
     </p:extLst>
   </p:cSld>
@@ -4552,24 +5177,61 @@
       </p:grpSpPr>
       <p:sp>
         <p:nvSpPr>
-          <p:cNvPr id="3" name="Content Placeholder 2">
-            <a:extLst>
-              <a:ext uri="{FF2B5EF4-FFF2-40B4-BE49-F238E27FC236}">
-                <a16:creationId xmlns:a16="http://schemas.microsoft.com/office/drawing/2014/main" id="{C77D8FCA-15A2-453C-BEDB-B01FF3E48151}"/>
-              </a:ext>
-            </a:extLst>
-          </p:cNvPr>
-          <p:cNvSpPr>
-            <a:spLocks noGrp="1"/>
-          </p:cNvSpPr>
-          <p:nvPr>
-            <p:ph idx="1"/>
+          <p:cNvPr id="2" name="Title 1">
+            <a:extLst>
+              <a:ext uri="{FF2B5EF4-FFF2-40B4-BE49-F238E27FC236}">
+                <a16:creationId xmlns:a16="http://schemas.microsoft.com/office/drawing/2014/main" id="{81769C98-962F-4C3A-B575-99BB0A9C6763}"/>
+              </a:ext>
+            </a:extLst>
+          </p:cNvPr>
+          <p:cNvSpPr>
+            <a:spLocks noGrp="1"/>
+          </p:cNvSpPr>
+          <p:nvPr>
+            <p:ph type="title"/>
           </p:nvPr>
         </p:nvSpPr>
         <p:spPr>
           <a:xfrm>
-            <a:off x="742950" y="1488416"/>
-            <a:ext cx="10515600" cy="4236110"/>
+            <a:off x="910628" y="354940"/>
+            <a:ext cx="10515600" cy="892835"/>
+          </a:xfrm>
+        </p:spPr>
+        <p:txBody>
+          <a:bodyPr/>
+          <a:lstStyle/>
+          <a:p>
+            <a:r>
+              <a:rPr lang="en-GB" dirty="0">
+                <a:solidFill>
+                  <a:schemeClr val="bg1"/>
+                </a:solidFill>
+              </a:rPr>
+              <a:t>JSON – JavaScript Object Notation</a:t>
+            </a:r>
+          </a:p>
+        </p:txBody>
+      </p:sp>
+      <p:sp>
+        <p:nvSpPr>
+          <p:cNvPr id="3" name="Content Placeholder 2">
+            <a:extLst>
+              <a:ext uri="{FF2B5EF4-FFF2-40B4-BE49-F238E27FC236}">
+                <a16:creationId xmlns:a16="http://schemas.microsoft.com/office/drawing/2014/main" id="{C77D8FCA-15A2-453C-BEDB-B01FF3E48151}"/>
+              </a:ext>
+            </a:extLst>
+          </p:cNvPr>
+          <p:cNvSpPr>
+            <a:spLocks noGrp="1"/>
+          </p:cNvSpPr>
+          <p:nvPr>
+            <p:ph idx="1"/>
+          </p:nvPr>
+        </p:nvSpPr>
+        <p:spPr>
+          <a:xfrm>
+            <a:off x="669200" y="532921"/>
+            <a:ext cx="10515600" cy="5185757"/>
           </a:xfrm>
         </p:spPr>
         <p:txBody>
@@ -4581,7 +5243,7 @@
             <a:pPr marL="457200" lvl="1" indent="0">
               <a:buNone/>
             </a:pPr>
-            <a:endParaRPr lang="en-GB" sz="2000" dirty="0">
+            <a:endParaRPr lang="en-GB" sz="900" dirty="0">
               <a:solidFill>
                 <a:schemeClr val="bg1"/>
               </a:solidFill>
@@ -4592,122 +5254,88 @@
           <a:p>
             <a:pPr lvl="1"/>
             <a:r>
-              <a:rPr lang="en-GB" dirty="0">
+              <a:rPr lang="en-GB" sz="4400" dirty="0">
                 <a:solidFill>
                   <a:schemeClr val="bg1"/>
                 </a:solidFill>
               </a:rPr>
-              <a:t>Strings – Booleans – Numbers </a:t>
+              <a:t>{ “id”: 1, “name”: ”Craig” }</a:t>
             </a:r>
           </a:p>
           <a:p>
             <a:pPr lvl="1"/>
             <a:r>
-              <a:rPr lang="en-GB" dirty="0">
+              <a:rPr lang="en-GB" sz="2800" dirty="0">
                 <a:solidFill>
                   <a:schemeClr val="bg1"/>
                 </a:solidFill>
               </a:rPr>
-              <a:t>Null – Object - Array</a:t>
-            </a:r>
-            <a:endParaRPr lang="en-GB" dirty="0">
-              <a:solidFill>
-                <a:schemeClr val="bg1"/>
-              </a:solidFill>
-              <a:latin typeface="Segoe UI" panose="020B0502040204020203" pitchFamily="34" charset="0"/>
-              <a:cs typeface="Segoe UI" panose="020B0502040204020203" pitchFamily="34" charset="0"/>
-            </a:endParaRPr>
-          </a:p>
-          <a:p>
-            <a:pPr marL="457200" lvl="1" indent="0">
-              <a:buNone/>
-            </a:pPr>
+              <a:t>Data</a:t>
+            </a:r>
             <a:r>
               <a:rPr lang="en-GB" sz="3200" dirty="0">
                 <a:solidFill>
                   <a:schemeClr val="bg1"/>
                 </a:solidFill>
-                <a:hlinkClick r:id="rId2">
-                  <a:extLst>
-                    <a:ext uri="{A12FA001-AC4F-418D-AE19-62706E023703}">
-                      <ahyp:hlinkClr xmlns:ahyp="http://schemas.microsoft.com/office/drawing/2018/hyperlinkcolor" val="tx"/>
-                    </a:ext>
-                  </a:extLst>
-                </a:hlinkClick>
-              </a:rPr>
-              <a:t>https://wp-html.co.uk/greece/wp-json/wp/v2/posts</a:t>
-            </a:r>
-            <a:endParaRPr lang="en-GB" sz="3200" dirty="0">
-              <a:solidFill>
-                <a:schemeClr val="bg1"/>
-              </a:solidFill>
-              <a:latin typeface="Segoe UI" panose="020B0502040204020203" pitchFamily="34" charset="0"/>
-              <a:cs typeface="Segoe UI" panose="020B0502040204020203" pitchFamily="34" charset="0"/>
-            </a:endParaRPr>
-          </a:p>
-          <a:p>
-            <a:endParaRPr lang="en-GB" sz="2000" dirty="0">
+              </a:rPr>
+              <a:t> is in name/value pairs separated by </a:t>
+            </a:r>
+            <a:r>
+              <a:rPr lang="en-GB" sz="3200">
+                <a:solidFill>
+                  <a:schemeClr val="bg1"/>
+                </a:solidFill>
+              </a:rPr>
+              <a:t>commas.</a:t>
+            </a:r>
+            <a:endParaRPr lang="en-GB" sz="4400" dirty="0">
               <a:solidFill>
                 <a:schemeClr val="bg1"/>
               </a:solidFill>
             </a:endParaRPr>
           </a:p>
-        </p:txBody>
-      </p:sp>
-      <p:sp>
-        <p:nvSpPr>
-          <p:cNvPr id="6" name="Title 1">
-            <a:extLst>
-              <a:ext uri="{FF2B5EF4-FFF2-40B4-BE49-F238E27FC236}">
-                <a16:creationId xmlns:a16="http://schemas.microsoft.com/office/drawing/2014/main" id="{C0582C0D-9651-4536-A891-9AA341901EC9}"/>
-              </a:ext>
-            </a:extLst>
-          </p:cNvPr>
-          <p:cNvSpPr>
-            <a:spLocks noGrp="1"/>
-          </p:cNvSpPr>
-          <p:nvPr>
-            <p:ph type="title"/>
-          </p:nvPr>
-        </p:nvSpPr>
-        <p:spPr>
-          <a:xfrm>
-            <a:off x="910628" y="354940"/>
-            <a:ext cx="10515600" cy="892835"/>
-          </a:xfrm>
-        </p:spPr>
-        <p:txBody>
-          <a:bodyPr/>
-          <a:lstStyle/>
-          <a:p>
-            <a:r>
-              <a:rPr lang="en-GB" dirty="0">
+          <a:p>
+            <a:pPr lvl="1"/>
+            <a:r>
+              <a:rPr lang="en-GB" sz="2800" dirty="0">
                 <a:solidFill>
                   <a:schemeClr val="bg1"/>
                 </a:solidFill>
               </a:rPr>
-              <a:t>JSON </a:t>
-            </a:r>
-            <a:r>
-              <a:rPr lang="en-GB">
+              <a:t>JSON is a lightweight format for storing and transporting data</a:t>
+            </a:r>
+          </a:p>
+          <a:p>
+            <a:pPr lvl="1"/>
+            <a:r>
+              <a:rPr lang="en-GB" sz="2800" dirty="0">
                 <a:solidFill>
                   <a:schemeClr val="bg1"/>
                 </a:solidFill>
               </a:rPr>
-              <a:t>– Data Types</a:t>
-            </a:r>
-            <a:endParaRPr lang="en-GB" dirty="0">
-              <a:solidFill>
-                <a:schemeClr val="bg1"/>
-              </a:solidFill>
-            </a:endParaRPr>
+              <a:t>JSON is often used when data is sent from a server to a web page.</a:t>
+            </a:r>
+          </a:p>
+          <a:p>
+            <a:pPr lvl="1"/>
+            <a:r>
+              <a:rPr lang="en-GB" sz="2800" dirty="0">
+                <a:solidFill>
+                  <a:schemeClr val="bg1"/>
+                </a:solidFill>
+              </a:rPr>
+              <a:t>JSON is "self-describing" and easy to understand.</a:t>
+            </a:r>
+          </a:p>
+          <a:p>
+            <a:endParaRPr lang="en-GB" dirty="0"/>
           </a:p>
         </p:txBody>
       </p:sp>
     </p:spTree>
     <p:extLst>
       <p:ext uri="{BB962C8B-B14F-4D97-AF65-F5344CB8AC3E}">
-        <p14:creationId xmlns:p14="http://schemas.microsoft.com/office/powerpoint/2010/main" val="2317002714"/>
+        <p14:creationId xmlns:p14="http://schemas.microsoft.com/office/powerpoint/2010/main" val="4018142618"/>
       </p:ext>
     </p:extLst>
   </p:cSld>
@@ -4736,73 +5364,24 @@
       </p:grpSpPr>
       <p:sp>
         <p:nvSpPr>
-          <p:cNvPr id="2" name="Title 1">
-            <a:extLst>
-              <a:ext uri="{FF2B5EF4-FFF2-40B4-BE49-F238E27FC236}">
-                <a16:creationId xmlns:a16="http://schemas.microsoft.com/office/drawing/2014/main" id="{81769C98-962F-4C3A-B575-99BB0A9C6763}"/>
-              </a:ext>
-            </a:extLst>
-          </p:cNvPr>
-          <p:cNvSpPr>
-            <a:spLocks noGrp="1"/>
-          </p:cNvSpPr>
-          <p:nvPr>
-            <p:ph type="title"/>
+          <p:cNvPr id="3" name="Content Placeholder 2">
+            <a:extLst>
+              <a:ext uri="{FF2B5EF4-FFF2-40B4-BE49-F238E27FC236}">
+                <a16:creationId xmlns:a16="http://schemas.microsoft.com/office/drawing/2014/main" id="{C77D8FCA-15A2-453C-BEDB-B01FF3E48151}"/>
+              </a:ext>
+            </a:extLst>
+          </p:cNvPr>
+          <p:cNvSpPr>
+            <a:spLocks noGrp="1"/>
+          </p:cNvSpPr>
+          <p:nvPr>
+            <p:ph idx="1"/>
           </p:nvPr>
         </p:nvSpPr>
         <p:spPr>
           <a:xfrm>
-            <a:off x="910628" y="304893"/>
-            <a:ext cx="10515600" cy="892835"/>
-          </a:xfrm>
-        </p:spPr>
-        <p:txBody>
-          <a:bodyPr/>
-          <a:lstStyle/>
-          <a:p>
-            <a:r>
-              <a:rPr lang="en-GB" dirty="0">
-                <a:solidFill>
-                  <a:schemeClr val="bg1"/>
-                </a:solidFill>
-              </a:rPr>
-              <a:t>Workshop</a:t>
-            </a:r>
-            <a:r>
-              <a:rPr lang="en-GB" dirty="0"/>
-              <a:t> </a:t>
-            </a:r>
-            <a:r>
-              <a:rPr lang="en-GB" dirty="0">
-                <a:solidFill>
-                  <a:schemeClr val="bg1"/>
-                </a:solidFill>
-              </a:rPr>
-              <a:t>resources</a:t>
-            </a:r>
-          </a:p>
-        </p:txBody>
-      </p:sp>
-      <p:sp>
-        <p:nvSpPr>
-          <p:cNvPr id="3" name="Content Placeholder 2">
-            <a:extLst>
-              <a:ext uri="{FF2B5EF4-FFF2-40B4-BE49-F238E27FC236}">
-                <a16:creationId xmlns:a16="http://schemas.microsoft.com/office/drawing/2014/main" id="{C77D8FCA-15A2-453C-BEDB-B01FF3E48151}"/>
-              </a:ext>
-            </a:extLst>
-          </p:cNvPr>
-          <p:cNvSpPr>
-            <a:spLocks noGrp="1"/>
-          </p:cNvSpPr>
-          <p:nvPr>
-            <p:ph idx="1"/>
-          </p:nvPr>
-        </p:nvSpPr>
-        <p:spPr>
-          <a:xfrm>
-            <a:off x="910628" y="1348300"/>
-            <a:ext cx="10515600" cy="5185757"/>
+            <a:off x="742950" y="1488416"/>
+            <a:ext cx="10515600" cy="4236110"/>
           </a:xfrm>
         </p:spPr>
         <p:txBody>
@@ -4811,18 +5390,50 @@
           </a:bodyPr>
           <a:lstStyle/>
           <a:p>
-            <a:r>
-              <a:rPr lang="en-GB" dirty="0"/>
-              <a:t>The following link has the workshop manual, code and also the ability to clone the WP site.</a:t>
-            </a:r>
-          </a:p>
-          <a:p>
-            <a:r>
-              <a:rPr lang="en-GB" dirty="0"/>
-              <a:t>We will go through how to clone the site.</a:t>
-            </a:r>
-          </a:p>
-          <a:p>
+            <a:pPr marL="457200" lvl="1" indent="0">
+              <a:buNone/>
+            </a:pPr>
+            <a:endParaRPr lang="en-GB" sz="2000" dirty="0">
+              <a:solidFill>
+                <a:schemeClr val="bg1"/>
+              </a:solidFill>
+              <a:latin typeface="Segoe UI" panose="020B0502040204020203" pitchFamily="34" charset="0"/>
+              <a:cs typeface="Segoe UI" panose="020B0502040204020203" pitchFamily="34" charset="0"/>
+            </a:endParaRPr>
+          </a:p>
+          <a:p>
+            <a:pPr lvl="1"/>
+            <a:r>
+              <a:rPr lang="en-GB" dirty="0">
+                <a:solidFill>
+                  <a:schemeClr val="bg1"/>
+                </a:solidFill>
+              </a:rPr>
+              <a:t>Strings – Booleans – Numbers </a:t>
+            </a:r>
+          </a:p>
+          <a:p>
+            <a:pPr lvl="1"/>
+            <a:r>
+              <a:rPr lang="en-GB" dirty="0">
+                <a:solidFill>
+                  <a:schemeClr val="bg1"/>
+                </a:solidFill>
+              </a:rPr>
+              <a:t>Null – Object - Array</a:t>
+            </a:r>
+            <a:endParaRPr lang="en-GB" dirty="0">
+              <a:solidFill>
+                <a:schemeClr val="bg1"/>
+              </a:solidFill>
+              <a:latin typeface="Segoe UI" panose="020B0502040204020203" pitchFamily="34" charset="0"/>
+              <a:cs typeface="Segoe UI" panose="020B0502040204020203" pitchFamily="34" charset="0"/>
+            </a:endParaRPr>
+          </a:p>
+          <a:p>
+            <a:pPr marL="457200" lvl="1" indent="0">
+              <a:buNone/>
+            </a:pPr>
             <a:r>
               <a:rPr lang="en-GB" sz="3200" dirty="0">
                 <a:solidFill>
@@ -4836,23 +5447,99 @@
                   </a:extLst>
                 </a:hlinkClick>
               </a:rPr>
-              <a:t>https://github.com/iwswordpress/WordCampGreece</a:t>
+              <a:t>The ‘hello world of the WP REST API’:</a:t>
+            </a:r>
+          </a:p>
+          <a:p>
+            <a:pPr marL="457200" lvl="1" indent="0">
+              <a:buNone/>
+            </a:pPr>
+            <a:r>
+              <a:rPr lang="en-GB" sz="3200" dirty="0">
+                <a:solidFill>
+                  <a:schemeClr val="bg1"/>
+                </a:solidFill>
+                <a:hlinkClick r:id="rId2">
+                  <a:extLst>
+                    <a:ext uri="{A12FA001-AC4F-418D-AE19-62706E023703}">
+                      <ahyp:hlinkClr xmlns:ahyp="http://schemas.microsoft.com/office/drawing/2018/hyperlinkcolor" val="tx"/>
+                    </a:ext>
+                  </a:extLst>
+                </a:hlinkClick>
+              </a:rPr>
+              <a:t>https://wp-html.co.uk/greece/wp-json/wp/v2/posts</a:t>
             </a:r>
             <a:endParaRPr lang="en-GB" sz="3200" dirty="0">
               <a:solidFill>
                 <a:schemeClr val="bg1"/>
               </a:solidFill>
+              <a:latin typeface="Segoe UI" panose="020B0502040204020203" pitchFamily="34" charset="0"/>
+              <a:cs typeface="Segoe UI" panose="020B0502040204020203" pitchFamily="34" charset="0"/>
             </a:endParaRPr>
           </a:p>
           <a:p>
-            <a:endParaRPr lang="en-GB" dirty="0"/>
+            <a:endParaRPr lang="en-GB" sz="2000" dirty="0">
+              <a:solidFill>
+                <a:schemeClr val="bg1"/>
+              </a:solidFill>
+            </a:endParaRPr>
+          </a:p>
+        </p:txBody>
+      </p:sp>
+      <p:sp>
+        <p:nvSpPr>
+          <p:cNvPr id="6" name="Title 1">
+            <a:extLst>
+              <a:ext uri="{FF2B5EF4-FFF2-40B4-BE49-F238E27FC236}">
+                <a16:creationId xmlns:a16="http://schemas.microsoft.com/office/drawing/2014/main" id="{C0582C0D-9651-4536-A891-9AA341901EC9}"/>
+              </a:ext>
+            </a:extLst>
+          </p:cNvPr>
+          <p:cNvSpPr>
+            <a:spLocks noGrp="1"/>
+          </p:cNvSpPr>
+          <p:nvPr>
+            <p:ph type="title"/>
+          </p:nvPr>
+        </p:nvSpPr>
+        <p:spPr>
+          <a:xfrm>
+            <a:off x="910628" y="354940"/>
+            <a:ext cx="10515600" cy="892835"/>
+          </a:xfrm>
+        </p:spPr>
+        <p:txBody>
+          <a:bodyPr/>
+          <a:lstStyle/>
+          <a:p>
+            <a:r>
+              <a:rPr lang="en-GB" dirty="0">
+                <a:solidFill>
+                  <a:schemeClr val="bg1"/>
+                </a:solidFill>
+              </a:rPr>
+              <a:t>JSON </a:t>
+            </a:r>
+            <a:r>
+              <a:rPr lang="en-GB">
+                <a:solidFill>
+                  <a:schemeClr val="bg1"/>
+                </a:solidFill>
+              </a:rPr>
+              <a:t>– Data Types</a:t>
+            </a:r>
+            <a:endParaRPr lang="en-GB" dirty="0">
+              <a:solidFill>
+                <a:schemeClr val="bg1"/>
+              </a:solidFill>
+            </a:endParaRPr>
           </a:p>
         </p:txBody>
       </p:sp>
     </p:spTree>
     <p:extLst>
       <p:ext uri="{BB962C8B-B14F-4D97-AF65-F5344CB8AC3E}">
-        <p14:creationId xmlns:p14="http://schemas.microsoft.com/office/powerpoint/2010/main" val="2880086047"/>
+        <p14:creationId xmlns:p14="http://schemas.microsoft.com/office/powerpoint/2010/main" val="2317002714"/>
       </p:ext>
     </p:extLst>
   </p:cSld>
@@ -4897,7 +5584,7 @@
         </p:nvSpPr>
         <p:spPr>
           <a:xfrm>
-            <a:off x="910628" y="323943"/>
+            <a:off x="910628" y="304893"/>
             <a:ext cx="10515600" cy="892835"/>
           </a:xfrm>
         </p:spPr>
@@ -4911,7 +5598,19 @@
                   <a:schemeClr val="bg1"/>
                 </a:solidFill>
               </a:rPr>
-              <a:t>Wrap Up</a:t>
+              <a:t>Workshop</a:t>
+            </a:r>
+            <a:r>
+              <a:rPr lang="en-GB" dirty="0"/>
+              <a:t> </a:t>
+            </a:r>
+            <a:r>
+              <a:rPr lang="en-GB" dirty="0">
+                <a:solidFill>
+                  <a:schemeClr val="bg1"/>
+                </a:solidFill>
+              </a:rPr>
+              <a:t>resources</a:t>
             </a:r>
           </a:p>
         </p:txBody>
@@ -4946,14 +5645,192 @@
           <a:p>
             <a:r>
               <a:rPr lang="en-GB" dirty="0"/>
+              <a:t>The following link has the workshop manual, code and also the ability to clone the WP site.</a:t>
+            </a:r>
+          </a:p>
+          <a:p>
+            <a:r>
+              <a:rPr lang="en-GB" dirty="0"/>
+              <a:t>We will go through how to clone the site.</a:t>
+            </a:r>
+          </a:p>
+          <a:p>
+            <a:r>
+              <a:rPr lang="en-GB" dirty="0">
+                <a:solidFill>
+                  <a:schemeClr val="bg1"/>
+                </a:solidFill>
+                <a:hlinkClick r:id="rId2">
+                  <a:extLst>
+                    <a:ext uri="{A12FA001-AC4F-418D-AE19-62706E023703}">
+                      <ahyp:hlinkClr xmlns:ahyp="http://schemas.microsoft.com/office/drawing/2018/hyperlinkcolor" val="tx"/>
+                    </a:ext>
+                  </a:extLst>
+                </a:hlinkClick>
+              </a:rPr>
+              <a:t>https://wp-html.co.uk/workshop</a:t>
+            </a:r>
+            <a:r>
+              <a:rPr lang="en-GB" dirty="0">
+                <a:solidFill>
+                  <a:schemeClr val="bg1"/>
+                </a:solidFill>
+              </a:rPr>
+              <a:t> - has all links.</a:t>
+            </a:r>
+          </a:p>
+          <a:p>
+            <a:r>
+              <a:rPr lang="en-GB" sz="3200" dirty="0">
+                <a:solidFill>
+                  <a:schemeClr val="bg1"/>
+                </a:solidFill>
+                <a:hlinkClick r:id="rId3">
+                  <a:extLst>
+                    <a:ext uri="{A12FA001-AC4F-418D-AE19-62706E023703}">
+                      <ahyp:hlinkClr xmlns:ahyp="http://schemas.microsoft.com/office/drawing/2018/hyperlinkcolor" val="tx"/>
+                    </a:ext>
+                  </a:extLst>
+                </a:hlinkClick>
+              </a:rPr>
+              <a:t>https://github.com/iwswordpress/WordCampGreece</a:t>
+            </a:r>
+            <a:endParaRPr lang="en-GB" sz="3200" dirty="0">
+              <a:solidFill>
+                <a:schemeClr val="bg1"/>
+              </a:solidFill>
+            </a:endParaRPr>
+          </a:p>
+          <a:p>
+            <a:endParaRPr lang="en-GB" dirty="0"/>
+          </a:p>
+        </p:txBody>
+      </p:sp>
+    </p:spTree>
+    <p:extLst>
+      <p:ext uri="{BB962C8B-B14F-4D97-AF65-F5344CB8AC3E}">
+        <p14:creationId xmlns:p14="http://schemas.microsoft.com/office/powerpoint/2010/main" val="2880086047"/>
+      </p:ext>
+    </p:extLst>
+  </p:cSld>
+  <p:clrMapOvr>
+    <a:masterClrMapping/>
+  </p:clrMapOvr>
+</p:sld>
+</file>
+
+<file path=ppt/slides/slide17.xml><?xml version="1.0" encoding="utf-8"?>
+<p:sld xmlns:a="http://schemas.openxmlformats.org/drawingml/2006/main" xmlns:r="http://schemas.openxmlformats.org/officeDocument/2006/relationships" xmlns:p="http://schemas.openxmlformats.org/presentationml/2006/main">
+  <p:cSld>
+    <p:spTree>
+      <p:nvGrpSpPr>
+        <p:cNvPr id="1" name=""/>
+        <p:cNvGrpSpPr/>
+        <p:nvPr/>
+      </p:nvGrpSpPr>
+      <p:grpSpPr>
+        <a:xfrm>
+          <a:off x="0" y="0"/>
+          <a:ext cx="0" cy="0"/>
+          <a:chOff x="0" y="0"/>
+          <a:chExt cx="0" cy="0"/>
+        </a:xfrm>
+      </p:grpSpPr>
+      <p:sp>
+        <p:nvSpPr>
+          <p:cNvPr id="2" name="Title 1">
+            <a:extLst>
+              <a:ext uri="{FF2B5EF4-FFF2-40B4-BE49-F238E27FC236}">
+                <a16:creationId xmlns:a16="http://schemas.microsoft.com/office/drawing/2014/main" id="{81769C98-962F-4C3A-B575-99BB0A9C6763}"/>
+              </a:ext>
+            </a:extLst>
+          </p:cNvPr>
+          <p:cNvSpPr>
+            <a:spLocks noGrp="1"/>
+          </p:cNvSpPr>
+          <p:nvPr>
+            <p:ph type="title"/>
+          </p:nvPr>
+        </p:nvSpPr>
+        <p:spPr>
+          <a:xfrm>
+            <a:off x="910628" y="323943"/>
+            <a:ext cx="10515600" cy="892835"/>
+          </a:xfrm>
+        </p:spPr>
+        <p:txBody>
+          <a:bodyPr/>
+          <a:lstStyle/>
+          <a:p>
+            <a:r>
+              <a:rPr lang="en-GB" dirty="0">
+                <a:solidFill>
+                  <a:schemeClr val="bg1"/>
+                </a:solidFill>
+              </a:rPr>
+              <a:t>Wrap Up</a:t>
+            </a:r>
+          </a:p>
+        </p:txBody>
+      </p:sp>
+      <p:sp>
+        <p:nvSpPr>
+          <p:cNvPr id="3" name="Content Placeholder 2">
+            <a:extLst>
+              <a:ext uri="{FF2B5EF4-FFF2-40B4-BE49-F238E27FC236}">
+                <a16:creationId xmlns:a16="http://schemas.microsoft.com/office/drawing/2014/main" id="{C77D8FCA-15A2-453C-BEDB-B01FF3E48151}"/>
+              </a:ext>
+            </a:extLst>
+          </p:cNvPr>
+          <p:cNvSpPr>
+            <a:spLocks noGrp="1"/>
+          </p:cNvSpPr>
+          <p:nvPr>
+            <p:ph idx="1"/>
+          </p:nvPr>
+        </p:nvSpPr>
+        <p:spPr>
+          <a:xfrm>
+            <a:off x="910628" y="1348300"/>
+            <a:ext cx="10515600" cy="5185757"/>
+          </a:xfrm>
+        </p:spPr>
+        <p:txBody>
+          <a:bodyPr>
+            <a:noAutofit/>
+          </a:bodyPr>
+          <a:lstStyle/>
+          <a:p>
+            <a:r>
+              <a:rPr lang="en-GB" dirty="0"/>
               <a:t>There is  free online course covering what we have done today.</a:t>
             </a:r>
           </a:p>
           <a:p>
             <a:r>
               <a:rPr lang="en-GB" dirty="0"/>
-              <a:t>The link is valid for 3 days.</a:t>
-            </a:r>
+              <a:t>The link is valid for 3 days – download these slides from </a:t>
+            </a:r>
+            <a:r>
+              <a:rPr lang="en-GB" dirty="0">
+                <a:solidFill>
+                  <a:schemeClr val="bg1"/>
+                </a:solidFill>
+                <a:hlinkClick r:id="rId2">
+                  <a:extLst>
+                    <a:ext uri="{A12FA001-AC4F-418D-AE19-62706E023703}">
+                      <ahyp:hlinkClr xmlns:ahyp="http://schemas.microsoft.com/office/drawing/2018/hyperlinkcolor" val="tx"/>
+                    </a:ext>
+                  </a:extLst>
+                </a:hlinkClick>
+              </a:rPr>
+              <a:t>https://wp-html.co.uk/workshop/</a:t>
+            </a:r>
+            <a:endParaRPr lang="en-GB" dirty="0">
+              <a:solidFill>
+                <a:schemeClr val="bg1"/>
+              </a:solidFill>
+            </a:endParaRPr>
           </a:p>
           <a:p>
             <a:r>
@@ -6600,6 +7477,365 @@
                   <a:schemeClr val="bg1"/>
                 </a:solidFill>
               </a:rPr>
+              <a:t>Implementation first approach</a:t>
+            </a:r>
+          </a:p>
+        </p:txBody>
+      </p:sp>
+      <p:sp>
+        <p:nvSpPr>
+          <p:cNvPr id="3" name="Content Placeholder 2">
+            <a:extLst>
+              <a:ext uri="{FF2B5EF4-FFF2-40B4-BE49-F238E27FC236}">
+                <a16:creationId xmlns:a16="http://schemas.microsoft.com/office/drawing/2014/main" id="{C77D8FCA-15A2-453C-BEDB-B01FF3E48151}"/>
+              </a:ext>
+            </a:extLst>
+          </p:cNvPr>
+          <p:cNvSpPr>
+            <a:spLocks noGrp="1"/>
+          </p:cNvSpPr>
+          <p:nvPr>
+            <p:ph idx="1"/>
+          </p:nvPr>
+        </p:nvSpPr>
+        <p:spPr>
+          <a:xfrm>
+            <a:off x="910628" y="1129860"/>
+            <a:ext cx="10515600" cy="5491113"/>
+          </a:xfrm>
+        </p:spPr>
+        <p:txBody>
+          <a:bodyPr>
+            <a:noAutofit/>
+          </a:bodyPr>
+          <a:lstStyle/>
+          <a:p>
+            <a:pPr marL="914400" lvl="1" indent="-457200">
+              <a:buFont typeface="Arial" panose="020B0604020202020204" pitchFamily="34" charset="0"/>
+              <a:buChar char="•"/>
+            </a:pPr>
+            <a:r>
+              <a:rPr lang="en-GB" sz="3200" dirty="0">
+                <a:solidFill>
+                  <a:schemeClr val="bg1"/>
+                </a:solidFill>
+              </a:rPr>
+              <a:t>Like using jQuery or any other libraries, we often use an ‘implementation first’ approach and later, if at all, focus on a deeper understanding.</a:t>
+            </a:r>
+            <a:endParaRPr lang="en-GB" sz="3200" dirty="0">
+              <a:solidFill>
+                <a:schemeClr val="bg1"/>
+              </a:solidFill>
+              <a:latin typeface="Segoe UI" panose="020B0502040204020203" pitchFamily="34" charset="0"/>
+              <a:cs typeface="Segoe UI" panose="020B0502040204020203" pitchFamily="34" charset="0"/>
+            </a:endParaRPr>
+          </a:p>
+          <a:p>
+            <a:pPr marL="914400" lvl="1" indent="-457200">
+              <a:buFont typeface="Arial" panose="020B0604020202020204" pitchFamily="34" charset="0"/>
+              <a:buChar char="•"/>
+            </a:pPr>
+            <a:r>
+              <a:rPr lang="en-GB" sz="3200" dirty="0">
+                <a:solidFill>
+                  <a:schemeClr val="bg1"/>
+                </a:solidFill>
+              </a:rPr>
+              <a:t>For this 90 minute workshop, you may need to do this for things like the FETCH API, JSON data etc.</a:t>
+            </a:r>
+          </a:p>
+          <a:p>
+            <a:pPr marL="914400" lvl="1" indent="-457200">
+              <a:buFont typeface="Arial" panose="020B0604020202020204" pitchFamily="34" charset="0"/>
+              <a:buChar char="•"/>
+            </a:pPr>
+            <a:r>
+              <a:rPr lang="en-GB" sz="3200" dirty="0">
+                <a:solidFill>
+                  <a:schemeClr val="bg1"/>
+                </a:solidFill>
+              </a:rPr>
+              <a:t>The code samples have full working implementation that you can break and put back to learn more.</a:t>
+            </a:r>
+          </a:p>
+          <a:p>
+            <a:pPr marL="914400" lvl="1" indent="-457200">
+              <a:buFont typeface="Arial" panose="020B0604020202020204" pitchFamily="34" charset="0"/>
+              <a:buChar char="•"/>
+            </a:pPr>
+            <a:endParaRPr lang="en-GB" sz="3200" dirty="0">
+              <a:solidFill>
+                <a:schemeClr val="bg1"/>
+              </a:solidFill>
+              <a:latin typeface="Segoe UI" panose="020B0502040204020203" pitchFamily="34" charset="0"/>
+              <a:cs typeface="Segoe UI" panose="020B0502040204020203" pitchFamily="34" charset="0"/>
+            </a:endParaRPr>
+          </a:p>
+          <a:p>
+            <a:pPr marL="914400" lvl="1" indent="-457200">
+              <a:buFont typeface="Arial" panose="020B0604020202020204" pitchFamily="34" charset="0"/>
+              <a:buChar char="•"/>
+            </a:pPr>
+            <a:endParaRPr lang="en-GB" sz="3200" dirty="0">
+              <a:solidFill>
+                <a:schemeClr val="bg1"/>
+              </a:solidFill>
+              <a:latin typeface="Segoe UI" panose="020B0502040204020203" pitchFamily="34" charset="0"/>
+              <a:cs typeface="Segoe UI" panose="020B0502040204020203" pitchFamily="34" charset="0"/>
+            </a:endParaRPr>
+          </a:p>
+        </p:txBody>
+      </p:sp>
+    </p:spTree>
+    <p:extLst>
+      <p:ext uri="{BB962C8B-B14F-4D97-AF65-F5344CB8AC3E}">
+        <p14:creationId xmlns:p14="http://schemas.microsoft.com/office/powerpoint/2010/main" val="3582583611"/>
+      </p:ext>
+    </p:extLst>
+  </p:cSld>
+  <p:clrMapOvr>
+    <a:masterClrMapping/>
+  </p:clrMapOvr>
+  <p:timing>
+    <p:tnLst>
+      <p:par>
+        <p:cTn id="1" dur="indefinite" restart="never" nodeType="tmRoot">
+          <p:childTnLst>
+            <p:seq concurrent="1" nextAc="seek">
+              <p:cTn id="2" dur="indefinite" nodeType="mainSeq">
+                <p:childTnLst>
+                  <p:par>
+                    <p:cTn id="3" fill="hold">
+                      <p:stCondLst>
+                        <p:cond delay="indefinite"/>
+                      </p:stCondLst>
+                      <p:childTnLst>
+                        <p:par>
+                          <p:cTn id="4" fill="hold">
+                            <p:stCondLst>
+                              <p:cond delay="0"/>
+                            </p:stCondLst>
+                            <p:childTnLst>
+                              <p:par>
+                                <p:cTn id="5" presetID="1" presetClass="entr" presetSubtype="0" fill="hold" nodeType="clickEffect">
+                                  <p:stCondLst>
+                                    <p:cond delay="0"/>
+                                  </p:stCondLst>
+                                  <p:childTnLst>
+                                    <p:set>
+                                      <p:cBhvr>
+                                        <p:cTn id="6" dur="1" fill="hold">
+                                          <p:stCondLst>
+                                            <p:cond delay="0"/>
+                                          </p:stCondLst>
+                                        </p:cTn>
+                                        <p:tgtEl>
+                                          <p:spTgt spid="3">
+                                            <p:txEl>
+                                              <p:pRg st="1" end="1"/>
+                                            </p:txEl>
+                                          </p:spTgt>
+                                        </p:tgtEl>
+                                        <p:attrNameLst>
+                                          <p:attrName>style.visibility</p:attrName>
+                                        </p:attrNameLst>
+                                      </p:cBhvr>
+                                      <p:to>
+                                        <p:strVal val="visible"/>
+                                      </p:to>
+                                    </p:set>
+                                  </p:childTnLst>
+                                </p:cTn>
+                              </p:par>
+                            </p:childTnLst>
+                          </p:cTn>
+                        </p:par>
+                      </p:childTnLst>
+                    </p:cTn>
+                  </p:par>
+                  <p:par>
+                    <p:cTn id="7" fill="hold">
+                      <p:stCondLst>
+                        <p:cond delay="indefinite"/>
+                      </p:stCondLst>
+                      <p:childTnLst>
+                        <p:par>
+                          <p:cTn id="8" fill="hold">
+                            <p:stCondLst>
+                              <p:cond delay="0"/>
+                            </p:stCondLst>
+                            <p:childTnLst>
+                              <p:par>
+                                <p:cTn id="9" presetID="1" presetClass="entr" presetSubtype="0" fill="hold" nodeType="clickEffect">
+                                  <p:stCondLst>
+                                    <p:cond delay="0"/>
+                                  </p:stCondLst>
+                                  <p:childTnLst>
+                                    <p:set>
+                                      <p:cBhvr>
+                                        <p:cTn id="10" dur="1" fill="hold">
+                                          <p:stCondLst>
+                                            <p:cond delay="0"/>
+                                          </p:stCondLst>
+                                        </p:cTn>
+                                        <p:tgtEl>
+                                          <p:spTgt spid="3">
+                                            <p:txEl>
+                                              <p:pRg st="2" end="2"/>
+                                            </p:txEl>
+                                          </p:spTgt>
+                                        </p:tgtEl>
+                                        <p:attrNameLst>
+                                          <p:attrName>style.visibility</p:attrName>
+                                        </p:attrNameLst>
+                                      </p:cBhvr>
+                                      <p:to>
+                                        <p:strVal val="visible"/>
+                                      </p:to>
+                                    </p:set>
+                                  </p:childTnLst>
+                                </p:cTn>
+                              </p:par>
+                            </p:childTnLst>
+                          </p:cTn>
+                        </p:par>
+                      </p:childTnLst>
+                    </p:cTn>
+                  </p:par>
+                  <p:par>
+                    <p:cTn id="11" fill="hold">
+                      <p:stCondLst>
+                        <p:cond delay="indefinite"/>
+                      </p:stCondLst>
+                      <p:childTnLst>
+                        <p:par>
+                          <p:cTn id="12" fill="hold">
+                            <p:stCondLst>
+                              <p:cond delay="0"/>
+                            </p:stCondLst>
+                            <p:childTnLst>
+                              <p:par>
+                                <p:cTn id="13" presetID="1" presetClass="entr" presetSubtype="0" fill="hold" nodeType="clickEffect">
+                                  <p:stCondLst>
+                                    <p:cond delay="0"/>
+                                  </p:stCondLst>
+                                  <p:childTnLst>
+                                    <p:set>
+                                      <p:cBhvr>
+                                        <p:cTn id="14" dur="1" fill="hold">
+                                          <p:stCondLst>
+                                            <p:cond delay="0"/>
+                                          </p:stCondLst>
+                                        </p:cTn>
+                                        <p:tgtEl>
+                                          <p:spTgt spid="3">
+                                            <p:txEl>
+                                              <p:pRg st="0" end="0"/>
+                                            </p:txEl>
+                                          </p:spTgt>
+                                        </p:tgtEl>
+                                        <p:attrNameLst>
+                                          <p:attrName>style.visibility</p:attrName>
+                                        </p:attrNameLst>
+                                      </p:cBhvr>
+                                      <p:to>
+                                        <p:strVal val="visible"/>
+                                      </p:to>
+                                    </p:set>
+                                  </p:childTnLst>
+                                </p:cTn>
+                              </p:par>
+                            </p:childTnLst>
+                          </p:cTn>
+                        </p:par>
+                      </p:childTnLst>
+                    </p:cTn>
+                  </p:par>
+                </p:childTnLst>
+              </p:cTn>
+              <p:prevCondLst>
+                <p:cond evt="onPrev" delay="0">
+                  <p:tgtEl>
+                    <p:sldTgt/>
+                  </p:tgtEl>
+                </p:cond>
+              </p:prevCondLst>
+              <p:nextCondLst>
+                <p:cond evt="onNext" delay="0">
+                  <p:tgtEl>
+                    <p:sldTgt/>
+                  </p:tgtEl>
+                </p:cond>
+              </p:nextCondLst>
+            </p:seq>
+          </p:childTnLst>
+        </p:cTn>
+      </p:par>
+    </p:tnLst>
+  </p:timing>
+</p:sld>
+</file>
+
+<file path=ppt/slides/slide7.xml><?xml version="1.0" encoding="utf-8"?>
+<p:sld xmlns:a="http://schemas.openxmlformats.org/drawingml/2006/main" xmlns:r="http://schemas.openxmlformats.org/officeDocument/2006/relationships" xmlns:p="http://schemas.openxmlformats.org/presentationml/2006/main">
+  <p:cSld>
+    <p:bg>
+      <p:bgPr>
+        <a:solidFill>
+          <a:schemeClr val="tx1">
+            <a:lumMod val="65000"/>
+            <a:lumOff val="35000"/>
+          </a:schemeClr>
+        </a:solidFill>
+        <a:effectLst/>
+      </p:bgPr>
+    </p:bg>
+    <p:spTree>
+      <p:nvGrpSpPr>
+        <p:cNvPr id="1" name=""/>
+        <p:cNvGrpSpPr/>
+        <p:nvPr/>
+      </p:nvGrpSpPr>
+      <p:grpSpPr>
+        <a:xfrm>
+          <a:off x="0" y="0"/>
+          <a:ext cx="0" cy="0"/>
+          <a:chOff x="0" y="0"/>
+          <a:chExt cx="0" cy="0"/>
+        </a:xfrm>
+      </p:grpSpPr>
+      <p:sp>
+        <p:nvSpPr>
+          <p:cNvPr id="2" name="Title 1">
+            <a:extLst>
+              <a:ext uri="{FF2B5EF4-FFF2-40B4-BE49-F238E27FC236}">
+                <a16:creationId xmlns:a16="http://schemas.microsoft.com/office/drawing/2014/main" id="{81769C98-962F-4C3A-B575-99BB0A9C6763}"/>
+              </a:ext>
+            </a:extLst>
+          </p:cNvPr>
+          <p:cNvSpPr>
+            <a:spLocks noGrp="1"/>
+          </p:cNvSpPr>
+          <p:nvPr>
+            <p:ph type="title"/>
+          </p:nvPr>
+        </p:nvSpPr>
+        <p:spPr>
+          <a:xfrm>
+            <a:off x="910628" y="237026"/>
+            <a:ext cx="10515600" cy="892835"/>
+          </a:xfrm>
+        </p:spPr>
+        <p:txBody>
+          <a:bodyPr/>
+          <a:lstStyle/>
+          <a:p>
+            <a:r>
+              <a:rPr lang="en-GB" dirty="0">
+                <a:solidFill>
+                  <a:schemeClr val="bg1"/>
+                </a:solidFill>
+              </a:rPr>
               <a:t>JavaScript, Fetch API and Promises</a:t>
             </a:r>
           </a:p>
@@ -6892,7 +8128,7 @@
 </p:sld>
 </file>
 
-<file path=ppt/slides/slide7.xml><?xml version="1.0" encoding="utf-8"?>
+<file path=ppt/slides/slide8.xml><?xml version="1.0" encoding="utf-8"?>
 <p:sld xmlns:a="http://schemas.openxmlformats.org/drawingml/2006/main" xmlns:r="http://schemas.openxmlformats.org/officeDocument/2006/relationships" xmlns:p="http://schemas.openxmlformats.org/presentationml/2006/main">
   <p:cSld>
     <p:bg>
@@ -7179,7 +8415,7 @@
 </p:sld>
 </file>
 
-<file path=ppt/slides/slide8.xml><?xml version="1.0" encoding="utf-8"?>
+<file path=ppt/slides/slide9.xml><?xml version="1.0" encoding="utf-8"?>
 <p:sld xmlns:a="http://schemas.openxmlformats.org/drawingml/2006/main" xmlns:r="http://schemas.openxmlformats.org/officeDocument/2006/relationships" xmlns:p="http://schemas.openxmlformats.org/presentationml/2006/main">
   <p:cSld>
     <p:bg>
@@ -7554,817 +8790,6 @@
                                           <p:spTgt spid="3">
                                             <p:txEl>
                                               <p:pRg st="3" end="3"/>
-                                            </p:txEl>
-                                          </p:spTgt>
-                                        </p:tgtEl>
-                                        <p:attrNameLst>
-                                          <p:attrName>style.visibility</p:attrName>
-                                        </p:attrNameLst>
-                                      </p:cBhvr>
-                                      <p:to>
-                                        <p:strVal val="visible"/>
-                                      </p:to>
-                                    </p:set>
-                                  </p:childTnLst>
-                                </p:cTn>
-                              </p:par>
-                            </p:childTnLst>
-                          </p:cTn>
-                        </p:par>
-                      </p:childTnLst>
-                    </p:cTn>
-                  </p:par>
-                </p:childTnLst>
-              </p:cTn>
-              <p:prevCondLst>
-                <p:cond evt="onPrev" delay="0">
-                  <p:tgtEl>
-                    <p:sldTgt/>
-                  </p:tgtEl>
-                </p:cond>
-              </p:prevCondLst>
-              <p:nextCondLst>
-                <p:cond evt="onNext" delay="0">
-                  <p:tgtEl>
-                    <p:sldTgt/>
-                  </p:tgtEl>
-                </p:cond>
-              </p:nextCondLst>
-            </p:seq>
-          </p:childTnLst>
-        </p:cTn>
-      </p:par>
-    </p:tnLst>
-  </p:timing>
-</p:sld>
-</file>
-
-<file path=ppt/slides/slide9.xml><?xml version="1.0" encoding="utf-8"?>
-<p:sld xmlns:a="http://schemas.openxmlformats.org/drawingml/2006/main" xmlns:r="http://schemas.openxmlformats.org/officeDocument/2006/relationships" xmlns:p="http://schemas.openxmlformats.org/presentationml/2006/main">
-  <p:cSld>
-    <p:bg>
-      <p:bgPr>
-        <a:solidFill>
-          <a:schemeClr val="tx1">
-            <a:lumMod val="65000"/>
-            <a:lumOff val="35000"/>
-          </a:schemeClr>
-        </a:solidFill>
-        <a:effectLst/>
-      </p:bgPr>
-    </p:bg>
-    <p:spTree>
-      <p:nvGrpSpPr>
-        <p:cNvPr id="1" name=""/>
-        <p:cNvGrpSpPr/>
-        <p:nvPr/>
-      </p:nvGrpSpPr>
-      <p:grpSpPr>
-        <a:xfrm>
-          <a:off x="0" y="0"/>
-          <a:ext cx="0" cy="0"/>
-          <a:chOff x="0" y="0"/>
-          <a:chExt cx="0" cy="0"/>
-        </a:xfrm>
-      </p:grpSpPr>
-      <p:pic>
-        <p:nvPicPr>
-          <p:cNvPr id="16" name="Picture 15" descr="A close up of a typewriter&#10;&#10;Description automatically generated">
-            <a:extLst>
-              <a:ext uri="{FF2B5EF4-FFF2-40B4-BE49-F238E27FC236}">
-                <a16:creationId xmlns:a16="http://schemas.microsoft.com/office/drawing/2014/main" id="{16FE7CA4-EC3F-42CD-BDD7-9DB299CE9A72}"/>
-              </a:ext>
-            </a:extLst>
-          </p:cNvPr>
-          <p:cNvPicPr>
-            <a:picLocks noChangeAspect="1"/>
-          </p:cNvPicPr>
-          <p:nvPr/>
-        </p:nvPicPr>
-        <p:blipFill>
-          <a:blip r:embed="rId2">
-            <a:extLst>
-              <a:ext uri="{28A0092B-C50C-407E-A947-70E740481C1C}">
-                <a14:useLocalDpi xmlns:a14="http://schemas.microsoft.com/office/drawing/2010/main" val="0"/>
-              </a:ext>
-            </a:extLst>
-          </a:blip>
-          <a:stretch>
-            <a:fillRect/>
-          </a:stretch>
-        </p:blipFill>
-        <p:spPr>
-          <a:xfrm>
-            <a:off x="667389" y="1333603"/>
-            <a:ext cx="2068860" cy="2762035"/>
-          </a:xfrm>
-          <a:prstGeom prst="rect">
-            <a:avLst/>
-          </a:prstGeom>
-        </p:spPr>
-      </p:pic>
-      <p:pic>
-        <p:nvPicPr>
-          <p:cNvPr id="19" name="Picture 18" descr="A picture containing wall, indoor, table, cup&#10;&#10;Description automatically generated">
-            <a:extLst>
-              <a:ext uri="{FF2B5EF4-FFF2-40B4-BE49-F238E27FC236}">
-                <a16:creationId xmlns:a16="http://schemas.microsoft.com/office/drawing/2014/main" id="{CC8D6E43-818C-421B-8A10-E6255328A2FA}"/>
-              </a:ext>
-            </a:extLst>
-          </p:cNvPr>
-          <p:cNvPicPr>
-            <a:picLocks noChangeAspect="1"/>
-          </p:cNvPicPr>
-          <p:nvPr/>
-        </p:nvPicPr>
-        <p:blipFill>
-          <a:blip r:embed="rId3">
-            <a:extLst>
-              <a:ext uri="{28A0092B-C50C-407E-A947-70E740481C1C}">
-                <a14:useLocalDpi xmlns:a14="http://schemas.microsoft.com/office/drawing/2010/main" val="0"/>
-              </a:ext>
-            </a:extLst>
-          </a:blip>
-          <a:stretch>
-            <a:fillRect/>
-          </a:stretch>
-        </p:blipFill>
-        <p:spPr>
-          <a:xfrm>
-            <a:off x="684617" y="4510160"/>
-            <a:ext cx="2647950" cy="1765554"/>
-          </a:xfrm>
-          <a:prstGeom prst="rect">
-            <a:avLst/>
-          </a:prstGeom>
-        </p:spPr>
-      </p:pic>
-      <p:sp>
-        <p:nvSpPr>
-          <p:cNvPr id="3" name="TextBox 2">
-            <a:extLst>
-              <a:ext uri="{FF2B5EF4-FFF2-40B4-BE49-F238E27FC236}">
-                <a16:creationId xmlns:a16="http://schemas.microsoft.com/office/drawing/2014/main" id="{3816F0FF-6206-4FDB-B50E-A5E0A8290985}"/>
-              </a:ext>
-            </a:extLst>
-          </p:cNvPr>
-          <p:cNvSpPr txBox="1"/>
-          <p:nvPr/>
-        </p:nvSpPr>
-        <p:spPr>
-          <a:xfrm>
-            <a:off x="3525225" y="3771496"/>
-            <a:ext cx="4530797" cy="2585323"/>
-          </a:xfrm>
-          <a:prstGeom prst="rect">
-            <a:avLst/>
-          </a:prstGeom>
-          <a:noFill/>
-        </p:spPr>
-        <p:txBody>
-          <a:bodyPr wrap="square" rtlCol="0">
-            <a:spAutoFit/>
-          </a:bodyPr>
-          <a:lstStyle/>
-          <a:p>
-            <a:r>
-              <a:rPr lang="en-GB" dirty="0">
-                <a:solidFill>
-                  <a:schemeClr val="bg1">
-                    <a:lumMod val="95000"/>
-                  </a:schemeClr>
-                </a:solidFill>
-              </a:rPr>
-              <a:t>1980: At University, I studied Chemistry and used MS-DOS, client/server main frame systems, ZX-Spectrum computer and Jupiter Ace recreationally.</a:t>
-            </a:r>
-          </a:p>
-          <a:p>
-            <a:endParaRPr lang="en-GB" dirty="0">
-              <a:solidFill>
-                <a:schemeClr val="bg1">
-                  <a:lumMod val="95000"/>
-                </a:schemeClr>
-              </a:solidFill>
-            </a:endParaRPr>
-          </a:p>
-          <a:p>
-            <a:r>
-              <a:rPr lang="en-GB" dirty="0">
-                <a:solidFill>
-                  <a:schemeClr val="bg1">
-                    <a:lumMod val="95000"/>
-                  </a:schemeClr>
-                </a:solidFill>
-              </a:rPr>
-              <a:t>Former careers as accountant, SQL Server DBA and Business Information Architect.</a:t>
-            </a:r>
-          </a:p>
-          <a:p>
-            <a:endParaRPr lang="en-GB" dirty="0">
-              <a:solidFill>
-                <a:schemeClr val="bg1">
-                  <a:lumMod val="95000"/>
-                </a:schemeClr>
-              </a:solidFill>
-            </a:endParaRPr>
-          </a:p>
-          <a:p>
-            <a:r>
-              <a:rPr lang="en-GB" dirty="0">
-                <a:solidFill>
-                  <a:schemeClr val="bg1">
-                    <a:lumMod val="95000"/>
-                  </a:schemeClr>
-                </a:solidFill>
-              </a:rPr>
-              <a:t>And a (proud) plumber!</a:t>
-            </a:r>
-          </a:p>
-        </p:txBody>
-      </p:sp>
-      <p:pic>
-        <p:nvPicPr>
-          <p:cNvPr id="7" name="Picture 6" descr="A close up of a calculator&#10;&#10;Description automatically generated">
-            <a:extLst>
-              <a:ext uri="{FF2B5EF4-FFF2-40B4-BE49-F238E27FC236}">
-                <a16:creationId xmlns:a16="http://schemas.microsoft.com/office/drawing/2014/main" id="{95E6E97F-3325-49C1-8F22-358281B945EF}"/>
-              </a:ext>
-            </a:extLst>
-          </p:cNvPr>
-          <p:cNvPicPr>
-            <a:picLocks noChangeAspect="1"/>
-          </p:cNvPicPr>
-          <p:nvPr/>
-        </p:nvPicPr>
-        <p:blipFill>
-          <a:blip r:embed="rId4">
-            <a:extLst>
-              <a:ext uri="{28A0092B-C50C-407E-A947-70E740481C1C}">
-                <a14:useLocalDpi xmlns:a14="http://schemas.microsoft.com/office/drawing/2010/main" val="0"/>
-              </a:ext>
-            </a:extLst>
-          </a:blip>
-          <a:stretch>
-            <a:fillRect/>
-          </a:stretch>
-        </p:blipFill>
-        <p:spPr>
-          <a:xfrm>
-            <a:off x="5747659" y="1259502"/>
-            <a:ext cx="2578653" cy="2367793"/>
-          </a:xfrm>
-          <a:prstGeom prst="rect">
-            <a:avLst/>
-          </a:prstGeom>
-        </p:spPr>
-      </p:pic>
-      <p:sp>
-        <p:nvSpPr>
-          <p:cNvPr id="14" name="TextBox 13">
-            <a:extLst>
-              <a:ext uri="{FF2B5EF4-FFF2-40B4-BE49-F238E27FC236}">
-                <a16:creationId xmlns:a16="http://schemas.microsoft.com/office/drawing/2014/main" id="{E4464916-709F-4640-AE4A-E863DD40F8E5}"/>
-              </a:ext>
-            </a:extLst>
-          </p:cNvPr>
-          <p:cNvSpPr txBox="1"/>
-          <p:nvPr/>
-        </p:nvSpPr>
-        <p:spPr>
-          <a:xfrm>
-            <a:off x="9243998" y="6473032"/>
-            <a:ext cx="3103696" cy="261610"/>
-          </a:xfrm>
-          <a:prstGeom prst="rect">
-            <a:avLst/>
-          </a:prstGeom>
-          <a:noFill/>
-        </p:spPr>
-        <p:txBody>
-          <a:bodyPr wrap="square" rtlCol="0">
-            <a:spAutoFit/>
-          </a:bodyPr>
-          <a:lstStyle/>
-          <a:p>
-            <a:r>
-              <a:rPr lang="en-GB" sz="1100" dirty="0" err="1">
-                <a:solidFill>
-                  <a:schemeClr val="bg1">
-                    <a:lumMod val="95000"/>
-                  </a:schemeClr>
-                </a:solidFill>
-              </a:rPr>
-              <a:t>Source:Wikimedia</a:t>
-            </a:r>
-            <a:r>
-              <a:rPr lang="en-GB" sz="1100" dirty="0">
-                <a:solidFill>
-                  <a:schemeClr val="bg1">
-                    <a:lumMod val="95000"/>
-                  </a:schemeClr>
-                </a:solidFill>
-              </a:rPr>
-              <a:t> Commons </a:t>
-            </a:r>
-          </a:p>
-        </p:txBody>
-      </p:sp>
-      <p:sp>
-        <p:nvSpPr>
-          <p:cNvPr id="20" name="TextBox 19">
-            <a:extLst>
-              <a:ext uri="{FF2B5EF4-FFF2-40B4-BE49-F238E27FC236}">
-                <a16:creationId xmlns:a16="http://schemas.microsoft.com/office/drawing/2014/main" id="{26D382D3-C4B0-43B6-91E5-8A0DC150A00B}"/>
-              </a:ext>
-            </a:extLst>
-          </p:cNvPr>
-          <p:cNvSpPr txBox="1"/>
-          <p:nvPr/>
-        </p:nvSpPr>
-        <p:spPr>
-          <a:xfrm>
-            <a:off x="1042967" y="6253235"/>
-            <a:ext cx="3103696" cy="261610"/>
-          </a:xfrm>
-          <a:prstGeom prst="rect">
-            <a:avLst/>
-          </a:prstGeom>
-          <a:noFill/>
-        </p:spPr>
-        <p:txBody>
-          <a:bodyPr wrap="square" rtlCol="0">
-            <a:spAutoFit/>
-          </a:bodyPr>
-          <a:lstStyle/>
-          <a:p>
-            <a:r>
-              <a:rPr lang="en-GB" sz="1100" dirty="0" err="1">
-                <a:solidFill>
-                  <a:schemeClr val="bg1">
-                    <a:lumMod val="95000"/>
-                  </a:schemeClr>
-                </a:solidFill>
-              </a:rPr>
-              <a:t>Source:Wikimedia</a:t>
-            </a:r>
-            <a:r>
-              <a:rPr lang="en-GB" sz="1100" dirty="0">
-                <a:solidFill>
-                  <a:schemeClr val="bg1">
-                    <a:lumMod val="95000"/>
-                  </a:schemeClr>
-                </a:solidFill>
-              </a:rPr>
-              <a:t> Commons </a:t>
-            </a:r>
-          </a:p>
-        </p:txBody>
-      </p:sp>
-      <p:sp>
-        <p:nvSpPr>
-          <p:cNvPr id="24" name="TextBox 23">
-            <a:extLst>
-              <a:ext uri="{FF2B5EF4-FFF2-40B4-BE49-F238E27FC236}">
-                <a16:creationId xmlns:a16="http://schemas.microsoft.com/office/drawing/2014/main" id="{AA0A30FB-0945-4278-8753-6B9D55742D4E}"/>
-              </a:ext>
-            </a:extLst>
-          </p:cNvPr>
-          <p:cNvSpPr txBox="1"/>
-          <p:nvPr/>
-        </p:nvSpPr>
-        <p:spPr>
-          <a:xfrm>
-            <a:off x="870841" y="3419507"/>
-            <a:ext cx="1920953" cy="261610"/>
-          </a:xfrm>
-          <a:prstGeom prst="rect">
-            <a:avLst/>
-          </a:prstGeom>
-          <a:noFill/>
-        </p:spPr>
-        <p:txBody>
-          <a:bodyPr wrap="square" rtlCol="0">
-            <a:spAutoFit/>
-          </a:bodyPr>
-          <a:lstStyle/>
-          <a:p>
-            <a:r>
-              <a:rPr lang="en-GB" sz="1100" dirty="0" err="1">
-                <a:solidFill>
-                  <a:schemeClr val="bg1">
-                    <a:lumMod val="95000"/>
-                  </a:schemeClr>
-                </a:solidFill>
-              </a:rPr>
-              <a:t>Source:Wikimedia</a:t>
-            </a:r>
-            <a:r>
-              <a:rPr lang="en-GB" sz="1100" dirty="0">
-                <a:solidFill>
-                  <a:schemeClr val="bg1">
-                    <a:lumMod val="95000"/>
-                  </a:schemeClr>
-                </a:solidFill>
-              </a:rPr>
-              <a:t> Commons </a:t>
-            </a:r>
-          </a:p>
-        </p:txBody>
-      </p:sp>
-      <p:pic>
-        <p:nvPicPr>
-          <p:cNvPr id="27" name="Picture 26" descr="A close up of a machine&#10;&#10;Description automatically generated">
-            <a:extLst>
-              <a:ext uri="{FF2B5EF4-FFF2-40B4-BE49-F238E27FC236}">
-                <a16:creationId xmlns:a16="http://schemas.microsoft.com/office/drawing/2014/main" id="{94E45426-8ADB-4DBB-904D-303D2A86FF07}"/>
-              </a:ext>
-            </a:extLst>
-          </p:cNvPr>
-          <p:cNvPicPr>
-            <a:picLocks noChangeAspect="1"/>
-          </p:cNvPicPr>
-          <p:nvPr/>
-        </p:nvPicPr>
-        <p:blipFill>
-          <a:blip r:embed="rId5">
-            <a:extLst>
-              <a:ext uri="{28A0092B-C50C-407E-A947-70E740481C1C}">
-                <a14:useLocalDpi xmlns:a14="http://schemas.microsoft.com/office/drawing/2010/main" val="0"/>
-              </a:ext>
-            </a:extLst>
-          </a:blip>
-          <a:stretch>
-            <a:fillRect/>
-          </a:stretch>
-        </p:blipFill>
-        <p:spPr>
-          <a:xfrm>
-            <a:off x="2836975" y="1333603"/>
-            <a:ext cx="2619375" cy="1743075"/>
-          </a:xfrm>
-          <a:prstGeom prst="rect">
-            <a:avLst/>
-          </a:prstGeom>
-        </p:spPr>
-      </p:pic>
-      <p:sp>
-        <p:nvSpPr>
-          <p:cNvPr id="31" name="TextBox 30">
-            <a:extLst>
-              <a:ext uri="{FF2B5EF4-FFF2-40B4-BE49-F238E27FC236}">
-                <a16:creationId xmlns:a16="http://schemas.microsoft.com/office/drawing/2014/main" id="{D13CBD88-7C36-4649-BA85-472BBE038547}"/>
-              </a:ext>
-            </a:extLst>
-          </p:cNvPr>
-          <p:cNvSpPr txBox="1"/>
-          <p:nvPr/>
-        </p:nvSpPr>
-        <p:spPr>
-          <a:xfrm>
-            <a:off x="3034203" y="3288702"/>
-            <a:ext cx="3103696" cy="261610"/>
-          </a:xfrm>
-          <a:prstGeom prst="rect">
-            <a:avLst/>
-          </a:prstGeom>
-          <a:noFill/>
-        </p:spPr>
-        <p:txBody>
-          <a:bodyPr wrap="square" rtlCol="0">
-            <a:spAutoFit/>
-          </a:bodyPr>
-          <a:lstStyle/>
-          <a:p>
-            <a:r>
-              <a:rPr lang="en-GB" sz="1100" dirty="0" err="1">
-                <a:solidFill>
-                  <a:schemeClr val="bg1">
-                    <a:lumMod val="95000"/>
-                  </a:schemeClr>
-                </a:solidFill>
-              </a:rPr>
-              <a:t>Source:Wikimedia</a:t>
-            </a:r>
-            <a:r>
-              <a:rPr lang="en-GB" sz="1100" dirty="0">
-                <a:solidFill>
-                  <a:schemeClr val="bg1">
-                    <a:lumMod val="95000"/>
-                  </a:schemeClr>
-                </a:solidFill>
-              </a:rPr>
-              <a:t> Commons </a:t>
-            </a:r>
-          </a:p>
-        </p:txBody>
-      </p:sp>
-      <p:pic>
-        <p:nvPicPr>
-          <p:cNvPr id="1026" name="Picture 2" descr="Image result for brighton">
-            <a:extLst>
-              <a:ext uri="{FF2B5EF4-FFF2-40B4-BE49-F238E27FC236}">
-                <a16:creationId xmlns:a16="http://schemas.microsoft.com/office/drawing/2014/main" id="{FACF46E5-7177-4EC0-90B6-2287D648C70E}"/>
-              </a:ext>
-            </a:extLst>
-          </p:cNvPr>
-          <p:cNvPicPr>
-            <a:picLocks noChangeAspect="1" noChangeArrowheads="1"/>
-          </p:cNvPicPr>
-          <p:nvPr/>
-        </p:nvPicPr>
-        <p:blipFill>
-          <a:blip r:embed="rId6">
-            <a:extLst>
-              <a:ext uri="{28A0092B-C50C-407E-A947-70E740481C1C}">
-                <a14:useLocalDpi xmlns:a14="http://schemas.microsoft.com/office/drawing/2010/main" val="0"/>
-              </a:ext>
-            </a:extLst>
-          </a:blip>
-          <a:srcRect/>
-          <a:stretch>
-            <a:fillRect/>
-          </a:stretch>
-        </p:blipFill>
-        <p:spPr bwMode="auto">
-          <a:xfrm>
-            <a:off x="8287496" y="1532896"/>
-            <a:ext cx="3558135" cy="2367777"/>
-          </a:xfrm>
-          <a:prstGeom prst="rect">
-            <a:avLst/>
-          </a:prstGeom>
-          <a:noFill/>
-          <a:extLst>
-            <a:ext uri="{909E8E84-426E-40DD-AFC4-6F175D3DCCD1}">
-              <a14:hiddenFill xmlns:a14="http://schemas.microsoft.com/office/drawing/2010/main">
-                <a:solidFill>
-                  <a:srgbClr val="FFFFFF"/>
-                </a:solidFill>
-              </a14:hiddenFill>
-            </a:ext>
-          </a:extLst>
-        </p:spPr>
-      </p:pic>
-      <p:sp>
-        <p:nvSpPr>
-          <p:cNvPr id="5" name="TextBox 4">
-            <a:extLst>
-              <a:ext uri="{FF2B5EF4-FFF2-40B4-BE49-F238E27FC236}">
-                <a16:creationId xmlns:a16="http://schemas.microsoft.com/office/drawing/2014/main" id="{B146C545-2A2F-48B4-9694-D05FBB2AB9B7}"/>
-              </a:ext>
-            </a:extLst>
-          </p:cNvPr>
-          <p:cNvSpPr txBox="1"/>
-          <p:nvPr/>
-        </p:nvSpPr>
-        <p:spPr>
-          <a:xfrm>
-            <a:off x="8529904" y="3196369"/>
-            <a:ext cx="3251437" cy="707886"/>
-          </a:xfrm>
-          <a:prstGeom prst="rect">
-            <a:avLst/>
-          </a:prstGeom>
-          <a:noFill/>
-        </p:spPr>
-        <p:txBody>
-          <a:bodyPr wrap="square" rtlCol="0">
-            <a:spAutoFit/>
-          </a:bodyPr>
-          <a:lstStyle/>
-          <a:p>
-            <a:r>
-              <a:rPr lang="en-GB" sz="4000" dirty="0">
-                <a:solidFill>
-                  <a:schemeClr val="bg1">
-                    <a:lumMod val="95000"/>
-                  </a:schemeClr>
-                </a:solidFill>
-              </a:rPr>
-              <a:t>Brighton, UK</a:t>
-            </a:r>
-          </a:p>
-        </p:txBody>
-      </p:sp>
-      <p:sp>
-        <p:nvSpPr>
-          <p:cNvPr id="25" name="Title 3">
-            <a:extLst>
-              <a:ext uri="{FF2B5EF4-FFF2-40B4-BE49-F238E27FC236}">
-                <a16:creationId xmlns:a16="http://schemas.microsoft.com/office/drawing/2014/main" id="{0F64EF32-D2AE-4269-8EC7-8C7137A6B05E}"/>
-              </a:ext>
-            </a:extLst>
-          </p:cNvPr>
-          <p:cNvSpPr txBox="1">
-            <a:spLocks/>
-          </p:cNvSpPr>
-          <p:nvPr/>
-        </p:nvSpPr>
-        <p:spPr>
-          <a:xfrm>
-            <a:off x="504377" y="365565"/>
-            <a:ext cx="11183245" cy="749992"/>
-          </a:xfrm>
-          <a:prstGeom prst="rect">
-            <a:avLst/>
-          </a:prstGeom>
-        </p:spPr>
-        <p:txBody>
-          <a:bodyPr vert="horz" lIns="91440" tIns="45720" rIns="91440" bIns="45720" rtlCol="0" anchor="b" anchorCtr="0">
-            <a:noAutofit/>
-          </a:bodyPr>
-          <a:lstStyle>
-            <a:lvl1pPr algn="ctr" defTabSz="914400" rtl="0" eaLnBrk="1" latinLnBrk="0" hangingPunct="1">
-              <a:spcBef>
-                <a:spcPct val="0"/>
-              </a:spcBef>
-              <a:buNone/>
-              <a:defRPr sz="6000" kern="1200">
-                <a:solidFill>
-                  <a:schemeClr val="tx1"/>
-                </a:solidFill>
-                <a:latin typeface="+mj-lt"/>
-                <a:ea typeface="+mj-ea"/>
-                <a:cs typeface="+mj-cs"/>
-              </a:defRPr>
-            </a:lvl1pPr>
-          </a:lstStyle>
-          <a:p>
-            <a:pPr algn="l">
-              <a:lnSpc>
-                <a:spcPct val="90000"/>
-              </a:lnSpc>
-            </a:pPr>
-            <a:r>
-              <a:rPr lang="en-US" sz="4800" b="1" dirty="0">
-                <a:solidFill>
-                  <a:schemeClr val="bg1"/>
-                </a:solidFill>
-              </a:rPr>
-              <a:t>Trainer JS, PWAs, Web Components &amp; RxJS </a:t>
-            </a:r>
-          </a:p>
-        </p:txBody>
-      </p:sp>
-      <p:pic>
-        <p:nvPicPr>
-          <p:cNvPr id="4" name="Picture 3" descr="Map&#10;&#10;Description automatically generated">
-            <a:extLst>
-              <a:ext uri="{FF2B5EF4-FFF2-40B4-BE49-F238E27FC236}">
-                <a16:creationId xmlns:a16="http://schemas.microsoft.com/office/drawing/2014/main" id="{FE8BC434-79CB-4853-8AE2-95FD421B83BC}"/>
-              </a:ext>
-            </a:extLst>
-          </p:cNvPr>
-          <p:cNvPicPr>
-            <a:picLocks noChangeAspect="1"/>
-          </p:cNvPicPr>
-          <p:nvPr/>
-        </p:nvPicPr>
-        <p:blipFill>
-          <a:blip r:embed="rId7"/>
-          <a:stretch>
-            <a:fillRect/>
-          </a:stretch>
-        </p:blipFill>
-        <p:spPr>
-          <a:xfrm>
-            <a:off x="8326312" y="4048139"/>
-            <a:ext cx="3519319" cy="2437455"/>
-          </a:xfrm>
-          <a:prstGeom prst="rect">
-            <a:avLst/>
-          </a:prstGeom>
-        </p:spPr>
-      </p:pic>
-      <p:sp>
-        <p:nvSpPr>
-          <p:cNvPr id="6" name="TextBox 5">
-            <a:extLst>
-              <a:ext uri="{FF2B5EF4-FFF2-40B4-BE49-F238E27FC236}">
-                <a16:creationId xmlns:a16="http://schemas.microsoft.com/office/drawing/2014/main" id="{EA464BC5-0B91-4840-ACC1-7D47267D5CB2}"/>
-              </a:ext>
-            </a:extLst>
-          </p:cNvPr>
-          <p:cNvSpPr txBox="1"/>
-          <p:nvPr/>
-        </p:nvSpPr>
-        <p:spPr>
-          <a:xfrm>
-            <a:off x="8409012" y="4171651"/>
-            <a:ext cx="2090057" cy="253916"/>
-          </a:xfrm>
-          <a:prstGeom prst="rect">
-            <a:avLst/>
-          </a:prstGeom>
-          <a:noFill/>
-        </p:spPr>
-        <p:txBody>
-          <a:bodyPr wrap="square" rtlCol="0">
-            <a:spAutoFit/>
-          </a:bodyPr>
-          <a:lstStyle/>
-          <a:p>
-            <a:r>
-              <a:rPr lang="en-GB" sz="1050" b="1" dirty="0">
-                <a:solidFill>
-                  <a:schemeClr val="bg1">
-                    <a:lumMod val="95000"/>
-                  </a:schemeClr>
-                </a:solidFill>
-              </a:rPr>
-              <a:t>http://www.map-of-uk.co.uk/</a:t>
-            </a:r>
-          </a:p>
-        </p:txBody>
-      </p:sp>
-      <p:sp>
-        <p:nvSpPr>
-          <p:cNvPr id="2" name="TextBox 1">
-            <a:extLst>
-              <a:ext uri="{FF2B5EF4-FFF2-40B4-BE49-F238E27FC236}">
-                <a16:creationId xmlns:a16="http://schemas.microsoft.com/office/drawing/2014/main" id="{780AC6CF-70C4-45AA-91F9-D1D99AC38CE0}"/>
-              </a:ext>
-            </a:extLst>
-          </p:cNvPr>
-          <p:cNvSpPr txBox="1"/>
-          <p:nvPr/>
-        </p:nvSpPr>
-        <p:spPr>
-          <a:xfrm>
-            <a:off x="9914552" y="4948119"/>
-            <a:ext cx="1538881" cy="584775"/>
-          </a:xfrm>
-          <a:prstGeom prst="rect">
-            <a:avLst/>
-          </a:prstGeom>
-          <a:noFill/>
-        </p:spPr>
-        <p:txBody>
-          <a:bodyPr wrap="square" rtlCol="0">
-            <a:spAutoFit/>
-          </a:bodyPr>
-          <a:lstStyle/>
-          <a:p>
-            <a:r>
-              <a:rPr lang="en-GB" sz="3200" dirty="0">
-                <a:solidFill>
-                  <a:schemeClr val="bg1">
-                    <a:lumMod val="95000"/>
-                  </a:schemeClr>
-                </a:solidFill>
-              </a:rPr>
-              <a:t>80 km</a:t>
-            </a:r>
-          </a:p>
-        </p:txBody>
-      </p:sp>
-    </p:spTree>
-    <p:extLst>
-      <p:ext uri="{BB962C8B-B14F-4D97-AF65-F5344CB8AC3E}">
-        <p14:creationId xmlns:p14="http://schemas.microsoft.com/office/powerpoint/2010/main" val="3216478344"/>
-      </p:ext>
-    </p:extLst>
-  </p:cSld>
-  <p:clrMapOvr>
-    <a:masterClrMapping/>
-  </p:clrMapOvr>
-  <p:timing>
-    <p:tnLst>
-      <p:par>
-        <p:cTn id="1" dur="indefinite" restart="never" nodeType="tmRoot">
-          <p:childTnLst>
-            <p:seq concurrent="1" nextAc="seek">
-              <p:cTn id="2" dur="indefinite" nodeType="mainSeq">
-                <p:childTnLst>
-                  <p:par>
-                    <p:cTn id="3" fill="hold">
-                      <p:stCondLst>
-                        <p:cond delay="indefinite"/>
-                      </p:stCondLst>
-                      <p:childTnLst>
-                        <p:par>
-                          <p:cTn id="4" fill="hold">
-                            <p:stCondLst>
-                              <p:cond delay="0"/>
-                            </p:stCondLst>
-                            <p:childTnLst>
-                              <p:par>
-                                <p:cTn id="5" presetID="1" presetClass="entr" presetSubtype="0" fill="hold" nodeType="clickEffect">
-                                  <p:stCondLst>
-                                    <p:cond delay="0"/>
-                                  </p:stCondLst>
-                                  <p:childTnLst>
-                                    <p:set>
-                                      <p:cBhvr>
-                                        <p:cTn id="6" dur="1" fill="hold">
-                                          <p:stCondLst>
-                                            <p:cond delay="0"/>
-                                          </p:stCondLst>
-                                        </p:cTn>
-                                        <p:tgtEl>
-                                          <p:spTgt spid="3">
-                                            <p:txEl>
-                                              <p:pRg st="4" end="4"/>
                                             </p:txEl>
                                           </p:spTgt>
                                         </p:tgtEl>

--- a/talk-wordcamp-greece.pptx
+++ b/talk-wordcamp-greece.pptx
@@ -7,21 +7,24 @@
   <p:sldIdLst>
     <p:sldId id="265" r:id="rId2"/>
     <p:sldId id="266" r:id="rId3"/>
-    <p:sldId id="365" r:id="rId4"/>
-    <p:sldId id="263" r:id="rId5"/>
-    <p:sldId id="362" r:id="rId6"/>
-    <p:sldId id="366" r:id="rId7"/>
-    <p:sldId id="363" r:id="rId8"/>
-    <p:sldId id="364" r:id="rId9"/>
-    <p:sldId id="361" r:id="rId10"/>
-    <p:sldId id="349" r:id="rId11"/>
-    <p:sldId id="354" r:id="rId12"/>
-    <p:sldId id="357" r:id="rId13"/>
-    <p:sldId id="358" r:id="rId14"/>
-    <p:sldId id="359" r:id="rId15"/>
-    <p:sldId id="360" r:id="rId16"/>
-    <p:sldId id="356" r:id="rId17"/>
-    <p:sldId id="355" r:id="rId18"/>
+    <p:sldId id="320" r:id="rId4"/>
+    <p:sldId id="319" r:id="rId5"/>
+    <p:sldId id="321" r:id="rId6"/>
+    <p:sldId id="365" r:id="rId7"/>
+    <p:sldId id="263" r:id="rId8"/>
+    <p:sldId id="362" r:id="rId9"/>
+    <p:sldId id="366" r:id="rId10"/>
+    <p:sldId id="363" r:id="rId11"/>
+    <p:sldId id="364" r:id="rId12"/>
+    <p:sldId id="361" r:id="rId13"/>
+    <p:sldId id="349" r:id="rId14"/>
+    <p:sldId id="354" r:id="rId15"/>
+    <p:sldId id="357" r:id="rId16"/>
+    <p:sldId id="358" r:id="rId17"/>
+    <p:sldId id="359" r:id="rId18"/>
+    <p:sldId id="360" r:id="rId19"/>
+    <p:sldId id="356" r:id="rId20"/>
+    <p:sldId id="355" r:id="rId21"/>
   </p:sldIdLst>
   <p:sldSz cx="12192000" cy="6858000"/>
   <p:notesSz cx="6858000" cy="9144000"/>
@@ -3782,6 +3785,1065 @@
           <a:chExt cx="0" cy="0"/>
         </a:xfrm>
       </p:grpSpPr>
+      <p:sp>
+        <p:nvSpPr>
+          <p:cNvPr id="2" name="Title 1">
+            <a:extLst>
+              <a:ext uri="{FF2B5EF4-FFF2-40B4-BE49-F238E27FC236}">
+                <a16:creationId xmlns:a16="http://schemas.microsoft.com/office/drawing/2014/main" id="{81769C98-962F-4C3A-B575-99BB0A9C6763}"/>
+              </a:ext>
+            </a:extLst>
+          </p:cNvPr>
+          <p:cNvSpPr>
+            <a:spLocks noGrp="1"/>
+          </p:cNvSpPr>
+          <p:nvPr>
+            <p:ph type="title"/>
+          </p:nvPr>
+        </p:nvSpPr>
+        <p:spPr>
+          <a:xfrm>
+            <a:off x="910628" y="237026"/>
+            <a:ext cx="10515600" cy="892835"/>
+          </a:xfrm>
+        </p:spPr>
+        <p:txBody>
+          <a:bodyPr/>
+          <a:lstStyle/>
+          <a:p>
+            <a:r>
+              <a:rPr lang="en-GB" dirty="0">
+                <a:solidFill>
+                  <a:schemeClr val="bg1"/>
+                </a:solidFill>
+              </a:rPr>
+              <a:t>JavaScript, Fetch API and Promises</a:t>
+            </a:r>
+          </a:p>
+        </p:txBody>
+      </p:sp>
+      <p:sp>
+        <p:nvSpPr>
+          <p:cNvPr id="3" name="Content Placeholder 2">
+            <a:extLst>
+              <a:ext uri="{FF2B5EF4-FFF2-40B4-BE49-F238E27FC236}">
+                <a16:creationId xmlns:a16="http://schemas.microsoft.com/office/drawing/2014/main" id="{C77D8FCA-15A2-453C-BEDB-B01FF3E48151}"/>
+              </a:ext>
+            </a:extLst>
+          </p:cNvPr>
+          <p:cNvSpPr>
+            <a:spLocks noGrp="1"/>
+          </p:cNvSpPr>
+          <p:nvPr>
+            <p:ph idx="1"/>
+          </p:nvPr>
+        </p:nvSpPr>
+        <p:spPr>
+          <a:xfrm>
+            <a:off x="910628" y="1573998"/>
+            <a:ext cx="10515600" cy="4598278"/>
+          </a:xfrm>
+        </p:spPr>
+        <p:txBody>
+          <a:bodyPr>
+            <a:noAutofit/>
+          </a:bodyPr>
+          <a:lstStyle/>
+          <a:p>
+            <a:pPr marL="914400" lvl="1" indent="-457200">
+              <a:buFont typeface="Arial" panose="020B0604020202020204" pitchFamily="34" charset="0"/>
+              <a:buChar char="•"/>
+            </a:pPr>
+            <a:r>
+              <a:rPr lang="en-GB" sz="3200" dirty="0">
+                <a:solidFill>
+                  <a:schemeClr val="bg1"/>
+                </a:solidFill>
+                <a:latin typeface="Segoe UI" panose="020B0502040204020203" pitchFamily="34" charset="0"/>
+                <a:cs typeface="Segoe UI" panose="020B0502040204020203" pitchFamily="34" charset="0"/>
+              </a:rPr>
+              <a:t>The good news is that there is essentially just one JavaScript code snippet that is used over and over again.</a:t>
+            </a:r>
+          </a:p>
+          <a:p>
+            <a:pPr marL="914400" lvl="1" indent="-457200">
+              <a:buFont typeface="Arial" panose="020B0604020202020204" pitchFamily="34" charset="0"/>
+              <a:buChar char="•"/>
+            </a:pPr>
+            <a:r>
+              <a:rPr lang="en-GB" sz="3200" dirty="0">
+                <a:solidFill>
+                  <a:schemeClr val="bg1"/>
+                </a:solidFill>
+              </a:rPr>
+              <a:t>However, it does involve some concepts that may be new to you.</a:t>
+            </a:r>
+          </a:p>
+          <a:p>
+            <a:pPr marL="914400" lvl="1" indent="-457200">
+              <a:buFont typeface="Arial" panose="020B0604020202020204" pitchFamily="34" charset="0"/>
+              <a:buChar char="•"/>
+            </a:pPr>
+            <a:r>
+              <a:rPr lang="en-GB" sz="3200" dirty="0">
+                <a:solidFill>
+                  <a:schemeClr val="bg1"/>
+                </a:solidFill>
+              </a:rPr>
+              <a:t>Remember, this is an overview to show you how all the parts fit together.</a:t>
+            </a:r>
+          </a:p>
+          <a:p>
+            <a:pPr marL="914400" lvl="1" indent="-457200">
+              <a:buFont typeface="Arial" panose="020B0604020202020204" pitchFamily="34" charset="0"/>
+              <a:buChar char="•"/>
+            </a:pPr>
+            <a:endParaRPr lang="en-GB" sz="3200" dirty="0">
+              <a:solidFill>
+                <a:schemeClr val="bg1"/>
+              </a:solidFill>
+            </a:endParaRPr>
+          </a:p>
+          <a:p>
+            <a:pPr marL="914400" lvl="1" indent="-457200">
+              <a:buFont typeface="Arial" panose="020B0604020202020204" pitchFamily="34" charset="0"/>
+              <a:buChar char="•"/>
+            </a:pPr>
+            <a:endParaRPr lang="en-GB" sz="3200" dirty="0">
+              <a:solidFill>
+                <a:schemeClr val="bg1"/>
+              </a:solidFill>
+              <a:latin typeface="Segoe UI" panose="020B0502040204020203" pitchFamily="34" charset="0"/>
+              <a:cs typeface="Segoe UI" panose="020B0502040204020203" pitchFamily="34" charset="0"/>
+            </a:endParaRPr>
+          </a:p>
+        </p:txBody>
+      </p:sp>
+    </p:spTree>
+    <p:extLst>
+      <p:ext uri="{BB962C8B-B14F-4D97-AF65-F5344CB8AC3E}">
+        <p14:creationId xmlns:p14="http://schemas.microsoft.com/office/powerpoint/2010/main" val="2016784523"/>
+      </p:ext>
+    </p:extLst>
+  </p:cSld>
+  <p:clrMapOvr>
+    <a:masterClrMapping/>
+  </p:clrMapOvr>
+  <p:timing>
+    <p:tnLst>
+      <p:par>
+        <p:cTn id="1" dur="indefinite" restart="never" nodeType="tmRoot">
+          <p:childTnLst>
+            <p:seq concurrent="1" nextAc="seek">
+              <p:cTn id="2" dur="indefinite" nodeType="mainSeq">
+                <p:childTnLst>
+                  <p:par>
+                    <p:cTn id="3" fill="hold">
+                      <p:stCondLst>
+                        <p:cond delay="indefinite"/>
+                      </p:stCondLst>
+                      <p:childTnLst>
+                        <p:par>
+                          <p:cTn id="4" fill="hold">
+                            <p:stCondLst>
+                              <p:cond delay="0"/>
+                            </p:stCondLst>
+                            <p:childTnLst>
+                              <p:par>
+                                <p:cTn id="5" presetID="1" presetClass="entr" presetSubtype="0" fill="hold" nodeType="clickEffect">
+                                  <p:stCondLst>
+                                    <p:cond delay="0"/>
+                                  </p:stCondLst>
+                                  <p:childTnLst>
+                                    <p:set>
+                                      <p:cBhvr>
+                                        <p:cTn id="6" dur="1" fill="hold">
+                                          <p:stCondLst>
+                                            <p:cond delay="0"/>
+                                          </p:stCondLst>
+                                        </p:cTn>
+                                        <p:tgtEl>
+                                          <p:spTgt spid="3">
+                                            <p:txEl>
+                                              <p:pRg st="0" end="0"/>
+                                            </p:txEl>
+                                          </p:spTgt>
+                                        </p:tgtEl>
+                                        <p:attrNameLst>
+                                          <p:attrName>style.visibility</p:attrName>
+                                        </p:attrNameLst>
+                                      </p:cBhvr>
+                                      <p:to>
+                                        <p:strVal val="visible"/>
+                                      </p:to>
+                                    </p:set>
+                                  </p:childTnLst>
+                                </p:cTn>
+                              </p:par>
+                            </p:childTnLst>
+                          </p:cTn>
+                        </p:par>
+                      </p:childTnLst>
+                    </p:cTn>
+                  </p:par>
+                  <p:par>
+                    <p:cTn id="7" fill="hold">
+                      <p:stCondLst>
+                        <p:cond delay="indefinite"/>
+                      </p:stCondLst>
+                      <p:childTnLst>
+                        <p:par>
+                          <p:cTn id="8" fill="hold">
+                            <p:stCondLst>
+                              <p:cond delay="0"/>
+                            </p:stCondLst>
+                            <p:childTnLst>
+                              <p:par>
+                                <p:cTn id="9" presetID="1" presetClass="entr" presetSubtype="0" fill="hold" nodeType="clickEffect">
+                                  <p:stCondLst>
+                                    <p:cond delay="0"/>
+                                  </p:stCondLst>
+                                  <p:childTnLst>
+                                    <p:set>
+                                      <p:cBhvr>
+                                        <p:cTn id="10" dur="1" fill="hold">
+                                          <p:stCondLst>
+                                            <p:cond delay="0"/>
+                                          </p:stCondLst>
+                                        </p:cTn>
+                                        <p:tgtEl>
+                                          <p:spTgt spid="3">
+                                            <p:txEl>
+                                              <p:pRg st="1" end="1"/>
+                                            </p:txEl>
+                                          </p:spTgt>
+                                        </p:tgtEl>
+                                        <p:attrNameLst>
+                                          <p:attrName>style.visibility</p:attrName>
+                                        </p:attrNameLst>
+                                      </p:cBhvr>
+                                      <p:to>
+                                        <p:strVal val="visible"/>
+                                      </p:to>
+                                    </p:set>
+                                  </p:childTnLst>
+                                </p:cTn>
+                              </p:par>
+                            </p:childTnLst>
+                          </p:cTn>
+                        </p:par>
+                      </p:childTnLst>
+                    </p:cTn>
+                  </p:par>
+                  <p:par>
+                    <p:cTn id="11" fill="hold">
+                      <p:stCondLst>
+                        <p:cond delay="indefinite"/>
+                      </p:stCondLst>
+                      <p:childTnLst>
+                        <p:par>
+                          <p:cTn id="12" fill="hold">
+                            <p:stCondLst>
+                              <p:cond delay="0"/>
+                            </p:stCondLst>
+                            <p:childTnLst>
+                              <p:par>
+                                <p:cTn id="13" presetID="1" presetClass="entr" presetSubtype="0" fill="hold" nodeType="clickEffect">
+                                  <p:stCondLst>
+                                    <p:cond delay="0"/>
+                                  </p:stCondLst>
+                                  <p:childTnLst>
+                                    <p:set>
+                                      <p:cBhvr>
+                                        <p:cTn id="14" dur="1" fill="hold">
+                                          <p:stCondLst>
+                                            <p:cond delay="0"/>
+                                          </p:stCondLst>
+                                        </p:cTn>
+                                        <p:tgtEl>
+                                          <p:spTgt spid="3">
+                                            <p:txEl>
+                                              <p:pRg st="2" end="2"/>
+                                            </p:txEl>
+                                          </p:spTgt>
+                                        </p:tgtEl>
+                                        <p:attrNameLst>
+                                          <p:attrName>style.visibility</p:attrName>
+                                        </p:attrNameLst>
+                                      </p:cBhvr>
+                                      <p:to>
+                                        <p:strVal val="visible"/>
+                                      </p:to>
+                                    </p:set>
+                                  </p:childTnLst>
+                                </p:cTn>
+                              </p:par>
+                            </p:childTnLst>
+                          </p:cTn>
+                        </p:par>
+                      </p:childTnLst>
+                    </p:cTn>
+                  </p:par>
+                </p:childTnLst>
+              </p:cTn>
+              <p:prevCondLst>
+                <p:cond evt="onPrev" delay="0">
+                  <p:tgtEl>
+                    <p:sldTgt/>
+                  </p:tgtEl>
+                </p:cond>
+              </p:prevCondLst>
+              <p:nextCondLst>
+                <p:cond evt="onNext" delay="0">
+                  <p:tgtEl>
+                    <p:sldTgt/>
+                  </p:tgtEl>
+                </p:cond>
+              </p:nextCondLst>
+            </p:seq>
+          </p:childTnLst>
+        </p:cTn>
+      </p:par>
+    </p:tnLst>
+  </p:timing>
+</p:sld>
+</file>
+
+<file path=ppt/slides/slide11.xml><?xml version="1.0" encoding="utf-8"?>
+<p:sld xmlns:a="http://schemas.openxmlformats.org/drawingml/2006/main" xmlns:r="http://schemas.openxmlformats.org/officeDocument/2006/relationships" xmlns:p="http://schemas.openxmlformats.org/presentationml/2006/main">
+  <p:cSld>
+    <p:bg>
+      <p:bgPr>
+        <a:solidFill>
+          <a:schemeClr val="tx1">
+            <a:lumMod val="65000"/>
+            <a:lumOff val="35000"/>
+          </a:schemeClr>
+        </a:solidFill>
+        <a:effectLst/>
+      </p:bgPr>
+    </p:bg>
+    <p:spTree>
+      <p:nvGrpSpPr>
+        <p:cNvPr id="1" name=""/>
+        <p:cNvGrpSpPr/>
+        <p:nvPr/>
+      </p:nvGrpSpPr>
+      <p:grpSpPr>
+        <a:xfrm>
+          <a:off x="0" y="0"/>
+          <a:ext cx="0" cy="0"/>
+          <a:chOff x="0" y="0"/>
+          <a:chExt cx="0" cy="0"/>
+        </a:xfrm>
+      </p:grpSpPr>
+      <p:sp>
+        <p:nvSpPr>
+          <p:cNvPr id="2" name="Title 1">
+            <a:extLst>
+              <a:ext uri="{FF2B5EF4-FFF2-40B4-BE49-F238E27FC236}">
+                <a16:creationId xmlns:a16="http://schemas.microsoft.com/office/drawing/2014/main" id="{81769C98-962F-4C3A-B575-99BB0A9C6763}"/>
+              </a:ext>
+            </a:extLst>
+          </p:cNvPr>
+          <p:cNvSpPr>
+            <a:spLocks noGrp="1"/>
+          </p:cNvSpPr>
+          <p:nvPr>
+            <p:ph type="title"/>
+          </p:nvPr>
+        </p:nvSpPr>
+        <p:spPr>
+          <a:xfrm>
+            <a:off x="910628" y="237026"/>
+            <a:ext cx="10515600" cy="892835"/>
+          </a:xfrm>
+        </p:spPr>
+        <p:txBody>
+          <a:bodyPr/>
+          <a:lstStyle/>
+          <a:p>
+            <a:r>
+              <a:rPr lang="en-GB" dirty="0">
+                <a:solidFill>
+                  <a:schemeClr val="bg1"/>
+                </a:solidFill>
+              </a:rPr>
+              <a:t>JavaScript, Fetch API and Promises</a:t>
+            </a:r>
+          </a:p>
+        </p:txBody>
+      </p:sp>
+      <p:sp>
+        <p:nvSpPr>
+          <p:cNvPr id="3" name="Content Placeholder 2">
+            <a:extLst>
+              <a:ext uri="{FF2B5EF4-FFF2-40B4-BE49-F238E27FC236}">
+                <a16:creationId xmlns:a16="http://schemas.microsoft.com/office/drawing/2014/main" id="{C77D8FCA-15A2-453C-BEDB-B01FF3E48151}"/>
+              </a:ext>
+            </a:extLst>
+          </p:cNvPr>
+          <p:cNvSpPr>
+            <a:spLocks noGrp="1"/>
+          </p:cNvSpPr>
+          <p:nvPr>
+            <p:ph idx="1"/>
+          </p:nvPr>
+        </p:nvSpPr>
+        <p:spPr>
+          <a:xfrm>
+            <a:off x="910628" y="1573998"/>
+            <a:ext cx="10515600" cy="4598278"/>
+          </a:xfrm>
+        </p:spPr>
+        <p:txBody>
+          <a:bodyPr>
+            <a:noAutofit/>
+          </a:bodyPr>
+          <a:lstStyle/>
+          <a:p>
+            <a:pPr marL="914400" lvl="1" indent="-457200">
+              <a:buFont typeface="Arial" panose="020B0604020202020204" pitchFamily="34" charset="0"/>
+              <a:buChar char="•"/>
+            </a:pPr>
+            <a:r>
+              <a:rPr lang="en-GB" sz="3200" dirty="0">
+                <a:solidFill>
+                  <a:schemeClr val="bg1"/>
+                </a:solidFill>
+              </a:rPr>
+              <a:t>The videos supplied and recommended will enable you to spend the necessary time to understand these more fully.</a:t>
+            </a:r>
+          </a:p>
+          <a:p>
+            <a:pPr marL="914400" lvl="1" indent="-457200">
+              <a:buFont typeface="Arial" panose="020B0604020202020204" pitchFamily="34" charset="0"/>
+              <a:buChar char="•"/>
+            </a:pPr>
+            <a:r>
+              <a:rPr lang="en-GB" sz="3200" dirty="0">
+                <a:solidFill>
+                  <a:schemeClr val="bg1"/>
+                </a:solidFill>
+              </a:rPr>
+              <a:t>Nonetheless, you can implement the code snippets without much understanding…I did!</a:t>
+            </a:r>
+          </a:p>
+          <a:p>
+            <a:pPr marL="914400" lvl="1" indent="-457200">
+              <a:buFont typeface="Arial" panose="020B0604020202020204" pitchFamily="34" charset="0"/>
+              <a:buChar char="•"/>
+            </a:pPr>
+            <a:endParaRPr lang="en-GB" sz="3200" dirty="0">
+              <a:solidFill>
+                <a:schemeClr val="bg1"/>
+              </a:solidFill>
+            </a:endParaRPr>
+          </a:p>
+          <a:p>
+            <a:pPr marL="914400" lvl="1" indent="-457200">
+              <a:buFont typeface="Arial" panose="020B0604020202020204" pitchFamily="34" charset="0"/>
+              <a:buChar char="•"/>
+            </a:pPr>
+            <a:endParaRPr lang="en-GB" sz="3200" dirty="0">
+              <a:solidFill>
+                <a:schemeClr val="bg1"/>
+              </a:solidFill>
+              <a:latin typeface="Segoe UI" panose="020B0502040204020203" pitchFamily="34" charset="0"/>
+              <a:cs typeface="Segoe UI" panose="020B0502040204020203" pitchFamily="34" charset="0"/>
+            </a:endParaRPr>
+          </a:p>
+        </p:txBody>
+      </p:sp>
+    </p:spTree>
+    <p:extLst>
+      <p:ext uri="{BB962C8B-B14F-4D97-AF65-F5344CB8AC3E}">
+        <p14:creationId xmlns:p14="http://schemas.microsoft.com/office/powerpoint/2010/main" val="1223072096"/>
+      </p:ext>
+    </p:extLst>
+  </p:cSld>
+  <p:clrMapOvr>
+    <a:masterClrMapping/>
+  </p:clrMapOvr>
+  <p:timing>
+    <p:tnLst>
+      <p:par>
+        <p:cTn id="1" dur="indefinite" restart="never" nodeType="tmRoot">
+          <p:childTnLst>
+            <p:seq concurrent="1" nextAc="seek">
+              <p:cTn id="2" dur="indefinite" nodeType="mainSeq">
+                <p:childTnLst>
+                  <p:par>
+                    <p:cTn id="3" fill="hold">
+                      <p:stCondLst>
+                        <p:cond delay="indefinite"/>
+                      </p:stCondLst>
+                      <p:childTnLst>
+                        <p:par>
+                          <p:cTn id="4" fill="hold">
+                            <p:stCondLst>
+                              <p:cond delay="0"/>
+                            </p:stCondLst>
+                            <p:childTnLst>
+                              <p:par>
+                                <p:cTn id="5" presetID="1" presetClass="entr" presetSubtype="0" fill="hold" nodeType="clickEffect">
+                                  <p:stCondLst>
+                                    <p:cond delay="0"/>
+                                  </p:stCondLst>
+                                  <p:childTnLst>
+                                    <p:set>
+                                      <p:cBhvr>
+                                        <p:cTn id="6" dur="1" fill="hold">
+                                          <p:stCondLst>
+                                            <p:cond delay="0"/>
+                                          </p:stCondLst>
+                                        </p:cTn>
+                                        <p:tgtEl>
+                                          <p:spTgt spid="3">
+                                            <p:txEl>
+                                              <p:pRg st="0" end="0"/>
+                                            </p:txEl>
+                                          </p:spTgt>
+                                        </p:tgtEl>
+                                        <p:attrNameLst>
+                                          <p:attrName>style.visibility</p:attrName>
+                                        </p:attrNameLst>
+                                      </p:cBhvr>
+                                      <p:to>
+                                        <p:strVal val="visible"/>
+                                      </p:to>
+                                    </p:set>
+                                  </p:childTnLst>
+                                </p:cTn>
+                              </p:par>
+                            </p:childTnLst>
+                          </p:cTn>
+                        </p:par>
+                      </p:childTnLst>
+                    </p:cTn>
+                  </p:par>
+                  <p:par>
+                    <p:cTn id="7" fill="hold">
+                      <p:stCondLst>
+                        <p:cond delay="indefinite"/>
+                      </p:stCondLst>
+                      <p:childTnLst>
+                        <p:par>
+                          <p:cTn id="8" fill="hold">
+                            <p:stCondLst>
+                              <p:cond delay="0"/>
+                            </p:stCondLst>
+                            <p:childTnLst>
+                              <p:par>
+                                <p:cTn id="9" presetID="1" presetClass="entr" presetSubtype="0" fill="hold" nodeType="clickEffect">
+                                  <p:stCondLst>
+                                    <p:cond delay="0"/>
+                                  </p:stCondLst>
+                                  <p:childTnLst>
+                                    <p:set>
+                                      <p:cBhvr>
+                                        <p:cTn id="10" dur="1" fill="hold">
+                                          <p:stCondLst>
+                                            <p:cond delay="0"/>
+                                          </p:stCondLst>
+                                        </p:cTn>
+                                        <p:tgtEl>
+                                          <p:spTgt spid="3">
+                                            <p:txEl>
+                                              <p:pRg st="1" end="1"/>
+                                            </p:txEl>
+                                          </p:spTgt>
+                                        </p:tgtEl>
+                                        <p:attrNameLst>
+                                          <p:attrName>style.visibility</p:attrName>
+                                        </p:attrNameLst>
+                                      </p:cBhvr>
+                                      <p:to>
+                                        <p:strVal val="visible"/>
+                                      </p:to>
+                                    </p:set>
+                                  </p:childTnLst>
+                                </p:cTn>
+                              </p:par>
+                            </p:childTnLst>
+                          </p:cTn>
+                        </p:par>
+                      </p:childTnLst>
+                    </p:cTn>
+                  </p:par>
+                </p:childTnLst>
+              </p:cTn>
+              <p:prevCondLst>
+                <p:cond evt="onPrev" delay="0">
+                  <p:tgtEl>
+                    <p:sldTgt/>
+                  </p:tgtEl>
+                </p:cond>
+              </p:prevCondLst>
+              <p:nextCondLst>
+                <p:cond evt="onNext" delay="0">
+                  <p:tgtEl>
+                    <p:sldTgt/>
+                  </p:tgtEl>
+                </p:cond>
+              </p:nextCondLst>
+            </p:seq>
+          </p:childTnLst>
+        </p:cTn>
+      </p:par>
+    </p:tnLst>
+  </p:timing>
+</p:sld>
+</file>
+
+<file path=ppt/slides/slide12.xml><?xml version="1.0" encoding="utf-8"?>
+<p:sld xmlns:a="http://schemas.openxmlformats.org/drawingml/2006/main" xmlns:r="http://schemas.openxmlformats.org/officeDocument/2006/relationships" xmlns:p="http://schemas.openxmlformats.org/presentationml/2006/main">
+  <p:cSld>
+    <p:bg>
+      <p:bgPr>
+        <a:solidFill>
+          <a:schemeClr val="tx1">
+            <a:lumMod val="65000"/>
+            <a:lumOff val="35000"/>
+          </a:schemeClr>
+        </a:solidFill>
+        <a:effectLst/>
+      </p:bgPr>
+    </p:bg>
+    <p:spTree>
+      <p:nvGrpSpPr>
+        <p:cNvPr id="1" name=""/>
+        <p:cNvGrpSpPr/>
+        <p:nvPr/>
+      </p:nvGrpSpPr>
+      <p:grpSpPr>
+        <a:xfrm>
+          <a:off x="0" y="0"/>
+          <a:ext cx="0" cy="0"/>
+          <a:chOff x="0" y="0"/>
+          <a:chExt cx="0" cy="0"/>
+        </a:xfrm>
+      </p:grpSpPr>
+      <p:sp>
+        <p:nvSpPr>
+          <p:cNvPr id="2" name="Title 1">
+            <a:extLst>
+              <a:ext uri="{FF2B5EF4-FFF2-40B4-BE49-F238E27FC236}">
+                <a16:creationId xmlns:a16="http://schemas.microsoft.com/office/drawing/2014/main" id="{81769C98-962F-4C3A-B575-99BB0A9C6763}"/>
+              </a:ext>
+            </a:extLst>
+          </p:cNvPr>
+          <p:cNvSpPr>
+            <a:spLocks noGrp="1"/>
+          </p:cNvSpPr>
+          <p:nvPr>
+            <p:ph type="title"/>
+          </p:nvPr>
+        </p:nvSpPr>
+        <p:spPr>
+          <a:xfrm>
+            <a:off x="910628" y="237026"/>
+            <a:ext cx="10515600" cy="892835"/>
+          </a:xfrm>
+        </p:spPr>
+        <p:txBody>
+          <a:bodyPr/>
+          <a:lstStyle/>
+          <a:p>
+            <a:r>
+              <a:rPr lang="en-GB" dirty="0">
+                <a:solidFill>
+                  <a:schemeClr val="bg1"/>
+                </a:solidFill>
+              </a:rPr>
+              <a:t>  Decoupled WordPress Sites</a:t>
+            </a:r>
+          </a:p>
+        </p:txBody>
+      </p:sp>
+      <p:sp>
+        <p:nvSpPr>
+          <p:cNvPr id="3" name="Content Placeholder 2">
+            <a:extLst>
+              <a:ext uri="{FF2B5EF4-FFF2-40B4-BE49-F238E27FC236}">
+                <a16:creationId xmlns:a16="http://schemas.microsoft.com/office/drawing/2014/main" id="{C77D8FCA-15A2-453C-BEDB-B01FF3E48151}"/>
+              </a:ext>
+            </a:extLst>
+          </p:cNvPr>
+          <p:cNvSpPr>
+            <a:spLocks noGrp="1"/>
+          </p:cNvSpPr>
+          <p:nvPr>
+            <p:ph idx="1"/>
+          </p:nvPr>
+        </p:nvSpPr>
+        <p:spPr>
+          <a:xfrm>
+            <a:off x="910628" y="1493655"/>
+            <a:ext cx="10515600" cy="4598278"/>
+          </a:xfrm>
+        </p:spPr>
+        <p:txBody>
+          <a:bodyPr>
+            <a:noAutofit/>
+          </a:bodyPr>
+          <a:lstStyle/>
+          <a:p>
+            <a:pPr marL="914400" lvl="1" indent="-457200">
+              <a:buFont typeface="Arial" panose="020B0604020202020204" pitchFamily="34" charset="0"/>
+              <a:buChar char="•"/>
+            </a:pPr>
+            <a:r>
+              <a:rPr lang="en-GB" sz="3200" dirty="0">
+                <a:solidFill>
+                  <a:schemeClr val="bg1"/>
+                </a:solidFill>
+                <a:latin typeface="Segoe UI" panose="020B0502040204020203" pitchFamily="34" charset="0"/>
+                <a:cs typeface="Segoe UI" panose="020B0502040204020203" pitchFamily="34" charset="0"/>
+              </a:rPr>
+              <a:t>There are now many decoupled WP architectures…</a:t>
+            </a:r>
+          </a:p>
+          <a:p>
+            <a:pPr marL="914400" lvl="1" indent="-457200">
+              <a:buFont typeface="Arial" panose="020B0604020202020204" pitchFamily="34" charset="0"/>
+              <a:buChar char="•"/>
+            </a:pPr>
+            <a:r>
+              <a:rPr lang="en-GB" sz="3200" dirty="0">
+                <a:solidFill>
+                  <a:schemeClr val="bg1"/>
+                </a:solidFill>
+              </a:rPr>
+              <a:t>Most CMS cloud services have ready made WP importing of data.</a:t>
+            </a:r>
+            <a:endParaRPr lang="en-GB" sz="3200" dirty="0">
+              <a:solidFill>
+                <a:schemeClr val="bg1"/>
+              </a:solidFill>
+              <a:latin typeface="Segoe UI" panose="020B0502040204020203" pitchFamily="34" charset="0"/>
+              <a:cs typeface="Segoe UI" panose="020B0502040204020203" pitchFamily="34" charset="0"/>
+            </a:endParaRPr>
+          </a:p>
+          <a:p>
+            <a:pPr marL="914400" lvl="1" indent="-457200">
+              <a:buFont typeface="Arial" panose="020B0604020202020204" pitchFamily="34" charset="0"/>
+              <a:buChar char="•"/>
+            </a:pPr>
+            <a:r>
+              <a:rPr lang="en-GB" sz="3200" dirty="0">
+                <a:solidFill>
+                  <a:schemeClr val="bg1"/>
+                </a:solidFill>
+                <a:latin typeface="Segoe UI" panose="020B0502040204020203" pitchFamily="34" charset="0"/>
+                <a:cs typeface="Segoe UI" panose="020B0502040204020203" pitchFamily="34" charset="0"/>
+              </a:rPr>
+              <a:t>Separation between Model (data) and View (theme).</a:t>
+            </a:r>
+          </a:p>
+          <a:p>
+            <a:pPr marL="914400" lvl="1" indent="-457200">
+              <a:buFont typeface="Arial" panose="020B0604020202020204" pitchFamily="34" charset="0"/>
+              <a:buChar char="•"/>
+            </a:pPr>
+            <a:r>
+              <a:rPr lang="en-GB" sz="3200" dirty="0">
+                <a:solidFill>
+                  <a:schemeClr val="bg1"/>
+                </a:solidFill>
+              </a:rPr>
+              <a:t>They will depend on WP REST API or GraphQL, which is another type of API architecture.</a:t>
+            </a:r>
+            <a:endParaRPr lang="en-GB" sz="3200" dirty="0">
+              <a:solidFill>
+                <a:schemeClr val="bg1"/>
+              </a:solidFill>
+              <a:latin typeface="Segoe UI" panose="020B0502040204020203" pitchFamily="34" charset="0"/>
+              <a:cs typeface="Segoe UI" panose="020B0502040204020203" pitchFamily="34" charset="0"/>
+            </a:endParaRPr>
+          </a:p>
+          <a:p>
+            <a:pPr marL="914400" lvl="1" indent="-457200">
+              <a:buFont typeface="Arial" panose="020B0604020202020204" pitchFamily="34" charset="0"/>
+              <a:buChar char="•"/>
+            </a:pPr>
+            <a:endParaRPr lang="en-GB" sz="3200" dirty="0">
+              <a:solidFill>
+                <a:schemeClr val="bg1"/>
+              </a:solidFill>
+              <a:latin typeface="Segoe UI" panose="020B0502040204020203" pitchFamily="34" charset="0"/>
+              <a:cs typeface="Segoe UI" panose="020B0502040204020203" pitchFamily="34" charset="0"/>
+            </a:endParaRPr>
+          </a:p>
+        </p:txBody>
+      </p:sp>
+    </p:spTree>
+    <p:extLst>
+      <p:ext uri="{BB962C8B-B14F-4D97-AF65-F5344CB8AC3E}">
+        <p14:creationId xmlns:p14="http://schemas.microsoft.com/office/powerpoint/2010/main" val="735708405"/>
+      </p:ext>
+    </p:extLst>
+  </p:cSld>
+  <p:clrMapOvr>
+    <a:masterClrMapping/>
+  </p:clrMapOvr>
+  <p:timing>
+    <p:tnLst>
+      <p:par>
+        <p:cTn id="1" dur="indefinite" restart="never" nodeType="tmRoot">
+          <p:childTnLst>
+            <p:seq concurrent="1" nextAc="seek">
+              <p:cTn id="2" dur="indefinite" nodeType="mainSeq">
+                <p:childTnLst>
+                  <p:par>
+                    <p:cTn id="3" fill="hold">
+                      <p:stCondLst>
+                        <p:cond delay="indefinite"/>
+                      </p:stCondLst>
+                      <p:childTnLst>
+                        <p:par>
+                          <p:cTn id="4" fill="hold">
+                            <p:stCondLst>
+                              <p:cond delay="0"/>
+                            </p:stCondLst>
+                            <p:childTnLst>
+                              <p:par>
+                                <p:cTn id="5" presetID="1" presetClass="entr" presetSubtype="0" fill="hold" nodeType="clickEffect">
+                                  <p:stCondLst>
+                                    <p:cond delay="0"/>
+                                  </p:stCondLst>
+                                  <p:childTnLst>
+                                    <p:set>
+                                      <p:cBhvr>
+                                        <p:cTn id="6" dur="1" fill="hold">
+                                          <p:stCondLst>
+                                            <p:cond delay="0"/>
+                                          </p:stCondLst>
+                                        </p:cTn>
+                                        <p:tgtEl>
+                                          <p:spTgt spid="3">
+                                            <p:txEl>
+                                              <p:pRg st="0" end="0"/>
+                                            </p:txEl>
+                                          </p:spTgt>
+                                        </p:tgtEl>
+                                        <p:attrNameLst>
+                                          <p:attrName>style.visibility</p:attrName>
+                                        </p:attrNameLst>
+                                      </p:cBhvr>
+                                      <p:to>
+                                        <p:strVal val="visible"/>
+                                      </p:to>
+                                    </p:set>
+                                  </p:childTnLst>
+                                </p:cTn>
+                              </p:par>
+                            </p:childTnLst>
+                          </p:cTn>
+                        </p:par>
+                      </p:childTnLst>
+                    </p:cTn>
+                  </p:par>
+                  <p:par>
+                    <p:cTn id="7" fill="hold">
+                      <p:stCondLst>
+                        <p:cond delay="indefinite"/>
+                      </p:stCondLst>
+                      <p:childTnLst>
+                        <p:par>
+                          <p:cTn id="8" fill="hold">
+                            <p:stCondLst>
+                              <p:cond delay="0"/>
+                            </p:stCondLst>
+                            <p:childTnLst>
+                              <p:par>
+                                <p:cTn id="9" presetID="1" presetClass="entr" presetSubtype="0" fill="hold" nodeType="clickEffect">
+                                  <p:stCondLst>
+                                    <p:cond delay="0"/>
+                                  </p:stCondLst>
+                                  <p:childTnLst>
+                                    <p:set>
+                                      <p:cBhvr>
+                                        <p:cTn id="10" dur="1" fill="hold">
+                                          <p:stCondLst>
+                                            <p:cond delay="0"/>
+                                          </p:stCondLst>
+                                        </p:cTn>
+                                        <p:tgtEl>
+                                          <p:spTgt spid="3">
+                                            <p:txEl>
+                                              <p:pRg st="1" end="1"/>
+                                            </p:txEl>
+                                          </p:spTgt>
+                                        </p:tgtEl>
+                                        <p:attrNameLst>
+                                          <p:attrName>style.visibility</p:attrName>
+                                        </p:attrNameLst>
+                                      </p:cBhvr>
+                                      <p:to>
+                                        <p:strVal val="visible"/>
+                                      </p:to>
+                                    </p:set>
+                                  </p:childTnLst>
+                                </p:cTn>
+                              </p:par>
+                            </p:childTnLst>
+                          </p:cTn>
+                        </p:par>
+                      </p:childTnLst>
+                    </p:cTn>
+                  </p:par>
+                  <p:par>
+                    <p:cTn id="11" fill="hold">
+                      <p:stCondLst>
+                        <p:cond delay="indefinite"/>
+                      </p:stCondLst>
+                      <p:childTnLst>
+                        <p:par>
+                          <p:cTn id="12" fill="hold">
+                            <p:stCondLst>
+                              <p:cond delay="0"/>
+                            </p:stCondLst>
+                            <p:childTnLst>
+                              <p:par>
+                                <p:cTn id="13" presetID="1" presetClass="entr" presetSubtype="0" fill="hold" nodeType="clickEffect">
+                                  <p:stCondLst>
+                                    <p:cond delay="0"/>
+                                  </p:stCondLst>
+                                  <p:childTnLst>
+                                    <p:set>
+                                      <p:cBhvr>
+                                        <p:cTn id="14" dur="1" fill="hold">
+                                          <p:stCondLst>
+                                            <p:cond delay="0"/>
+                                          </p:stCondLst>
+                                        </p:cTn>
+                                        <p:tgtEl>
+                                          <p:spTgt spid="3">
+                                            <p:txEl>
+                                              <p:pRg st="2" end="2"/>
+                                            </p:txEl>
+                                          </p:spTgt>
+                                        </p:tgtEl>
+                                        <p:attrNameLst>
+                                          <p:attrName>style.visibility</p:attrName>
+                                        </p:attrNameLst>
+                                      </p:cBhvr>
+                                      <p:to>
+                                        <p:strVal val="visible"/>
+                                      </p:to>
+                                    </p:set>
+                                  </p:childTnLst>
+                                </p:cTn>
+                              </p:par>
+                            </p:childTnLst>
+                          </p:cTn>
+                        </p:par>
+                      </p:childTnLst>
+                    </p:cTn>
+                  </p:par>
+                  <p:par>
+                    <p:cTn id="15" fill="hold">
+                      <p:stCondLst>
+                        <p:cond delay="indefinite"/>
+                      </p:stCondLst>
+                      <p:childTnLst>
+                        <p:par>
+                          <p:cTn id="16" fill="hold">
+                            <p:stCondLst>
+                              <p:cond delay="0"/>
+                            </p:stCondLst>
+                            <p:childTnLst>
+                              <p:par>
+                                <p:cTn id="17" presetID="1" presetClass="entr" presetSubtype="0" fill="hold" nodeType="clickEffect">
+                                  <p:stCondLst>
+                                    <p:cond delay="0"/>
+                                  </p:stCondLst>
+                                  <p:childTnLst>
+                                    <p:set>
+                                      <p:cBhvr>
+                                        <p:cTn id="18" dur="1" fill="hold">
+                                          <p:stCondLst>
+                                            <p:cond delay="0"/>
+                                          </p:stCondLst>
+                                        </p:cTn>
+                                        <p:tgtEl>
+                                          <p:spTgt spid="3">
+                                            <p:txEl>
+                                              <p:pRg st="3" end="3"/>
+                                            </p:txEl>
+                                          </p:spTgt>
+                                        </p:tgtEl>
+                                        <p:attrNameLst>
+                                          <p:attrName>style.visibility</p:attrName>
+                                        </p:attrNameLst>
+                                      </p:cBhvr>
+                                      <p:to>
+                                        <p:strVal val="visible"/>
+                                      </p:to>
+                                    </p:set>
+                                  </p:childTnLst>
+                                </p:cTn>
+                              </p:par>
+                            </p:childTnLst>
+                          </p:cTn>
+                        </p:par>
+                      </p:childTnLst>
+                    </p:cTn>
+                  </p:par>
+                </p:childTnLst>
+              </p:cTn>
+              <p:prevCondLst>
+                <p:cond evt="onPrev" delay="0">
+                  <p:tgtEl>
+                    <p:sldTgt/>
+                  </p:tgtEl>
+                </p:cond>
+              </p:prevCondLst>
+              <p:nextCondLst>
+                <p:cond evt="onNext" delay="0">
+                  <p:tgtEl>
+                    <p:sldTgt/>
+                  </p:tgtEl>
+                </p:cond>
+              </p:nextCondLst>
+            </p:seq>
+          </p:childTnLst>
+        </p:cTn>
+      </p:par>
+    </p:tnLst>
+  </p:timing>
+</p:sld>
+</file>
+
+<file path=ppt/slides/slide13.xml><?xml version="1.0" encoding="utf-8"?>
+<p:sld xmlns:a="http://schemas.openxmlformats.org/drawingml/2006/main" xmlns:r="http://schemas.openxmlformats.org/officeDocument/2006/relationships" xmlns:p="http://schemas.openxmlformats.org/presentationml/2006/main">
+  <p:cSld>
+    <p:bg>
+      <p:bgPr>
+        <a:solidFill>
+          <a:schemeClr val="tx1">
+            <a:lumMod val="65000"/>
+            <a:lumOff val="35000"/>
+          </a:schemeClr>
+        </a:solidFill>
+        <a:effectLst/>
+      </p:bgPr>
+    </p:bg>
+    <p:spTree>
+      <p:nvGrpSpPr>
+        <p:cNvPr id="1" name=""/>
+        <p:cNvGrpSpPr/>
+        <p:nvPr/>
+      </p:nvGrpSpPr>
+      <p:grpSpPr>
+        <a:xfrm>
+          <a:off x="0" y="0"/>
+          <a:ext cx="0" cy="0"/>
+          <a:chOff x="0" y="0"/>
+          <a:chExt cx="0" cy="0"/>
+        </a:xfrm>
+      </p:grpSpPr>
       <p:pic>
         <p:nvPicPr>
           <p:cNvPr id="16" name="Picture 15" descr="A close up of a typewriter&#10;&#10;Description automatically generated">
@@ -4565,599 +5627,6 @@
 </p:sld>
 </file>
 
-<file path=ppt/slides/slide11.xml><?xml version="1.0" encoding="utf-8"?>
-<p:sld xmlns:a="http://schemas.openxmlformats.org/drawingml/2006/main" xmlns:r="http://schemas.openxmlformats.org/officeDocument/2006/relationships" xmlns:p="http://schemas.openxmlformats.org/presentationml/2006/main">
-  <p:cSld>
-    <p:spTree>
-      <p:nvGrpSpPr>
-        <p:cNvPr id="1" name=""/>
-        <p:cNvGrpSpPr/>
-        <p:nvPr/>
-      </p:nvGrpSpPr>
-      <p:grpSpPr>
-        <a:xfrm>
-          <a:off x="0" y="0"/>
-          <a:ext cx="0" cy="0"/>
-          <a:chOff x="0" y="0"/>
-          <a:chExt cx="0" cy="0"/>
-        </a:xfrm>
-      </p:grpSpPr>
-      <p:sp>
-        <p:nvSpPr>
-          <p:cNvPr id="2" name="Title 1">
-            <a:extLst>
-              <a:ext uri="{FF2B5EF4-FFF2-40B4-BE49-F238E27FC236}">
-                <a16:creationId xmlns:a16="http://schemas.microsoft.com/office/drawing/2014/main" id="{81769C98-962F-4C3A-B575-99BB0A9C6763}"/>
-              </a:ext>
-            </a:extLst>
-          </p:cNvPr>
-          <p:cNvSpPr>
-            <a:spLocks noGrp="1"/>
-          </p:cNvSpPr>
-          <p:nvPr>
-            <p:ph type="title"/>
-          </p:nvPr>
-        </p:nvSpPr>
-        <p:spPr>
-          <a:xfrm>
-            <a:off x="910628" y="323943"/>
-            <a:ext cx="10515600" cy="892835"/>
-          </a:xfrm>
-        </p:spPr>
-        <p:txBody>
-          <a:bodyPr/>
-          <a:lstStyle/>
-          <a:p>
-            <a:r>
-              <a:rPr lang="en-GB" dirty="0">
-                <a:solidFill>
-                  <a:schemeClr val="bg1"/>
-                </a:solidFill>
-              </a:rPr>
-              <a:t>WordPress REST API</a:t>
-            </a:r>
-          </a:p>
-        </p:txBody>
-      </p:sp>
-      <p:sp>
-        <p:nvSpPr>
-          <p:cNvPr id="3" name="Content Placeholder 2">
-            <a:extLst>
-              <a:ext uri="{FF2B5EF4-FFF2-40B4-BE49-F238E27FC236}">
-                <a16:creationId xmlns:a16="http://schemas.microsoft.com/office/drawing/2014/main" id="{C77D8FCA-15A2-453C-BEDB-B01FF3E48151}"/>
-              </a:ext>
-            </a:extLst>
-          </p:cNvPr>
-          <p:cNvSpPr>
-            <a:spLocks noGrp="1"/>
-          </p:cNvSpPr>
-          <p:nvPr>
-            <p:ph idx="1"/>
-          </p:nvPr>
-        </p:nvSpPr>
-        <p:spPr>
-          <a:xfrm>
-            <a:off x="910628" y="1348300"/>
-            <a:ext cx="10515600" cy="5185757"/>
-          </a:xfrm>
-        </p:spPr>
-        <p:txBody>
-          <a:bodyPr>
-            <a:noAutofit/>
-          </a:bodyPr>
-          <a:lstStyle/>
-          <a:p>
-            <a:pPr marL="914400" lvl="1" indent="-457200">
-              <a:buFont typeface="Arial" panose="020B0604020202020204" pitchFamily="34" charset="0"/>
-              <a:buChar char="•"/>
-            </a:pPr>
-            <a:r>
-              <a:rPr lang="en-GB" sz="3200" dirty="0">
-                <a:solidFill>
-                  <a:schemeClr val="bg1"/>
-                </a:solidFill>
-              </a:rPr>
-              <a:t>What is REST?</a:t>
-            </a:r>
-          </a:p>
-          <a:p>
-            <a:pPr marL="914400" lvl="1" indent="-457200">
-              <a:buFont typeface="Arial" panose="020B0604020202020204" pitchFamily="34" charset="0"/>
-              <a:buChar char="•"/>
-            </a:pPr>
-            <a:r>
-              <a:rPr lang="en-GB" sz="3200" dirty="0">
-                <a:solidFill>
-                  <a:schemeClr val="bg1"/>
-                </a:solidFill>
-              </a:rPr>
-              <a:t>This was formulated by Roy Fielding for his thesis in 2000.</a:t>
-            </a:r>
-          </a:p>
-          <a:p>
-            <a:pPr marL="914400" lvl="1" indent="-457200">
-              <a:buFont typeface="Arial" panose="020B0604020202020204" pitchFamily="34" charset="0"/>
-              <a:buChar char="•"/>
-            </a:pPr>
-            <a:r>
-              <a:rPr lang="en-GB" sz="3200" dirty="0">
-                <a:solidFill>
-                  <a:schemeClr val="bg1"/>
-                </a:solidFill>
-              </a:rPr>
-              <a:t>An architectural style not a protocol.</a:t>
-            </a:r>
-          </a:p>
-          <a:p>
-            <a:pPr marL="914400" lvl="1" indent="-457200">
-              <a:buFont typeface="Arial" panose="020B0604020202020204" pitchFamily="34" charset="0"/>
-              <a:buChar char="•"/>
-            </a:pPr>
-            <a:r>
-              <a:rPr lang="en-GB" sz="3200" dirty="0">
-                <a:solidFill>
-                  <a:schemeClr val="bg1"/>
-                </a:solidFill>
-              </a:rPr>
-              <a:t>HTTP by its nature is implicitly RESTful.</a:t>
-            </a:r>
-          </a:p>
-          <a:p>
-            <a:pPr marL="914400" lvl="1" indent="-457200">
-              <a:buFont typeface="Arial" panose="020B0604020202020204" pitchFamily="34" charset="0"/>
-              <a:buChar char="•"/>
-            </a:pPr>
-            <a:r>
-              <a:rPr lang="en-GB" sz="3200" dirty="0">
-                <a:solidFill>
-                  <a:schemeClr val="bg1"/>
-                </a:solidFill>
-                <a:hlinkClick r:id="rId2">
-                  <a:extLst>
-                    <a:ext uri="{A12FA001-AC4F-418D-AE19-62706E023703}">
-                      <ahyp:hlinkClr xmlns:ahyp="http://schemas.microsoft.com/office/drawing/2018/hyperlinkcolor" val="tx"/>
-                    </a:ext>
-                  </a:extLst>
-                </a:hlinkClick>
-              </a:rPr>
-              <a:t>https://www.ics.uci.edu/~fielding/pubs/dissertation/rest_arch_style.htm</a:t>
-            </a:r>
-            <a:endParaRPr lang="en-GB" sz="3200" dirty="0">
-              <a:solidFill>
-                <a:schemeClr val="bg1"/>
-              </a:solidFill>
-            </a:endParaRPr>
-          </a:p>
-          <a:p>
-            <a:endParaRPr lang="en-GB" dirty="0"/>
-          </a:p>
-        </p:txBody>
-      </p:sp>
-    </p:spTree>
-    <p:extLst>
-      <p:ext uri="{BB962C8B-B14F-4D97-AF65-F5344CB8AC3E}">
-        <p14:creationId xmlns:p14="http://schemas.microsoft.com/office/powerpoint/2010/main" val="698649124"/>
-      </p:ext>
-    </p:extLst>
-  </p:cSld>
-  <p:clrMapOvr>
-    <a:masterClrMapping/>
-  </p:clrMapOvr>
-</p:sld>
-</file>
-
-<file path=ppt/slides/slide12.xml><?xml version="1.0" encoding="utf-8"?>
-<p:sld xmlns:a="http://schemas.openxmlformats.org/drawingml/2006/main" xmlns:r="http://schemas.openxmlformats.org/officeDocument/2006/relationships" xmlns:p="http://schemas.openxmlformats.org/presentationml/2006/main">
-  <p:cSld>
-    <p:spTree>
-      <p:nvGrpSpPr>
-        <p:cNvPr id="1" name=""/>
-        <p:cNvGrpSpPr/>
-        <p:nvPr/>
-      </p:nvGrpSpPr>
-      <p:grpSpPr>
-        <a:xfrm>
-          <a:off x="0" y="0"/>
-          <a:ext cx="0" cy="0"/>
-          <a:chOff x="0" y="0"/>
-          <a:chExt cx="0" cy="0"/>
-        </a:xfrm>
-      </p:grpSpPr>
-      <p:sp>
-        <p:nvSpPr>
-          <p:cNvPr id="2" name="Title 1">
-            <a:extLst>
-              <a:ext uri="{FF2B5EF4-FFF2-40B4-BE49-F238E27FC236}">
-                <a16:creationId xmlns:a16="http://schemas.microsoft.com/office/drawing/2014/main" id="{81769C98-962F-4C3A-B575-99BB0A9C6763}"/>
-              </a:ext>
-            </a:extLst>
-          </p:cNvPr>
-          <p:cNvSpPr>
-            <a:spLocks noGrp="1"/>
-          </p:cNvSpPr>
-          <p:nvPr>
-            <p:ph type="title"/>
-          </p:nvPr>
-        </p:nvSpPr>
-        <p:spPr>
-          <a:xfrm>
-            <a:off x="910628" y="371568"/>
-            <a:ext cx="10515600" cy="892835"/>
-          </a:xfrm>
-        </p:spPr>
-        <p:txBody>
-          <a:bodyPr/>
-          <a:lstStyle/>
-          <a:p>
-            <a:r>
-              <a:rPr lang="en-GB" dirty="0">
-                <a:solidFill>
-                  <a:schemeClr val="bg1"/>
-                </a:solidFill>
-              </a:rPr>
-              <a:t>Endpoints – just another term for a URL</a:t>
-            </a:r>
-          </a:p>
-        </p:txBody>
-      </p:sp>
-      <p:sp>
-        <p:nvSpPr>
-          <p:cNvPr id="3" name="Content Placeholder 2">
-            <a:extLst>
-              <a:ext uri="{FF2B5EF4-FFF2-40B4-BE49-F238E27FC236}">
-                <a16:creationId xmlns:a16="http://schemas.microsoft.com/office/drawing/2014/main" id="{C77D8FCA-15A2-453C-BEDB-B01FF3E48151}"/>
-              </a:ext>
-            </a:extLst>
-          </p:cNvPr>
-          <p:cNvSpPr>
-            <a:spLocks noGrp="1"/>
-          </p:cNvSpPr>
-          <p:nvPr>
-            <p:ph idx="1"/>
-          </p:nvPr>
-        </p:nvSpPr>
-        <p:spPr>
-          <a:xfrm>
-            <a:off x="910628" y="1348300"/>
-            <a:ext cx="10515600" cy="5185757"/>
-          </a:xfrm>
-        </p:spPr>
-        <p:txBody>
-          <a:bodyPr>
-            <a:noAutofit/>
-          </a:bodyPr>
-          <a:lstStyle/>
-          <a:p>
-            <a:pPr marL="457200" lvl="1" indent="0">
-              <a:buNone/>
-            </a:pPr>
-            <a:endParaRPr lang="en-GB" sz="900" dirty="0">
-              <a:solidFill>
-                <a:schemeClr val="bg1"/>
-              </a:solidFill>
-              <a:latin typeface="Segoe UI" panose="020B0502040204020203" pitchFamily="34" charset="0"/>
-              <a:cs typeface="Segoe UI" panose="020B0502040204020203" pitchFamily="34" charset="0"/>
-            </a:endParaRPr>
-          </a:p>
-          <a:p>
-            <a:pPr marL="457200" lvl="1" indent="0">
-              <a:buNone/>
-            </a:pPr>
-            <a:r>
-              <a:rPr lang="en-GB" sz="3600" dirty="0">
-                <a:solidFill>
-                  <a:schemeClr val="bg1"/>
-                </a:solidFill>
-                <a:latin typeface="Segoe UI" panose="020B0502040204020203" pitchFamily="34" charset="0"/>
-                <a:cs typeface="Segoe UI" panose="020B0502040204020203" pitchFamily="34" charset="0"/>
-              </a:rPr>
-              <a:t>HTTP VERB + URL = ENDPOINT</a:t>
-            </a:r>
-          </a:p>
-          <a:p>
-            <a:pPr marL="457200" lvl="1" indent="0">
-              <a:buNone/>
-            </a:pPr>
-            <a:r>
-              <a:rPr lang="en-GB" sz="3600" dirty="0">
-                <a:solidFill>
-                  <a:schemeClr val="bg1"/>
-                </a:solidFill>
-                <a:latin typeface="Segoe UI" panose="020B0502040204020203" pitchFamily="34" charset="0"/>
-                <a:cs typeface="Segoe UI" panose="020B0502040204020203" pitchFamily="34" charset="0"/>
-              </a:rPr>
-              <a:t>GET/POST + same URL = 2 ENDPOINTS</a:t>
-            </a:r>
-          </a:p>
-          <a:p>
-            <a:pPr marL="457200" lvl="1" indent="0">
-              <a:buNone/>
-            </a:pPr>
-            <a:r>
-              <a:rPr lang="en-GB" sz="2400" dirty="0">
-                <a:solidFill>
-                  <a:schemeClr val="bg1"/>
-                </a:solidFill>
-                <a:hlinkClick r:id="rId2">
-                  <a:extLst>
-                    <a:ext uri="{A12FA001-AC4F-418D-AE19-62706E023703}">
-                      <ahyp:hlinkClr xmlns:ahyp="http://schemas.microsoft.com/office/drawing/2018/hyperlinkcolor" val="tx"/>
-                    </a:ext>
-                  </a:extLst>
-                </a:hlinkClick>
-              </a:rPr>
-              <a:t>https://wpjs.co.uk/wpb/wp-json/wp/v2/posts</a:t>
-            </a:r>
-            <a:r>
-              <a:rPr lang="en-GB" sz="2400" dirty="0">
-                <a:solidFill>
-                  <a:schemeClr val="bg1"/>
-                </a:solidFill>
-              </a:rPr>
-              <a:t>  GET/POST/DELETE</a:t>
-            </a:r>
-            <a:endParaRPr lang="en-GB" sz="2400" dirty="0">
-              <a:solidFill>
-                <a:schemeClr val="bg1"/>
-              </a:solidFill>
-              <a:latin typeface="Segoe UI" panose="020B0502040204020203" pitchFamily="34" charset="0"/>
-              <a:cs typeface="Segoe UI" panose="020B0502040204020203" pitchFamily="34" charset="0"/>
-            </a:endParaRPr>
-          </a:p>
-          <a:p>
-            <a:endParaRPr lang="en-GB" dirty="0"/>
-          </a:p>
-        </p:txBody>
-      </p:sp>
-    </p:spTree>
-    <p:extLst>
-      <p:ext uri="{BB962C8B-B14F-4D97-AF65-F5344CB8AC3E}">
-        <p14:creationId xmlns:p14="http://schemas.microsoft.com/office/powerpoint/2010/main" val="3261839569"/>
-      </p:ext>
-    </p:extLst>
-  </p:cSld>
-  <p:clrMapOvr>
-    <a:masterClrMapping/>
-  </p:clrMapOvr>
-</p:sld>
-</file>
-
-<file path=ppt/slides/slide13.xml><?xml version="1.0" encoding="utf-8"?>
-<p:sld xmlns:a="http://schemas.openxmlformats.org/drawingml/2006/main" xmlns:r="http://schemas.openxmlformats.org/officeDocument/2006/relationships" xmlns:p="http://schemas.openxmlformats.org/presentationml/2006/main">
-  <p:cSld>
-    <p:spTree>
-      <p:nvGrpSpPr>
-        <p:cNvPr id="1" name=""/>
-        <p:cNvGrpSpPr/>
-        <p:nvPr/>
-      </p:nvGrpSpPr>
-      <p:grpSpPr>
-        <a:xfrm>
-          <a:off x="0" y="0"/>
-          <a:ext cx="0" cy="0"/>
-          <a:chOff x="0" y="0"/>
-          <a:chExt cx="0" cy="0"/>
-        </a:xfrm>
-      </p:grpSpPr>
-      <p:sp>
-        <p:nvSpPr>
-          <p:cNvPr id="2" name="Title 1">
-            <a:extLst>
-              <a:ext uri="{FF2B5EF4-FFF2-40B4-BE49-F238E27FC236}">
-                <a16:creationId xmlns:a16="http://schemas.microsoft.com/office/drawing/2014/main" id="{81769C98-962F-4C3A-B575-99BB0A9C6763}"/>
-              </a:ext>
-            </a:extLst>
-          </p:cNvPr>
-          <p:cNvSpPr>
-            <a:spLocks noGrp="1"/>
-          </p:cNvSpPr>
-          <p:nvPr>
-            <p:ph type="title"/>
-          </p:nvPr>
-        </p:nvSpPr>
-        <p:spPr>
-          <a:xfrm>
-            <a:off x="920153" y="320950"/>
-            <a:ext cx="10515600" cy="892835"/>
-          </a:xfrm>
-        </p:spPr>
-        <p:txBody>
-          <a:bodyPr/>
-          <a:lstStyle/>
-          <a:p>
-            <a:r>
-              <a:rPr lang="en-GB" dirty="0">
-                <a:solidFill>
-                  <a:schemeClr val="bg1"/>
-                </a:solidFill>
-              </a:rPr>
-              <a:t>AJAX</a:t>
-            </a:r>
-          </a:p>
-        </p:txBody>
-      </p:sp>
-      <p:sp>
-        <p:nvSpPr>
-          <p:cNvPr id="3" name="Content Placeholder 2">
-            <a:extLst>
-              <a:ext uri="{FF2B5EF4-FFF2-40B4-BE49-F238E27FC236}">
-                <a16:creationId xmlns:a16="http://schemas.microsoft.com/office/drawing/2014/main" id="{C77D8FCA-15A2-453C-BEDB-B01FF3E48151}"/>
-              </a:ext>
-            </a:extLst>
-          </p:cNvPr>
-          <p:cNvSpPr>
-            <a:spLocks noGrp="1"/>
-          </p:cNvSpPr>
-          <p:nvPr>
-            <p:ph idx="1"/>
-          </p:nvPr>
-        </p:nvSpPr>
-        <p:spPr>
-          <a:xfrm>
-            <a:off x="838200" y="904875"/>
-            <a:ext cx="10515600" cy="5185757"/>
-          </a:xfrm>
-        </p:spPr>
-        <p:txBody>
-          <a:bodyPr>
-            <a:noAutofit/>
-          </a:bodyPr>
-          <a:lstStyle/>
-          <a:p>
-            <a:pPr marL="457200" lvl="1" indent="0">
-              <a:buNone/>
-            </a:pPr>
-            <a:endParaRPr lang="en-GB" sz="900" dirty="0">
-              <a:solidFill>
-                <a:schemeClr val="bg1"/>
-              </a:solidFill>
-              <a:latin typeface="Segoe UI" panose="020B0502040204020203" pitchFamily="34" charset="0"/>
-              <a:cs typeface="Segoe UI" panose="020B0502040204020203" pitchFamily="34" charset="0"/>
-            </a:endParaRPr>
-          </a:p>
-          <a:p>
-            <a:pPr marL="457200" lvl="1" indent="0">
-              <a:buNone/>
-            </a:pPr>
-            <a:r>
-              <a:rPr lang="en-GB" sz="3600" dirty="0">
-                <a:solidFill>
-                  <a:schemeClr val="bg1"/>
-                </a:solidFill>
-              </a:rPr>
-              <a:t>AJAX = </a:t>
-            </a:r>
-            <a:r>
-              <a:rPr lang="en-GB" sz="3600" b="1" dirty="0">
-                <a:solidFill>
-                  <a:schemeClr val="bg1"/>
-                </a:solidFill>
-              </a:rPr>
-              <a:t>A</a:t>
-            </a:r>
-            <a:r>
-              <a:rPr lang="en-GB" sz="3600" dirty="0">
-                <a:solidFill>
-                  <a:schemeClr val="bg1"/>
-                </a:solidFill>
-              </a:rPr>
-              <a:t>synchronous </a:t>
-            </a:r>
-            <a:r>
-              <a:rPr lang="en-GB" sz="3600" b="1" dirty="0">
-                <a:solidFill>
-                  <a:schemeClr val="bg1"/>
-                </a:solidFill>
-              </a:rPr>
-              <a:t>J</a:t>
-            </a:r>
-            <a:r>
-              <a:rPr lang="en-GB" sz="3600" dirty="0">
-                <a:solidFill>
-                  <a:schemeClr val="bg1"/>
-                </a:solidFill>
-              </a:rPr>
-              <a:t>avaScript </a:t>
-            </a:r>
-            <a:r>
-              <a:rPr lang="en-GB" sz="3600" b="1" dirty="0">
-                <a:solidFill>
-                  <a:schemeClr val="bg1"/>
-                </a:solidFill>
-              </a:rPr>
-              <a:t>A</a:t>
-            </a:r>
-            <a:r>
-              <a:rPr lang="en-GB" sz="3600" dirty="0">
-                <a:solidFill>
-                  <a:schemeClr val="bg1"/>
-                </a:solidFill>
-              </a:rPr>
-              <a:t>nd </a:t>
-            </a:r>
-            <a:r>
-              <a:rPr lang="en-GB" sz="3600" b="1" dirty="0">
-                <a:solidFill>
-                  <a:schemeClr val="bg1"/>
-                </a:solidFill>
-              </a:rPr>
-              <a:t>X</a:t>
-            </a:r>
-            <a:r>
-              <a:rPr lang="en-GB" sz="3600" dirty="0">
-                <a:solidFill>
-                  <a:schemeClr val="bg1"/>
-                </a:solidFill>
-              </a:rPr>
-              <a:t>ML.</a:t>
-            </a:r>
-            <a:endParaRPr lang="en-GB" sz="3600" dirty="0">
-              <a:solidFill>
-                <a:schemeClr val="bg1"/>
-              </a:solidFill>
-              <a:latin typeface="Segoe UI" panose="020B0502040204020203" pitchFamily="34" charset="0"/>
-              <a:cs typeface="Segoe UI" panose="020B0502040204020203" pitchFamily="34" charset="0"/>
-            </a:endParaRPr>
-          </a:p>
-          <a:p>
-            <a:pPr lvl="1"/>
-            <a:r>
-              <a:rPr lang="en-GB" sz="3600" dirty="0">
-                <a:solidFill>
-                  <a:schemeClr val="bg1"/>
-                </a:solidFill>
-              </a:rPr>
-              <a:t>Read data from a web server </a:t>
-            </a:r>
-            <a:r>
-              <a:rPr lang="en-GB" sz="3600" b="1" i="1" dirty="0">
-                <a:solidFill>
-                  <a:schemeClr val="bg1"/>
-                </a:solidFill>
-              </a:rPr>
-              <a:t>without reloading the page</a:t>
-            </a:r>
-          </a:p>
-          <a:p>
-            <a:pPr lvl="1"/>
-            <a:r>
-              <a:rPr lang="en-GB" sz="3600" dirty="0">
-                <a:solidFill>
-                  <a:schemeClr val="bg1"/>
-                </a:solidFill>
-              </a:rPr>
-              <a:t>Update a web page</a:t>
-            </a:r>
-          </a:p>
-          <a:p>
-            <a:pPr lvl="1"/>
-            <a:r>
-              <a:rPr lang="en-GB" sz="3600" dirty="0">
-                <a:solidFill>
-                  <a:schemeClr val="bg1"/>
-                </a:solidFill>
-              </a:rPr>
-              <a:t>Send data to a web server - in the background</a:t>
-            </a:r>
-          </a:p>
-          <a:p>
-            <a:endParaRPr lang="en-GB" dirty="0"/>
-          </a:p>
-        </p:txBody>
-      </p:sp>
-    </p:spTree>
-    <p:extLst>
-      <p:ext uri="{BB962C8B-B14F-4D97-AF65-F5344CB8AC3E}">
-        <p14:creationId xmlns:p14="http://schemas.microsoft.com/office/powerpoint/2010/main" val="1482472910"/>
-      </p:ext>
-    </p:extLst>
-  </p:cSld>
-  <p:clrMapOvr>
-    <a:masterClrMapping/>
-  </p:clrMapOvr>
-</p:sld>
-</file>
-
 <file path=ppt/slides/slide14.xml><?xml version="1.0" encoding="utf-8"?>
 <p:sld xmlns:a="http://schemas.openxmlformats.org/drawingml/2006/main" xmlns:r="http://schemas.openxmlformats.org/officeDocument/2006/relationships" xmlns:p="http://schemas.openxmlformats.org/presentationml/2006/main">
   <p:cSld>
@@ -5193,7 +5662,7 @@
         </p:nvSpPr>
         <p:spPr>
           <a:xfrm>
-            <a:off x="910628" y="354940"/>
+            <a:off x="910628" y="323943"/>
             <a:ext cx="10515600" cy="892835"/>
           </a:xfrm>
         </p:spPr>
@@ -5207,7 +5676,7 @@
                   <a:schemeClr val="bg1"/>
                 </a:solidFill>
               </a:rPr>
-              <a:t>JSON – JavaScript Object Notation</a:t>
+              <a:t>WordPress REST API</a:t>
             </a:r>
           </a:p>
         </p:txBody>
@@ -5230,7 +5699,7 @@
         </p:nvSpPr>
         <p:spPr>
           <a:xfrm>
-            <a:off x="669200" y="532921"/>
+            <a:off x="910628" y="1348300"/>
             <a:ext cx="10515600" cy="5185757"/>
           </a:xfrm>
         </p:spPr>
@@ -5240,94 +5709,88 @@
           </a:bodyPr>
           <a:lstStyle/>
           <a:p>
-            <a:pPr marL="457200" lvl="1" indent="0">
-              <a:buNone/>
+            <a:pPr marL="914400" lvl="1" indent="-457200">
+              <a:buFont typeface="Arial" panose="020B0604020202020204" pitchFamily="34" charset="0"/>
+              <a:buChar char="•"/>
             </a:pPr>
-            <a:endParaRPr lang="en-GB" sz="900" dirty="0">
-              <a:solidFill>
-                <a:schemeClr val="bg1"/>
-              </a:solidFill>
-              <a:latin typeface="Segoe UI" panose="020B0502040204020203" pitchFamily="34" charset="0"/>
-              <a:cs typeface="Segoe UI" panose="020B0502040204020203" pitchFamily="34" charset="0"/>
-            </a:endParaRPr>
-          </a:p>
-          <a:p>
-            <a:pPr lvl="1"/>
-            <a:r>
-              <a:rPr lang="en-GB" sz="4400" dirty="0">
+            <a:r>
+              <a:rPr lang="en-GB" sz="3200" dirty="0">
                 <a:solidFill>
                   <a:schemeClr val="bg1"/>
                 </a:solidFill>
               </a:rPr>
-              <a:t>{ “id”: 1, “name”: ”Craig” }</a:t>
-            </a:r>
-          </a:p>
-          <a:p>
-            <a:pPr lvl="1"/>
-            <a:r>
-              <a:rPr lang="en-GB" sz="2800" dirty="0">
+              <a:t>What is REST?</a:t>
+            </a:r>
+          </a:p>
+          <a:p>
+            <a:pPr marL="914400" lvl="1" indent="-457200">
+              <a:buFont typeface="Arial" panose="020B0604020202020204" pitchFamily="34" charset="0"/>
+              <a:buChar char="•"/>
+            </a:pPr>
+            <a:r>
+              <a:rPr lang="en-GB" sz="3200" dirty="0">
                 <a:solidFill>
                   <a:schemeClr val="bg1"/>
                 </a:solidFill>
               </a:rPr>
-              <a:t>Data</a:t>
-            </a:r>
+              <a:t>This was formulated by Roy Fielding for his thesis in 2000.</a:t>
+            </a:r>
+          </a:p>
+          <a:p>
+            <a:pPr marL="914400" lvl="1" indent="-457200">
+              <a:buFont typeface="Arial" panose="020B0604020202020204" pitchFamily="34" charset="0"/>
+              <a:buChar char="•"/>
+            </a:pPr>
             <a:r>
               <a:rPr lang="en-GB" sz="3200" dirty="0">
                 <a:solidFill>
                   <a:schemeClr val="bg1"/>
                 </a:solidFill>
               </a:rPr>
-              <a:t> is in name/value pairs separated by </a:t>
-            </a:r>
-            <a:r>
-              <a:rPr lang="en-GB" sz="3200">
+              <a:t>An architectural style not a protocol.</a:t>
+            </a:r>
+          </a:p>
+          <a:p>
+            <a:pPr marL="914400" lvl="1" indent="-457200">
+              <a:buFont typeface="Arial" panose="020B0604020202020204" pitchFamily="34" charset="0"/>
+              <a:buChar char="•"/>
+            </a:pPr>
+            <a:r>
+              <a:rPr lang="en-GB" sz="3200" dirty="0">
                 <a:solidFill>
                   <a:schemeClr val="bg1"/>
                 </a:solidFill>
               </a:rPr>
-              <a:t>commas.</a:t>
-            </a:r>
-            <a:endParaRPr lang="en-GB" sz="4400" dirty="0">
+              <a:t>HTTP by its nature is implicitly RESTful.</a:t>
+            </a:r>
+          </a:p>
+          <a:p>
+            <a:pPr marL="914400" lvl="1" indent="-457200">
+              <a:buFont typeface="Arial" panose="020B0604020202020204" pitchFamily="34" charset="0"/>
+              <a:buChar char="•"/>
+            </a:pPr>
+            <a:r>
+              <a:rPr lang="en-GB" sz="3200" dirty="0">
+                <a:solidFill>
+                  <a:schemeClr val="bg1"/>
+                </a:solidFill>
+                <a:hlinkClick r:id="rId2">
+                  <a:extLst>
+                    <a:ext uri="{A12FA001-AC4F-418D-AE19-62706E023703}">
+                      <ahyp:hlinkClr xmlns:ahyp="http://schemas.microsoft.com/office/drawing/2018/hyperlinkcolor" val="tx"/>
+                    </a:ext>
+                  </a:extLst>
+                </a:hlinkClick>
+              </a:rPr>
+              <a:t>https://www.ics.uci.edu/~fielding/pubs/dissertation/rest_arch_style.htm</a:t>
+            </a:r>
+            <a:endParaRPr lang="en-GB" sz="3200" dirty="0">
               <a:solidFill>
                 <a:schemeClr val="bg1"/>
               </a:solidFill>
             </a:endParaRPr>
           </a:p>
           <a:p>
-            <a:pPr lvl="1"/>
-            <a:r>
-              <a:rPr lang="en-GB" sz="2800" dirty="0">
-                <a:solidFill>
-                  <a:schemeClr val="bg1"/>
-                </a:solidFill>
-              </a:rPr>
-              <a:t>JSON is a lightweight format for storing and transporting data</a:t>
-            </a:r>
-          </a:p>
-          <a:p>
-            <a:pPr lvl="1"/>
-            <a:r>
-              <a:rPr lang="en-GB" sz="2800" dirty="0">
-                <a:solidFill>
-                  <a:schemeClr val="bg1"/>
-                </a:solidFill>
-              </a:rPr>
-              <a:t>JSON is often used when data is sent from a server to a web page.</a:t>
-            </a:r>
-          </a:p>
-          <a:p>
-            <a:pPr lvl="1"/>
-            <a:r>
-              <a:rPr lang="en-GB" sz="2800" dirty="0">
-                <a:solidFill>
-                  <a:schemeClr val="bg1"/>
-                </a:solidFill>
-              </a:rPr>
-              <a:t>JSON is "self-describing" and easy to understand.</a:t>
-            </a:r>
-          </a:p>
-          <a:p>
             <a:endParaRPr lang="en-GB" dirty="0"/>
           </a:p>
         </p:txBody>
@@ -5335,7 +5798,7 @@
     </p:spTree>
     <p:extLst>
       <p:ext uri="{BB962C8B-B14F-4D97-AF65-F5344CB8AC3E}">
-        <p14:creationId xmlns:p14="http://schemas.microsoft.com/office/powerpoint/2010/main" val="4018142618"/>
+        <p14:creationId xmlns:p14="http://schemas.microsoft.com/office/powerpoint/2010/main" val="698649124"/>
       </p:ext>
     </p:extLst>
   </p:cSld>
@@ -5364,6 +5827,43 @@
       </p:grpSpPr>
       <p:sp>
         <p:nvSpPr>
+          <p:cNvPr id="2" name="Title 1">
+            <a:extLst>
+              <a:ext uri="{FF2B5EF4-FFF2-40B4-BE49-F238E27FC236}">
+                <a16:creationId xmlns:a16="http://schemas.microsoft.com/office/drawing/2014/main" id="{81769C98-962F-4C3A-B575-99BB0A9C6763}"/>
+              </a:ext>
+            </a:extLst>
+          </p:cNvPr>
+          <p:cNvSpPr>
+            <a:spLocks noGrp="1"/>
+          </p:cNvSpPr>
+          <p:nvPr>
+            <p:ph type="title"/>
+          </p:nvPr>
+        </p:nvSpPr>
+        <p:spPr>
+          <a:xfrm>
+            <a:off x="910628" y="371568"/>
+            <a:ext cx="10515600" cy="892835"/>
+          </a:xfrm>
+        </p:spPr>
+        <p:txBody>
+          <a:bodyPr/>
+          <a:lstStyle/>
+          <a:p>
+            <a:r>
+              <a:rPr lang="en-GB" dirty="0">
+                <a:solidFill>
+                  <a:schemeClr val="bg1"/>
+                </a:solidFill>
+              </a:rPr>
+              <a:t>Endpoints – just another term for a URL</a:t>
+            </a:r>
+          </a:p>
+        </p:txBody>
+      </p:sp>
+      <p:sp>
+        <p:nvSpPr>
           <p:cNvPr id="3" name="Content Placeholder 2">
             <a:extLst>
               <a:ext uri="{FF2B5EF4-FFF2-40B4-BE49-F238E27FC236}">
@@ -5380,8 +5880,8 @@
         </p:nvSpPr>
         <p:spPr>
           <a:xfrm>
-            <a:off x="742950" y="1488416"/>
-            <a:ext cx="10515600" cy="4236110"/>
+            <a:off x="910628" y="1348300"/>
+            <a:ext cx="10515600" cy="5185757"/>
           </a:xfrm>
         </p:spPr>
         <p:txBody>
@@ -5393,7 +5893,7 @@
             <a:pPr marL="457200" lvl="1" indent="0">
               <a:buNone/>
             </a:pPr>
-            <a:endParaRPr lang="en-GB" sz="2000" dirty="0">
+            <a:endParaRPr lang="en-GB" sz="900" dirty="0">
               <a:solidFill>
                 <a:schemeClr val="bg1"/>
               </a:solidFill>
@@ -5402,40 +5902,41 @@
             </a:endParaRPr>
           </a:p>
           <a:p>
-            <a:pPr lvl="1"/>
-            <a:r>
-              <a:rPr lang="en-GB" dirty="0">
-                <a:solidFill>
-                  <a:schemeClr val="bg1"/>
-                </a:solidFill>
-              </a:rPr>
-              <a:t>Strings – Booleans – Numbers </a:t>
-            </a:r>
-          </a:p>
-          <a:p>
-            <a:pPr lvl="1"/>
-            <a:r>
-              <a:rPr lang="en-GB" dirty="0">
-                <a:solidFill>
-                  <a:schemeClr val="bg1"/>
-                </a:solidFill>
-              </a:rPr>
-              <a:t>Null – Object - Array</a:t>
-            </a:r>
-            <a:endParaRPr lang="en-GB" dirty="0">
-              <a:solidFill>
-                <a:schemeClr val="bg1"/>
-              </a:solidFill>
-              <a:latin typeface="Segoe UI" panose="020B0502040204020203" pitchFamily="34" charset="0"/>
-              <a:cs typeface="Segoe UI" panose="020B0502040204020203" pitchFamily="34" charset="0"/>
-            </a:endParaRPr>
-          </a:p>
-          <a:p>
             <a:pPr marL="457200" lvl="1" indent="0">
               <a:buNone/>
             </a:pPr>
             <a:r>
-              <a:rPr lang="en-GB" sz="3200" dirty="0">
+              <a:rPr lang="en-GB" sz="3600" dirty="0">
+                <a:solidFill>
+                  <a:schemeClr val="bg1"/>
+                </a:solidFill>
+                <a:latin typeface="Segoe UI" panose="020B0502040204020203" pitchFamily="34" charset="0"/>
+                <a:cs typeface="Segoe UI" panose="020B0502040204020203" pitchFamily="34" charset="0"/>
+              </a:rPr>
+              <a:t>HTTP VERB + URL = ENDPOINT</a:t>
+            </a:r>
+          </a:p>
+          <a:p>
+            <a:pPr marL="457200" lvl="1" indent="0">
+              <a:buNone/>
+            </a:pPr>
+            <a:r>
+              <a:rPr lang="en-GB" sz="3600" dirty="0">
+                <a:solidFill>
+                  <a:schemeClr val="bg1"/>
+                </a:solidFill>
+                <a:latin typeface="Segoe UI" panose="020B0502040204020203" pitchFamily="34" charset="0"/>
+                <a:cs typeface="Segoe UI" panose="020B0502040204020203" pitchFamily="34" charset="0"/>
+              </a:rPr>
+              <a:t>GET/POST + same URL = 2 ENDPOINTS</a:t>
+            </a:r>
+          </a:p>
+          <a:p>
+            <a:pPr marL="457200" lvl="1" indent="0">
+              <a:buNone/>
+            </a:pPr>
+            <a:r>
+              <a:rPr lang="en-GB" sz="2400" dirty="0">
                 <a:solidFill>
                   <a:schemeClr val="bg1"/>
                 </a:solidFill>
@@ -5447,29 +5948,17 @@
                   </a:extLst>
                 </a:hlinkClick>
               </a:rPr>
-              <a:t>The ‘hello world of the WP REST API’:</a:t>
-            </a:r>
-          </a:p>
-          <a:p>
-            <a:pPr marL="457200" lvl="1" indent="0">
-              <a:buNone/>
-            </a:pPr>
-            <a:r>
-              <a:rPr lang="en-GB" sz="3200" dirty="0">
+              <a:t>https://wpjs.co.uk/wpb/wp-json/wp/v2/posts</a:t>
+            </a:r>
+            <a:r>
+              <a:rPr lang="en-GB" sz="2400" dirty="0">
                 <a:solidFill>
                   <a:schemeClr val="bg1"/>
                 </a:solidFill>
-                <a:hlinkClick r:id="rId2">
-                  <a:extLst>
-                    <a:ext uri="{A12FA001-AC4F-418D-AE19-62706E023703}">
-                      <ahyp:hlinkClr xmlns:ahyp="http://schemas.microsoft.com/office/drawing/2018/hyperlinkcolor" val="tx"/>
-                    </a:ext>
-                  </a:extLst>
-                </a:hlinkClick>
-              </a:rPr>
-              <a:t>https://wp-html.co.uk/greece/wp-json/wp/v2/posts</a:t>
-            </a:r>
-            <a:endParaRPr lang="en-GB" sz="3200" dirty="0">
+              </a:rPr>
+              <a:t>  GET/POST/DELETE</a:t>
+            </a:r>
+            <a:endParaRPr lang="en-GB" sz="2400" dirty="0">
               <a:solidFill>
                 <a:schemeClr val="bg1"/>
               </a:solidFill>
@@ -5478,68 +5967,14 @@
             </a:endParaRPr>
           </a:p>
           <a:p>
-            <a:endParaRPr lang="en-GB" sz="2000" dirty="0">
-              <a:solidFill>
-                <a:schemeClr val="bg1"/>
-              </a:solidFill>
-            </a:endParaRPr>
-          </a:p>
-        </p:txBody>
-      </p:sp>
-      <p:sp>
-        <p:nvSpPr>
-          <p:cNvPr id="6" name="Title 1">
-            <a:extLst>
-              <a:ext uri="{FF2B5EF4-FFF2-40B4-BE49-F238E27FC236}">
-                <a16:creationId xmlns:a16="http://schemas.microsoft.com/office/drawing/2014/main" id="{C0582C0D-9651-4536-A891-9AA341901EC9}"/>
-              </a:ext>
-            </a:extLst>
-          </p:cNvPr>
-          <p:cNvSpPr>
-            <a:spLocks noGrp="1"/>
-          </p:cNvSpPr>
-          <p:nvPr>
-            <p:ph type="title"/>
-          </p:nvPr>
-        </p:nvSpPr>
-        <p:spPr>
-          <a:xfrm>
-            <a:off x="910628" y="354940"/>
-            <a:ext cx="10515600" cy="892835"/>
-          </a:xfrm>
-        </p:spPr>
-        <p:txBody>
-          <a:bodyPr/>
-          <a:lstStyle/>
-          <a:p>
-            <a:r>
-              <a:rPr lang="en-GB" dirty="0">
-                <a:solidFill>
-                  <a:schemeClr val="bg1"/>
-                </a:solidFill>
-              </a:rPr>
-              <a:t>JSON </a:t>
-            </a:r>
-            <a:r>
-              <a:rPr lang="en-GB">
-                <a:solidFill>
-                  <a:schemeClr val="bg1"/>
-                </a:solidFill>
-              </a:rPr>
-              <a:t>– Data Types</a:t>
-            </a:r>
-            <a:endParaRPr lang="en-GB" dirty="0">
-              <a:solidFill>
-                <a:schemeClr val="bg1"/>
-              </a:solidFill>
-            </a:endParaRPr>
+            <a:endParaRPr lang="en-GB" dirty="0"/>
           </a:p>
         </p:txBody>
       </p:sp>
     </p:spTree>
     <p:extLst>
       <p:ext uri="{BB962C8B-B14F-4D97-AF65-F5344CB8AC3E}">
-        <p14:creationId xmlns:p14="http://schemas.microsoft.com/office/powerpoint/2010/main" val="2317002714"/>
+        <p14:creationId xmlns:p14="http://schemas.microsoft.com/office/powerpoint/2010/main" val="3261839569"/>
       </p:ext>
     </p:extLst>
   </p:cSld>
@@ -5584,7 +6019,7 @@
         </p:nvSpPr>
         <p:spPr>
           <a:xfrm>
-            <a:off x="910628" y="304893"/>
+            <a:off x="920153" y="320950"/>
             <a:ext cx="10515600" cy="892835"/>
           </a:xfrm>
         </p:spPr>
@@ -5598,19 +6033,7 @@
                   <a:schemeClr val="bg1"/>
                 </a:solidFill>
               </a:rPr>
-              <a:t>Workshop</a:t>
-            </a:r>
-            <a:r>
-              <a:rPr lang="en-GB" dirty="0"/>
-              <a:t> </a:t>
-            </a:r>
-            <a:r>
-              <a:rPr lang="en-GB" dirty="0">
-                <a:solidFill>
-                  <a:schemeClr val="bg1"/>
-                </a:solidFill>
-              </a:rPr>
-              <a:t>resources</a:t>
+              <a:t>AJAX</a:t>
             </a:r>
           </a:p>
         </p:txBody>
@@ -5633,7 +6056,7 @@
         </p:nvSpPr>
         <p:spPr>
           <a:xfrm>
-            <a:off x="910628" y="1348300"/>
+            <a:off x="838200" y="904875"/>
             <a:ext cx="10515600" cy="5185757"/>
           </a:xfrm>
         </p:spPr>
@@ -5643,63 +6066,141 @@
           </a:bodyPr>
           <a:lstStyle/>
           <a:p>
-            <a:r>
-              <a:rPr lang="en-GB" dirty="0"/>
-              <a:t>The following link has the workshop manual, code and also the ability to clone the WP site.</a:t>
-            </a:r>
-          </a:p>
-          <a:p>
-            <a:r>
-              <a:rPr lang="en-GB" dirty="0"/>
-              <a:t>We will go through how to clone the site.</a:t>
-            </a:r>
-          </a:p>
-          <a:p>
-            <a:r>
-              <a:rPr lang="en-GB" dirty="0">
-                <a:solidFill>
-                  <a:schemeClr val="bg1"/>
-                </a:solidFill>
-                <a:hlinkClick r:id="rId2">
-                  <a:extLst>
-                    <a:ext uri="{A12FA001-AC4F-418D-AE19-62706E023703}">
-                      <ahyp:hlinkClr xmlns:ahyp="http://schemas.microsoft.com/office/drawing/2018/hyperlinkcolor" val="tx"/>
-                    </a:ext>
-                  </a:extLst>
-                </a:hlinkClick>
-              </a:rPr>
-              <a:t>https://wp-html.co.uk/workshop</a:t>
-            </a:r>
-            <a:r>
-              <a:rPr lang="en-GB" dirty="0">
-                <a:solidFill>
-                  <a:schemeClr val="bg1"/>
-                </a:solidFill>
-              </a:rPr>
-              <a:t> - has all links.</a:t>
-            </a:r>
-          </a:p>
-          <a:p>
-            <a:r>
-              <a:rPr lang="en-GB" sz="3200" dirty="0">
-                <a:solidFill>
-                  <a:schemeClr val="bg1"/>
-                </a:solidFill>
-                <a:hlinkClick r:id="rId3">
-                  <a:extLst>
-                    <a:ext uri="{A12FA001-AC4F-418D-AE19-62706E023703}">
-                      <ahyp:hlinkClr xmlns:ahyp="http://schemas.microsoft.com/office/drawing/2018/hyperlinkcolor" val="tx"/>
-                    </a:ext>
-                  </a:extLst>
-                </a:hlinkClick>
-              </a:rPr>
-              <a:t>https://github.com/iwswordpress/WordCampGreece</a:t>
-            </a:r>
-            <a:endParaRPr lang="en-GB" sz="3200" dirty="0">
+            <a:pPr marL="457200" lvl="1" indent="0">
+              <a:buNone/>
+            </a:pPr>
+            <a:endParaRPr lang="en-GB" sz="900" dirty="0">
               <a:solidFill>
                 <a:schemeClr val="bg1"/>
               </a:solidFill>
+              <a:latin typeface="Segoe UI" panose="020B0502040204020203" pitchFamily="34" charset="0"/>
+              <a:cs typeface="Segoe UI" panose="020B0502040204020203" pitchFamily="34" charset="0"/>
             </a:endParaRPr>
+          </a:p>
+          <a:p>
+            <a:pPr marL="457200" lvl="1" indent="0">
+              <a:buNone/>
+            </a:pPr>
+            <a:r>
+              <a:rPr lang="en-GB" sz="3600" dirty="0">
+                <a:solidFill>
+                  <a:schemeClr val="bg1"/>
+                </a:solidFill>
+              </a:rPr>
+              <a:t>AJAX = </a:t>
+            </a:r>
+            <a:r>
+              <a:rPr lang="en-GB" sz="3600" b="1" dirty="0">
+                <a:solidFill>
+                  <a:schemeClr val="bg1"/>
+                </a:solidFill>
+              </a:rPr>
+              <a:t>A</a:t>
+            </a:r>
+            <a:r>
+              <a:rPr lang="en-GB" sz="3600" dirty="0">
+                <a:solidFill>
+                  <a:schemeClr val="bg1"/>
+                </a:solidFill>
+              </a:rPr>
+              <a:t>synchronous </a:t>
+            </a:r>
+            <a:r>
+              <a:rPr lang="en-GB" sz="3600" b="1" dirty="0">
+                <a:solidFill>
+                  <a:schemeClr val="bg1"/>
+                </a:solidFill>
+              </a:rPr>
+              <a:t>J</a:t>
+            </a:r>
+            <a:r>
+              <a:rPr lang="en-GB" sz="3600" dirty="0">
+                <a:solidFill>
+                  <a:schemeClr val="bg1"/>
+                </a:solidFill>
+              </a:rPr>
+              <a:t>avaScript </a:t>
+            </a:r>
+            <a:r>
+              <a:rPr lang="en-GB" sz="3600" b="1" dirty="0">
+                <a:solidFill>
+                  <a:schemeClr val="bg1"/>
+                </a:solidFill>
+              </a:rPr>
+              <a:t>A</a:t>
+            </a:r>
+            <a:r>
+              <a:rPr lang="en-GB" sz="3600" dirty="0">
+                <a:solidFill>
+                  <a:schemeClr val="bg1"/>
+                </a:solidFill>
+              </a:rPr>
+              <a:t>nd </a:t>
+            </a:r>
+            <a:r>
+              <a:rPr lang="en-GB" sz="3600" b="1" dirty="0">
+                <a:solidFill>
+                  <a:schemeClr val="bg1"/>
+                </a:solidFill>
+              </a:rPr>
+              <a:t>X</a:t>
+            </a:r>
+            <a:r>
+              <a:rPr lang="en-GB" sz="3600" dirty="0">
+                <a:solidFill>
+                  <a:schemeClr val="bg1"/>
+                </a:solidFill>
+              </a:rPr>
+              <a:t>ML.</a:t>
+            </a:r>
+            <a:endParaRPr lang="en-GB" sz="3600" dirty="0">
+              <a:solidFill>
+                <a:schemeClr val="bg1"/>
+              </a:solidFill>
+              <a:latin typeface="Segoe UI" panose="020B0502040204020203" pitchFamily="34" charset="0"/>
+              <a:cs typeface="Segoe UI" panose="020B0502040204020203" pitchFamily="34" charset="0"/>
+            </a:endParaRPr>
+          </a:p>
+          <a:p>
+            <a:pPr lvl="1"/>
+            <a:r>
+              <a:rPr lang="en-GB" sz="3600" dirty="0">
+                <a:solidFill>
+                  <a:schemeClr val="bg1"/>
+                </a:solidFill>
+              </a:rPr>
+              <a:t>Read data from a web server </a:t>
+            </a:r>
+            <a:r>
+              <a:rPr lang="en-GB" sz="3600" b="1" i="1" dirty="0">
+                <a:solidFill>
+                  <a:schemeClr val="bg1"/>
+                </a:solidFill>
+              </a:rPr>
+              <a:t>without reloading the page</a:t>
+            </a:r>
+          </a:p>
+          <a:p>
+            <a:pPr lvl="1"/>
+            <a:r>
+              <a:rPr lang="en-GB" sz="3600" dirty="0">
+                <a:solidFill>
+                  <a:schemeClr val="bg1"/>
+                </a:solidFill>
+              </a:rPr>
+              <a:t>Update a web page</a:t>
+            </a:r>
+          </a:p>
+          <a:p>
+            <a:pPr lvl="1"/>
+            <a:r>
+              <a:rPr lang="en-GB" sz="3600" dirty="0">
+                <a:solidFill>
+                  <a:schemeClr val="bg1"/>
+                </a:solidFill>
+              </a:rPr>
+              <a:t>Send data to a web server - in the background</a:t>
+            </a:r>
           </a:p>
           <a:p>
             <a:endParaRPr lang="en-GB" dirty="0"/>
@@ -5709,7 +6210,7 @@
     </p:spTree>
     <p:extLst>
       <p:ext uri="{BB962C8B-B14F-4D97-AF65-F5344CB8AC3E}">
-        <p14:creationId xmlns:p14="http://schemas.microsoft.com/office/powerpoint/2010/main" val="2880086047"/>
+        <p14:creationId xmlns:p14="http://schemas.microsoft.com/office/powerpoint/2010/main" val="1482472910"/>
       </p:ext>
     </p:extLst>
   </p:cSld>
@@ -5754,7 +6255,7 @@
         </p:nvSpPr>
         <p:spPr>
           <a:xfrm>
-            <a:off x="910628" y="323943"/>
+            <a:off x="910628" y="354940"/>
             <a:ext cx="10515600" cy="892835"/>
           </a:xfrm>
         </p:spPr>
@@ -5768,7 +6269,7 @@
                   <a:schemeClr val="bg1"/>
                 </a:solidFill>
               </a:rPr>
-              <a:t>Wrap Up</a:t>
+              <a:t>JSON – JavaScript Object Notation</a:t>
             </a:r>
           </a:p>
         </p:txBody>
@@ -5791,7 +6292,7 @@
         </p:nvSpPr>
         <p:spPr>
           <a:xfrm>
-            <a:off x="910628" y="1348300"/>
+            <a:off x="669200" y="532921"/>
             <a:ext cx="10515600" cy="5185757"/>
           </a:xfrm>
         </p:spPr>
@@ -5801,18 +6302,202 @@
           </a:bodyPr>
           <a:lstStyle/>
           <a:p>
-            <a:r>
-              <a:rPr lang="en-GB" dirty="0"/>
-              <a:t>There is  free online course covering what we have done today.</a:t>
-            </a:r>
-          </a:p>
-          <a:p>
-            <a:r>
-              <a:rPr lang="en-GB" dirty="0"/>
-              <a:t>The link is valid for 3 days – download these slides from </a:t>
-            </a:r>
+            <a:pPr marL="457200" lvl="1" indent="0">
+              <a:buNone/>
+            </a:pPr>
+            <a:endParaRPr lang="en-GB" sz="900" dirty="0">
+              <a:solidFill>
+                <a:schemeClr val="bg1"/>
+              </a:solidFill>
+              <a:latin typeface="Segoe UI" panose="020B0502040204020203" pitchFamily="34" charset="0"/>
+              <a:cs typeface="Segoe UI" panose="020B0502040204020203" pitchFamily="34" charset="0"/>
+            </a:endParaRPr>
+          </a:p>
+          <a:p>
+            <a:pPr lvl="1"/>
+            <a:r>
+              <a:rPr lang="en-GB" sz="4400" dirty="0">
+                <a:solidFill>
+                  <a:schemeClr val="bg1"/>
+                </a:solidFill>
+              </a:rPr>
+              <a:t>{ “id”: 1, “name”: ”Craig” }</a:t>
+            </a:r>
+          </a:p>
+          <a:p>
+            <a:pPr lvl="1"/>
+            <a:r>
+              <a:rPr lang="en-GB" sz="2800" dirty="0">
+                <a:solidFill>
+                  <a:schemeClr val="bg1"/>
+                </a:solidFill>
+              </a:rPr>
+              <a:t>Data</a:t>
+            </a:r>
+            <a:r>
+              <a:rPr lang="en-GB" sz="3200" dirty="0">
+                <a:solidFill>
+                  <a:schemeClr val="bg1"/>
+                </a:solidFill>
+              </a:rPr>
+              <a:t> is in name/value pairs separated by </a:t>
+            </a:r>
+            <a:r>
+              <a:rPr lang="en-GB" sz="3200">
+                <a:solidFill>
+                  <a:schemeClr val="bg1"/>
+                </a:solidFill>
+              </a:rPr>
+              <a:t>commas.</a:t>
+            </a:r>
+            <a:endParaRPr lang="en-GB" sz="4400" dirty="0">
+              <a:solidFill>
+                <a:schemeClr val="bg1"/>
+              </a:solidFill>
+            </a:endParaRPr>
+          </a:p>
+          <a:p>
+            <a:pPr lvl="1"/>
+            <a:r>
+              <a:rPr lang="en-GB" sz="2800" dirty="0">
+                <a:solidFill>
+                  <a:schemeClr val="bg1"/>
+                </a:solidFill>
+              </a:rPr>
+              <a:t>JSON is a lightweight format for storing and transporting data</a:t>
+            </a:r>
+          </a:p>
+          <a:p>
+            <a:pPr lvl="1"/>
+            <a:r>
+              <a:rPr lang="en-GB" sz="2800" dirty="0">
+                <a:solidFill>
+                  <a:schemeClr val="bg1"/>
+                </a:solidFill>
+              </a:rPr>
+              <a:t>JSON is often used when data is sent from a server to a web page.</a:t>
+            </a:r>
+          </a:p>
+          <a:p>
+            <a:pPr lvl="1"/>
+            <a:r>
+              <a:rPr lang="en-GB" sz="2800" dirty="0">
+                <a:solidFill>
+                  <a:schemeClr val="bg1"/>
+                </a:solidFill>
+              </a:rPr>
+              <a:t>JSON is "self-describing" and easy to understand.</a:t>
+            </a:r>
+          </a:p>
+          <a:p>
+            <a:endParaRPr lang="en-GB" dirty="0"/>
+          </a:p>
+        </p:txBody>
+      </p:sp>
+    </p:spTree>
+    <p:extLst>
+      <p:ext uri="{BB962C8B-B14F-4D97-AF65-F5344CB8AC3E}">
+        <p14:creationId xmlns:p14="http://schemas.microsoft.com/office/powerpoint/2010/main" val="4018142618"/>
+      </p:ext>
+    </p:extLst>
+  </p:cSld>
+  <p:clrMapOvr>
+    <a:masterClrMapping/>
+  </p:clrMapOvr>
+</p:sld>
+</file>
+
+<file path=ppt/slides/slide18.xml><?xml version="1.0" encoding="utf-8"?>
+<p:sld xmlns:a="http://schemas.openxmlformats.org/drawingml/2006/main" xmlns:r="http://schemas.openxmlformats.org/officeDocument/2006/relationships" xmlns:p="http://schemas.openxmlformats.org/presentationml/2006/main">
+  <p:cSld>
+    <p:spTree>
+      <p:nvGrpSpPr>
+        <p:cNvPr id="1" name=""/>
+        <p:cNvGrpSpPr/>
+        <p:nvPr/>
+      </p:nvGrpSpPr>
+      <p:grpSpPr>
+        <a:xfrm>
+          <a:off x="0" y="0"/>
+          <a:ext cx="0" cy="0"/>
+          <a:chOff x="0" y="0"/>
+          <a:chExt cx="0" cy="0"/>
+        </a:xfrm>
+      </p:grpSpPr>
+      <p:sp>
+        <p:nvSpPr>
+          <p:cNvPr id="3" name="Content Placeholder 2">
+            <a:extLst>
+              <a:ext uri="{FF2B5EF4-FFF2-40B4-BE49-F238E27FC236}">
+                <a16:creationId xmlns:a16="http://schemas.microsoft.com/office/drawing/2014/main" id="{C77D8FCA-15A2-453C-BEDB-B01FF3E48151}"/>
+              </a:ext>
+            </a:extLst>
+          </p:cNvPr>
+          <p:cNvSpPr>
+            <a:spLocks noGrp="1"/>
+          </p:cNvSpPr>
+          <p:nvPr>
+            <p:ph idx="1"/>
+          </p:nvPr>
+        </p:nvSpPr>
+        <p:spPr>
+          <a:xfrm>
+            <a:off x="742950" y="1488416"/>
+            <a:ext cx="10515600" cy="4236110"/>
+          </a:xfrm>
+        </p:spPr>
+        <p:txBody>
+          <a:bodyPr>
+            <a:noAutofit/>
+          </a:bodyPr>
+          <a:lstStyle/>
+          <a:p>
+            <a:pPr marL="457200" lvl="1" indent="0">
+              <a:buNone/>
+            </a:pPr>
+            <a:endParaRPr lang="en-GB" sz="2000" dirty="0">
+              <a:solidFill>
+                <a:schemeClr val="bg1"/>
+              </a:solidFill>
+              <a:latin typeface="Segoe UI" panose="020B0502040204020203" pitchFamily="34" charset="0"/>
+              <a:cs typeface="Segoe UI" panose="020B0502040204020203" pitchFamily="34" charset="0"/>
+            </a:endParaRPr>
+          </a:p>
+          <a:p>
+            <a:pPr lvl="1"/>
             <a:r>
               <a:rPr lang="en-GB" dirty="0">
+                <a:solidFill>
+                  <a:schemeClr val="bg1"/>
+                </a:solidFill>
+              </a:rPr>
+              <a:t>Strings – Booleans – Numbers </a:t>
+            </a:r>
+          </a:p>
+          <a:p>
+            <a:pPr lvl="1"/>
+            <a:r>
+              <a:rPr lang="en-GB" dirty="0">
+                <a:solidFill>
+                  <a:schemeClr val="bg1"/>
+                </a:solidFill>
+              </a:rPr>
+              <a:t>Null – Object - Array</a:t>
+            </a:r>
+            <a:endParaRPr lang="en-GB" dirty="0">
+              <a:solidFill>
+                <a:schemeClr val="bg1"/>
+              </a:solidFill>
+              <a:latin typeface="Segoe UI" panose="020B0502040204020203" pitchFamily="34" charset="0"/>
+              <a:cs typeface="Segoe UI" panose="020B0502040204020203" pitchFamily="34" charset="0"/>
+            </a:endParaRPr>
+          </a:p>
+          <a:p>
+            <a:pPr marL="457200" lvl="1" indent="0">
+              <a:buNone/>
+            </a:pPr>
+            <a:r>
+              <a:rPr lang="en-GB" sz="3200" dirty="0">
                 <a:solidFill>
                   <a:schemeClr val="bg1"/>
                 </a:solidFill>
@@ -5824,7 +6509,86 @@
                   </a:extLst>
                 </a:hlinkClick>
               </a:rPr>
-              <a:t>https://wp-html.co.uk/workshop/</a:t>
+              <a:t>The ‘hello world of the WP REST API’:</a:t>
+            </a:r>
+          </a:p>
+          <a:p>
+            <a:pPr marL="457200" lvl="1" indent="0">
+              <a:buNone/>
+            </a:pPr>
+            <a:r>
+              <a:rPr lang="en-GB" sz="3200" dirty="0">
+                <a:solidFill>
+                  <a:schemeClr val="bg1"/>
+                </a:solidFill>
+                <a:hlinkClick r:id="rId2">
+                  <a:extLst>
+                    <a:ext uri="{A12FA001-AC4F-418D-AE19-62706E023703}">
+                      <ahyp:hlinkClr xmlns:ahyp="http://schemas.microsoft.com/office/drawing/2018/hyperlinkcolor" val="tx"/>
+                    </a:ext>
+                  </a:extLst>
+                </a:hlinkClick>
+              </a:rPr>
+              <a:t>https://wp-html.co.uk/greece/wp-json/wp/v2/posts</a:t>
+            </a:r>
+            <a:endParaRPr lang="en-GB" sz="3200" dirty="0">
+              <a:solidFill>
+                <a:schemeClr val="bg1"/>
+              </a:solidFill>
+              <a:latin typeface="Segoe UI" panose="020B0502040204020203" pitchFamily="34" charset="0"/>
+              <a:cs typeface="Segoe UI" panose="020B0502040204020203" pitchFamily="34" charset="0"/>
+            </a:endParaRPr>
+          </a:p>
+          <a:p>
+            <a:endParaRPr lang="en-GB" sz="2000" dirty="0">
+              <a:solidFill>
+                <a:schemeClr val="bg1"/>
+              </a:solidFill>
+            </a:endParaRPr>
+          </a:p>
+        </p:txBody>
+      </p:sp>
+      <p:sp>
+        <p:nvSpPr>
+          <p:cNvPr id="6" name="Title 1">
+            <a:extLst>
+              <a:ext uri="{FF2B5EF4-FFF2-40B4-BE49-F238E27FC236}">
+                <a16:creationId xmlns:a16="http://schemas.microsoft.com/office/drawing/2014/main" id="{C0582C0D-9651-4536-A891-9AA341901EC9}"/>
+              </a:ext>
+            </a:extLst>
+          </p:cNvPr>
+          <p:cNvSpPr>
+            <a:spLocks noGrp="1"/>
+          </p:cNvSpPr>
+          <p:nvPr>
+            <p:ph type="title"/>
+          </p:nvPr>
+        </p:nvSpPr>
+        <p:spPr>
+          <a:xfrm>
+            <a:off x="910628" y="354940"/>
+            <a:ext cx="10515600" cy="892835"/>
+          </a:xfrm>
+        </p:spPr>
+        <p:txBody>
+          <a:bodyPr/>
+          <a:lstStyle/>
+          <a:p>
+            <a:r>
+              <a:rPr lang="en-GB" dirty="0">
+                <a:solidFill>
+                  <a:schemeClr val="bg1"/>
+                </a:solidFill>
+              </a:rPr>
+              <a:t>JSON </a:t>
+            </a:r>
+            <a:r>
+              <a:rPr lang="en-GB">
+                <a:solidFill>
+                  <a:schemeClr val="bg1"/>
+                </a:solidFill>
+              </a:rPr>
+              <a:t>– Data Types</a:t>
             </a:r>
             <a:endParaRPr lang="en-GB" dirty="0">
               <a:solidFill>
@@ -5832,26 +6596,182 @@
               </a:solidFill>
             </a:endParaRPr>
           </a:p>
-          <a:p>
-            <a:r>
-              <a:rPr lang="en-GB" dirty="0"/>
-              <a:t>If you have any questions please feel free to contact me: </a:t>
-            </a:r>
-            <a:r>
-              <a:rPr lang="en-GB" sz="4000" b="1" dirty="0"/>
-              <a:t>craig@wpjs.co.uk</a:t>
-            </a:r>
-            <a:endParaRPr lang="en-GB" b="1" dirty="0"/>
-          </a:p>
-          <a:p>
-            <a:endParaRPr lang="en-GB" dirty="0"/>
-          </a:p>
         </p:txBody>
       </p:sp>
     </p:spTree>
     <p:extLst>
       <p:ext uri="{BB962C8B-B14F-4D97-AF65-F5344CB8AC3E}">
-        <p14:creationId xmlns:p14="http://schemas.microsoft.com/office/powerpoint/2010/main" val="782535680"/>
+        <p14:creationId xmlns:p14="http://schemas.microsoft.com/office/powerpoint/2010/main" val="2317002714"/>
+      </p:ext>
+    </p:extLst>
+  </p:cSld>
+  <p:clrMapOvr>
+    <a:masterClrMapping/>
+  </p:clrMapOvr>
+</p:sld>
+</file>
+
+<file path=ppt/slides/slide19.xml><?xml version="1.0" encoding="utf-8"?>
+<p:sld xmlns:a="http://schemas.openxmlformats.org/drawingml/2006/main" xmlns:r="http://schemas.openxmlformats.org/officeDocument/2006/relationships" xmlns:p="http://schemas.openxmlformats.org/presentationml/2006/main">
+  <p:cSld>
+    <p:spTree>
+      <p:nvGrpSpPr>
+        <p:cNvPr id="1" name=""/>
+        <p:cNvGrpSpPr/>
+        <p:nvPr/>
+      </p:nvGrpSpPr>
+      <p:grpSpPr>
+        <a:xfrm>
+          <a:off x="0" y="0"/>
+          <a:ext cx="0" cy="0"/>
+          <a:chOff x="0" y="0"/>
+          <a:chExt cx="0" cy="0"/>
+        </a:xfrm>
+      </p:grpSpPr>
+      <p:sp>
+        <p:nvSpPr>
+          <p:cNvPr id="2" name="Title 1">
+            <a:extLst>
+              <a:ext uri="{FF2B5EF4-FFF2-40B4-BE49-F238E27FC236}">
+                <a16:creationId xmlns:a16="http://schemas.microsoft.com/office/drawing/2014/main" id="{81769C98-962F-4C3A-B575-99BB0A9C6763}"/>
+              </a:ext>
+            </a:extLst>
+          </p:cNvPr>
+          <p:cNvSpPr>
+            <a:spLocks noGrp="1"/>
+          </p:cNvSpPr>
+          <p:nvPr>
+            <p:ph type="title"/>
+          </p:nvPr>
+        </p:nvSpPr>
+        <p:spPr>
+          <a:xfrm>
+            <a:off x="910628" y="304893"/>
+            <a:ext cx="10515600" cy="892835"/>
+          </a:xfrm>
+        </p:spPr>
+        <p:txBody>
+          <a:bodyPr/>
+          <a:lstStyle/>
+          <a:p>
+            <a:r>
+              <a:rPr lang="en-GB" dirty="0">
+                <a:solidFill>
+                  <a:schemeClr val="bg1"/>
+                </a:solidFill>
+              </a:rPr>
+              <a:t>Workshop</a:t>
+            </a:r>
+            <a:r>
+              <a:rPr lang="en-GB" dirty="0"/>
+              <a:t> </a:t>
+            </a:r>
+            <a:r>
+              <a:rPr lang="en-GB" dirty="0">
+                <a:solidFill>
+                  <a:schemeClr val="bg1"/>
+                </a:solidFill>
+              </a:rPr>
+              <a:t>resources</a:t>
+            </a:r>
+          </a:p>
+        </p:txBody>
+      </p:sp>
+      <p:sp>
+        <p:nvSpPr>
+          <p:cNvPr id="3" name="Content Placeholder 2">
+            <a:extLst>
+              <a:ext uri="{FF2B5EF4-FFF2-40B4-BE49-F238E27FC236}">
+                <a16:creationId xmlns:a16="http://schemas.microsoft.com/office/drawing/2014/main" id="{C77D8FCA-15A2-453C-BEDB-B01FF3E48151}"/>
+              </a:ext>
+            </a:extLst>
+          </p:cNvPr>
+          <p:cNvSpPr>
+            <a:spLocks noGrp="1"/>
+          </p:cNvSpPr>
+          <p:nvPr>
+            <p:ph idx="1"/>
+          </p:nvPr>
+        </p:nvSpPr>
+        <p:spPr>
+          <a:xfrm>
+            <a:off x="910628" y="1348300"/>
+            <a:ext cx="10515600" cy="5185757"/>
+          </a:xfrm>
+        </p:spPr>
+        <p:txBody>
+          <a:bodyPr>
+            <a:noAutofit/>
+          </a:bodyPr>
+          <a:lstStyle/>
+          <a:p>
+            <a:r>
+              <a:rPr lang="en-GB" dirty="0"/>
+              <a:t>The following link has the workshop manual, code and also the ability to clone the WP site.</a:t>
+            </a:r>
+          </a:p>
+          <a:p>
+            <a:r>
+              <a:rPr lang="en-GB" dirty="0"/>
+              <a:t>We will go through how to clone the site.</a:t>
+            </a:r>
+          </a:p>
+          <a:p>
+            <a:r>
+              <a:rPr lang="en-GB" dirty="0">
+                <a:solidFill>
+                  <a:schemeClr val="bg1"/>
+                </a:solidFill>
+                <a:hlinkClick r:id="rId2">
+                  <a:extLst>
+                    <a:ext uri="{A12FA001-AC4F-418D-AE19-62706E023703}">
+                      <ahyp:hlinkClr xmlns:ahyp="http://schemas.microsoft.com/office/drawing/2018/hyperlinkcolor" val="tx"/>
+                    </a:ext>
+                  </a:extLst>
+                </a:hlinkClick>
+              </a:rPr>
+              <a:t>https://wp-html.co.uk/workshop</a:t>
+            </a:r>
+            <a:r>
+              <a:rPr lang="en-GB" dirty="0">
+                <a:solidFill>
+                  <a:schemeClr val="bg1"/>
+                </a:solidFill>
+              </a:rPr>
+              <a:t> - has all links.</a:t>
+            </a:r>
+          </a:p>
+          <a:p>
+            <a:r>
+              <a:rPr lang="en-GB" sz="3200" dirty="0">
+                <a:solidFill>
+                  <a:schemeClr val="bg1"/>
+                </a:solidFill>
+                <a:hlinkClick r:id="rId3">
+                  <a:extLst>
+                    <a:ext uri="{A12FA001-AC4F-418D-AE19-62706E023703}">
+                      <ahyp:hlinkClr xmlns:ahyp="http://schemas.microsoft.com/office/drawing/2018/hyperlinkcolor" val="tx"/>
+                    </a:ext>
+                  </a:extLst>
+                </a:hlinkClick>
+              </a:rPr>
+              <a:t>https://github.com/iwswordpress/WordCampGreece</a:t>
+            </a:r>
+            <a:endParaRPr lang="en-GB" sz="3200" dirty="0">
+              <a:solidFill>
+                <a:schemeClr val="bg1"/>
+              </a:solidFill>
+            </a:endParaRPr>
+          </a:p>
+          <a:p>
+            <a:endParaRPr lang="en-GB" dirty="0"/>
+          </a:p>
+        </p:txBody>
+      </p:sp>
+    </p:spTree>
+    <p:extLst>
+      <p:ext uri="{BB962C8B-B14F-4D97-AF65-F5344CB8AC3E}">
+        <p14:creationId xmlns:p14="http://schemas.microsoft.com/office/powerpoint/2010/main" val="2880086047"/>
       </p:ext>
     </p:extLst>
   </p:cSld>
@@ -6019,7 +6939,7 @@
                 <a:latin typeface="Segoe UI" panose="020B0502040204020203" pitchFamily="34" charset="0"/>
                 <a:cs typeface="Segoe UI" panose="020B0502040204020203" pitchFamily="34" charset="0"/>
               </a:rPr>
-              <a:t>Use them for GET/POST requests</a:t>
+              <a:t>Use them for GET/POST requests.</a:t>
             </a:r>
           </a:p>
           <a:p>
@@ -6035,7 +6955,7 @@
                 <a:latin typeface="Segoe UI" panose="020B0502040204020203" pitchFamily="34" charset="0"/>
                 <a:cs typeface="Segoe UI" panose="020B0502040204020203" pitchFamily="34" charset="0"/>
               </a:rPr>
-              <a:t>Create forms that use these endpoints</a:t>
+              <a:t>Create forms that use these endpoints.</a:t>
             </a:r>
           </a:p>
           <a:p>
@@ -6463,7 +7383,2576 @@
 </p:sld>
 </file>
 
+<file path=ppt/slides/slide20.xml><?xml version="1.0" encoding="utf-8"?>
+<p:sld xmlns:a="http://schemas.openxmlformats.org/drawingml/2006/main" xmlns:r="http://schemas.openxmlformats.org/officeDocument/2006/relationships" xmlns:p="http://schemas.openxmlformats.org/presentationml/2006/main">
+  <p:cSld>
+    <p:spTree>
+      <p:nvGrpSpPr>
+        <p:cNvPr id="1" name=""/>
+        <p:cNvGrpSpPr/>
+        <p:nvPr/>
+      </p:nvGrpSpPr>
+      <p:grpSpPr>
+        <a:xfrm>
+          <a:off x="0" y="0"/>
+          <a:ext cx="0" cy="0"/>
+          <a:chOff x="0" y="0"/>
+          <a:chExt cx="0" cy="0"/>
+        </a:xfrm>
+      </p:grpSpPr>
+      <p:sp>
+        <p:nvSpPr>
+          <p:cNvPr id="2" name="Title 1">
+            <a:extLst>
+              <a:ext uri="{FF2B5EF4-FFF2-40B4-BE49-F238E27FC236}">
+                <a16:creationId xmlns:a16="http://schemas.microsoft.com/office/drawing/2014/main" id="{81769C98-962F-4C3A-B575-99BB0A9C6763}"/>
+              </a:ext>
+            </a:extLst>
+          </p:cNvPr>
+          <p:cNvSpPr>
+            <a:spLocks noGrp="1"/>
+          </p:cNvSpPr>
+          <p:nvPr>
+            <p:ph type="title"/>
+          </p:nvPr>
+        </p:nvSpPr>
+        <p:spPr>
+          <a:xfrm>
+            <a:off x="910628" y="323943"/>
+            <a:ext cx="10515600" cy="892835"/>
+          </a:xfrm>
+        </p:spPr>
+        <p:txBody>
+          <a:bodyPr/>
+          <a:lstStyle/>
+          <a:p>
+            <a:r>
+              <a:rPr lang="en-GB" dirty="0">
+                <a:solidFill>
+                  <a:schemeClr val="bg1"/>
+                </a:solidFill>
+              </a:rPr>
+              <a:t>Wrap Up</a:t>
+            </a:r>
+          </a:p>
+        </p:txBody>
+      </p:sp>
+      <p:sp>
+        <p:nvSpPr>
+          <p:cNvPr id="3" name="Content Placeholder 2">
+            <a:extLst>
+              <a:ext uri="{FF2B5EF4-FFF2-40B4-BE49-F238E27FC236}">
+                <a16:creationId xmlns:a16="http://schemas.microsoft.com/office/drawing/2014/main" id="{C77D8FCA-15A2-453C-BEDB-B01FF3E48151}"/>
+              </a:ext>
+            </a:extLst>
+          </p:cNvPr>
+          <p:cNvSpPr>
+            <a:spLocks noGrp="1"/>
+          </p:cNvSpPr>
+          <p:nvPr>
+            <p:ph idx="1"/>
+          </p:nvPr>
+        </p:nvSpPr>
+        <p:spPr>
+          <a:xfrm>
+            <a:off x="910628" y="1348300"/>
+            <a:ext cx="10515600" cy="5185757"/>
+          </a:xfrm>
+        </p:spPr>
+        <p:txBody>
+          <a:bodyPr>
+            <a:noAutofit/>
+          </a:bodyPr>
+          <a:lstStyle/>
+          <a:p>
+            <a:r>
+              <a:rPr lang="en-GB" dirty="0"/>
+              <a:t>There is  free online course covering what we have done today.</a:t>
+            </a:r>
+          </a:p>
+          <a:p>
+            <a:r>
+              <a:rPr lang="en-GB" dirty="0"/>
+              <a:t>The link is valid for 3 days – download these slides from </a:t>
+            </a:r>
+            <a:r>
+              <a:rPr lang="en-GB" dirty="0">
+                <a:solidFill>
+                  <a:schemeClr val="bg1"/>
+                </a:solidFill>
+                <a:hlinkClick r:id="rId2">
+                  <a:extLst>
+                    <a:ext uri="{A12FA001-AC4F-418D-AE19-62706E023703}">
+                      <ahyp:hlinkClr xmlns:ahyp="http://schemas.microsoft.com/office/drawing/2018/hyperlinkcolor" val="tx"/>
+                    </a:ext>
+                  </a:extLst>
+                </a:hlinkClick>
+              </a:rPr>
+              <a:t>https://wp-html.co.uk/workshop/</a:t>
+            </a:r>
+            <a:endParaRPr lang="en-GB" dirty="0">
+              <a:solidFill>
+                <a:schemeClr val="bg1"/>
+              </a:solidFill>
+            </a:endParaRPr>
+          </a:p>
+          <a:p>
+            <a:r>
+              <a:rPr lang="en-GB" dirty="0"/>
+              <a:t>If you have any questions please feel free to contact me: </a:t>
+            </a:r>
+            <a:r>
+              <a:rPr lang="en-GB" sz="4000" b="1" dirty="0"/>
+              <a:t>craig@wpjs.co.uk</a:t>
+            </a:r>
+            <a:endParaRPr lang="en-GB" b="1" dirty="0"/>
+          </a:p>
+          <a:p>
+            <a:endParaRPr lang="en-GB" dirty="0"/>
+          </a:p>
+        </p:txBody>
+      </p:sp>
+    </p:spTree>
+    <p:extLst>
+      <p:ext uri="{BB962C8B-B14F-4D97-AF65-F5344CB8AC3E}">
+        <p14:creationId xmlns:p14="http://schemas.microsoft.com/office/powerpoint/2010/main" val="782535680"/>
+      </p:ext>
+    </p:extLst>
+  </p:cSld>
+  <p:clrMapOvr>
+    <a:masterClrMapping/>
+  </p:clrMapOvr>
+</p:sld>
+</file>
+
 <file path=ppt/slides/slide3.xml><?xml version="1.0" encoding="utf-8"?>
+<p:sld xmlns:a="http://schemas.openxmlformats.org/drawingml/2006/main" xmlns:r="http://schemas.openxmlformats.org/officeDocument/2006/relationships" xmlns:p="http://schemas.openxmlformats.org/presentationml/2006/main">
+  <p:cSld>
+    <p:spTree>
+      <p:nvGrpSpPr>
+        <p:cNvPr id="1" name=""/>
+        <p:cNvGrpSpPr/>
+        <p:nvPr/>
+      </p:nvGrpSpPr>
+      <p:grpSpPr>
+        <a:xfrm>
+          <a:off x="0" y="0"/>
+          <a:ext cx="0" cy="0"/>
+          <a:chOff x="0" y="0"/>
+          <a:chExt cx="0" cy="0"/>
+        </a:xfrm>
+      </p:grpSpPr>
+      <p:pic>
+        <p:nvPicPr>
+          <p:cNvPr id="5" name="Picture 4" descr="A picture containing food&#10;&#10;Description automatically generated">
+            <a:extLst>
+              <a:ext uri="{FF2B5EF4-FFF2-40B4-BE49-F238E27FC236}">
+                <a16:creationId xmlns:a16="http://schemas.microsoft.com/office/drawing/2014/main" id="{8E85D67E-6196-4971-9517-B5CA032300BF}"/>
+              </a:ext>
+            </a:extLst>
+          </p:cNvPr>
+          <p:cNvPicPr>
+            <a:picLocks noChangeAspect="1"/>
+          </p:cNvPicPr>
+          <p:nvPr/>
+        </p:nvPicPr>
+        <p:blipFill>
+          <a:blip r:embed="rId2">
+            <a:extLst>
+              <a:ext uri="{28A0092B-C50C-407E-A947-70E740481C1C}">
+                <a14:useLocalDpi xmlns:a14="http://schemas.microsoft.com/office/drawing/2010/main" val="0"/>
+              </a:ext>
+            </a:extLst>
+          </a:blip>
+          <a:stretch>
+            <a:fillRect/>
+          </a:stretch>
+        </p:blipFill>
+        <p:spPr>
+          <a:xfrm>
+            <a:off x="2416471" y="900717"/>
+            <a:ext cx="7234921" cy="5444100"/>
+          </a:xfrm>
+          <a:prstGeom prst="rect">
+            <a:avLst/>
+          </a:prstGeom>
+        </p:spPr>
+      </p:pic>
+      <p:sp>
+        <p:nvSpPr>
+          <p:cNvPr id="6" name="TextBox 5">
+            <a:extLst>
+              <a:ext uri="{FF2B5EF4-FFF2-40B4-BE49-F238E27FC236}">
+                <a16:creationId xmlns:a16="http://schemas.microsoft.com/office/drawing/2014/main" id="{95FBBC3D-9FC0-49E9-BA50-3C94DE833DEC}"/>
+              </a:ext>
+            </a:extLst>
+          </p:cNvPr>
+          <p:cNvSpPr txBox="1"/>
+          <p:nvPr/>
+        </p:nvSpPr>
+        <p:spPr>
+          <a:xfrm>
+            <a:off x="278674" y="220795"/>
+            <a:ext cx="11773989" cy="584775"/>
+          </a:xfrm>
+          <a:prstGeom prst="rect">
+            <a:avLst/>
+          </a:prstGeom>
+          <a:noFill/>
+        </p:spPr>
+        <p:txBody>
+          <a:bodyPr wrap="square" rtlCol="0">
+            <a:spAutoFit/>
+          </a:bodyPr>
+          <a:lstStyle/>
+          <a:p>
+            <a:r>
+              <a:rPr lang="en-GB" sz="3200" b="1" dirty="0">
+                <a:solidFill>
+                  <a:schemeClr val="bg1"/>
+                </a:solidFill>
+                <a:latin typeface="Segoe UI" panose="020B0502040204020203" pitchFamily="34" charset="0"/>
+                <a:cs typeface="Segoe UI" panose="020B0502040204020203" pitchFamily="34" charset="0"/>
+              </a:rPr>
+              <a:t>International JS Conference London 2018 – Key Note Speech</a:t>
+            </a:r>
+          </a:p>
+        </p:txBody>
+      </p:sp>
+    </p:spTree>
+    <p:extLst>
+      <p:ext uri="{BB962C8B-B14F-4D97-AF65-F5344CB8AC3E}">
+        <p14:creationId xmlns:p14="http://schemas.microsoft.com/office/powerpoint/2010/main" val="1395185159"/>
+      </p:ext>
+    </p:extLst>
+  </p:cSld>
+  <p:clrMapOvr>
+    <a:masterClrMapping/>
+  </p:clrMapOvr>
+</p:sld>
+</file>
+
+<file path=ppt/slides/slide4.xml><?xml version="1.0" encoding="utf-8"?>
+<p:sld xmlns:a="http://schemas.openxmlformats.org/drawingml/2006/main" xmlns:r="http://schemas.openxmlformats.org/officeDocument/2006/relationships" xmlns:p="http://schemas.openxmlformats.org/presentationml/2006/main">
+  <p:cSld>
+    <p:spTree>
+      <p:nvGrpSpPr>
+        <p:cNvPr id="1" name=""/>
+        <p:cNvGrpSpPr/>
+        <p:nvPr/>
+      </p:nvGrpSpPr>
+      <p:grpSpPr>
+        <a:xfrm>
+          <a:off x="0" y="0"/>
+          <a:ext cx="0" cy="0"/>
+          <a:chOff x="0" y="0"/>
+          <a:chExt cx="0" cy="0"/>
+        </a:xfrm>
+      </p:grpSpPr>
+      <p:sp>
+        <p:nvSpPr>
+          <p:cNvPr id="5" name="Rectangle: Rounded Corners 4">
+            <a:extLst>
+              <a:ext uri="{FF2B5EF4-FFF2-40B4-BE49-F238E27FC236}">
+                <a16:creationId xmlns:a16="http://schemas.microsoft.com/office/drawing/2014/main" id="{65B1CF75-47B8-4AC4-BD1E-926B376FD50D}"/>
+              </a:ext>
+            </a:extLst>
+          </p:cNvPr>
+          <p:cNvSpPr/>
+          <p:nvPr/>
+        </p:nvSpPr>
+        <p:spPr>
+          <a:xfrm>
+            <a:off x="886408" y="4376057"/>
+            <a:ext cx="1819470" cy="942392"/>
+          </a:xfrm>
+          <a:prstGeom prst="roundRect">
+            <a:avLst/>
+          </a:prstGeom>
+          <a:solidFill>
+            <a:schemeClr val="bg1">
+              <a:lumMod val="85000"/>
+            </a:schemeClr>
+          </a:solidFill>
+          <a:ln w="28575">
+            <a:solidFill>
+              <a:srgbClr val="FF0000"/>
+            </a:solidFill>
+          </a:ln>
+        </p:spPr>
+        <p:style>
+          <a:lnRef idx="2">
+            <a:schemeClr val="accent1">
+              <a:shade val="50000"/>
+            </a:schemeClr>
+          </a:lnRef>
+          <a:fillRef idx="1">
+            <a:schemeClr val="accent1"/>
+          </a:fillRef>
+          <a:effectRef idx="0">
+            <a:schemeClr val="accent1"/>
+          </a:effectRef>
+          <a:fontRef idx="minor">
+            <a:schemeClr val="lt1"/>
+          </a:fontRef>
+        </p:style>
+        <p:txBody>
+          <a:bodyPr rtlCol="0" anchor="ctr"/>
+          <a:lstStyle/>
+          <a:p>
+            <a:pPr algn="ctr"/>
+            <a:endParaRPr lang="en-GB">
+              <a:latin typeface="Segoe UI" panose="020B0502040204020203" pitchFamily="34" charset="0"/>
+              <a:cs typeface="Segoe UI" panose="020B0502040204020203" pitchFamily="34" charset="0"/>
+            </a:endParaRPr>
+          </a:p>
+        </p:txBody>
+      </p:sp>
+      <p:cxnSp>
+        <p:nvCxnSpPr>
+          <p:cNvPr id="7" name="Straight Connector 6">
+            <a:extLst>
+              <a:ext uri="{FF2B5EF4-FFF2-40B4-BE49-F238E27FC236}">
+                <a16:creationId xmlns:a16="http://schemas.microsoft.com/office/drawing/2014/main" id="{5B3AFA23-E550-4B2B-8247-AFA75329D28C}"/>
+              </a:ext>
+            </a:extLst>
+          </p:cNvPr>
+          <p:cNvCxnSpPr>
+            <a:cxnSpLocks/>
+          </p:cNvCxnSpPr>
+          <p:nvPr/>
+        </p:nvCxnSpPr>
+        <p:spPr>
+          <a:xfrm>
+            <a:off x="8238930" y="0"/>
+            <a:ext cx="0" cy="6858000"/>
+          </a:xfrm>
+          <a:prstGeom prst="line">
+            <a:avLst/>
+          </a:prstGeom>
+          <a:ln w="127000">
+            <a:solidFill>
+              <a:schemeClr val="tx1"/>
+            </a:solidFill>
+          </a:ln>
+        </p:spPr>
+        <p:style>
+          <a:lnRef idx="1">
+            <a:schemeClr val="accent1"/>
+          </a:lnRef>
+          <a:fillRef idx="0">
+            <a:schemeClr val="accent1"/>
+          </a:fillRef>
+          <a:effectRef idx="0">
+            <a:schemeClr val="accent1"/>
+          </a:effectRef>
+          <a:fontRef idx="minor">
+            <a:schemeClr val="tx1"/>
+          </a:fontRef>
+        </p:style>
+      </p:cxnSp>
+      <p:cxnSp>
+        <p:nvCxnSpPr>
+          <p:cNvPr id="9" name="Straight Connector 8">
+            <a:extLst>
+              <a:ext uri="{FF2B5EF4-FFF2-40B4-BE49-F238E27FC236}">
+                <a16:creationId xmlns:a16="http://schemas.microsoft.com/office/drawing/2014/main" id="{8ECDE257-0E06-4C73-B713-15F600FA91AE}"/>
+              </a:ext>
+            </a:extLst>
+          </p:cNvPr>
+          <p:cNvCxnSpPr>
+            <a:cxnSpLocks/>
+          </p:cNvCxnSpPr>
+          <p:nvPr/>
+        </p:nvCxnSpPr>
+        <p:spPr>
+          <a:xfrm>
+            <a:off x="3097763" y="3437944"/>
+            <a:ext cx="0" cy="2449286"/>
+          </a:xfrm>
+          <a:prstGeom prst="line">
+            <a:avLst/>
+          </a:prstGeom>
+          <a:ln w="15875" cmpd="dbl">
+            <a:solidFill>
+              <a:schemeClr val="accent6">
+                <a:lumMod val="75000"/>
+              </a:schemeClr>
+            </a:solidFill>
+            <a:prstDash val="lgDash"/>
+          </a:ln>
+        </p:spPr>
+        <p:style>
+          <a:lnRef idx="1">
+            <a:schemeClr val="accent1"/>
+          </a:lnRef>
+          <a:fillRef idx="0">
+            <a:schemeClr val="accent1"/>
+          </a:fillRef>
+          <a:effectRef idx="0">
+            <a:schemeClr val="accent1"/>
+          </a:effectRef>
+          <a:fontRef idx="minor">
+            <a:schemeClr val="tx1"/>
+          </a:fontRef>
+        </p:style>
+      </p:cxnSp>
+      <p:sp>
+        <p:nvSpPr>
+          <p:cNvPr id="13" name="Rectangle: Rounded Corners 12">
+            <a:extLst>
+              <a:ext uri="{FF2B5EF4-FFF2-40B4-BE49-F238E27FC236}">
+                <a16:creationId xmlns:a16="http://schemas.microsoft.com/office/drawing/2014/main" id="{497DB97B-039D-4182-8A21-C324F5A05084}"/>
+              </a:ext>
+            </a:extLst>
+          </p:cNvPr>
+          <p:cNvSpPr/>
+          <p:nvPr/>
+        </p:nvSpPr>
+        <p:spPr>
+          <a:xfrm>
+            <a:off x="1244080" y="709127"/>
+            <a:ext cx="5520611" cy="2183363"/>
+          </a:xfrm>
+          <a:prstGeom prst="roundRect">
+            <a:avLst/>
+          </a:prstGeom>
+          <a:solidFill>
+            <a:schemeClr val="bg1">
+              <a:lumMod val="85000"/>
+            </a:schemeClr>
+          </a:solidFill>
+          <a:ln w="28575">
+            <a:solidFill>
+              <a:srgbClr val="FF0000"/>
+            </a:solidFill>
+          </a:ln>
+        </p:spPr>
+        <p:style>
+          <a:lnRef idx="2">
+            <a:schemeClr val="accent1">
+              <a:shade val="50000"/>
+            </a:schemeClr>
+          </a:lnRef>
+          <a:fillRef idx="1">
+            <a:schemeClr val="accent1"/>
+          </a:fillRef>
+          <a:effectRef idx="0">
+            <a:schemeClr val="accent1"/>
+          </a:effectRef>
+          <a:fontRef idx="minor">
+            <a:schemeClr val="lt1"/>
+          </a:fontRef>
+        </p:style>
+        <p:txBody>
+          <a:bodyPr rtlCol="0" anchor="ctr"/>
+          <a:lstStyle/>
+          <a:p>
+            <a:pPr algn="ctr"/>
+            <a:endParaRPr lang="en-GB">
+              <a:latin typeface="Segoe UI" panose="020B0502040204020203" pitchFamily="34" charset="0"/>
+              <a:cs typeface="Segoe UI" panose="020B0502040204020203" pitchFamily="34" charset="0"/>
+            </a:endParaRPr>
+          </a:p>
+        </p:txBody>
+      </p:sp>
+      <p:sp>
+        <p:nvSpPr>
+          <p:cNvPr id="14" name="Rectangle: Rounded Corners 13">
+            <a:extLst>
+              <a:ext uri="{FF2B5EF4-FFF2-40B4-BE49-F238E27FC236}">
+                <a16:creationId xmlns:a16="http://schemas.microsoft.com/office/drawing/2014/main" id="{670B406B-FAA1-4A47-9E0F-388A4554F760}"/>
+              </a:ext>
+            </a:extLst>
+          </p:cNvPr>
+          <p:cNvSpPr/>
+          <p:nvPr/>
+        </p:nvSpPr>
+        <p:spPr>
+          <a:xfrm>
+            <a:off x="5951371" y="4406768"/>
+            <a:ext cx="1819470" cy="942392"/>
+          </a:xfrm>
+          <a:prstGeom prst="roundRect">
+            <a:avLst/>
+          </a:prstGeom>
+          <a:solidFill>
+            <a:schemeClr val="bg1">
+              <a:lumMod val="85000"/>
+            </a:schemeClr>
+          </a:solidFill>
+          <a:ln w="28575">
+            <a:solidFill>
+              <a:srgbClr val="FF0000"/>
+            </a:solidFill>
+          </a:ln>
+        </p:spPr>
+        <p:style>
+          <a:lnRef idx="2">
+            <a:schemeClr val="accent1">
+              <a:shade val="50000"/>
+            </a:schemeClr>
+          </a:lnRef>
+          <a:fillRef idx="1">
+            <a:schemeClr val="accent1"/>
+          </a:fillRef>
+          <a:effectRef idx="0">
+            <a:schemeClr val="accent1"/>
+          </a:effectRef>
+          <a:fontRef idx="minor">
+            <a:schemeClr val="lt1"/>
+          </a:fontRef>
+        </p:style>
+        <p:txBody>
+          <a:bodyPr rtlCol="0" anchor="ctr"/>
+          <a:lstStyle/>
+          <a:p>
+            <a:pPr algn="ctr"/>
+            <a:endParaRPr lang="en-GB">
+              <a:latin typeface="Segoe UI" panose="020B0502040204020203" pitchFamily="34" charset="0"/>
+              <a:cs typeface="Segoe UI" panose="020B0502040204020203" pitchFamily="34" charset="0"/>
+            </a:endParaRPr>
+          </a:p>
+        </p:txBody>
+      </p:sp>
+      <p:sp>
+        <p:nvSpPr>
+          <p:cNvPr id="15" name="Rectangle: Rounded Corners 14">
+            <a:extLst>
+              <a:ext uri="{FF2B5EF4-FFF2-40B4-BE49-F238E27FC236}">
+                <a16:creationId xmlns:a16="http://schemas.microsoft.com/office/drawing/2014/main" id="{56FA4A14-0892-4CE1-BE7A-A2056ECF1DAC}"/>
+              </a:ext>
+            </a:extLst>
+          </p:cNvPr>
+          <p:cNvSpPr/>
+          <p:nvPr/>
+        </p:nvSpPr>
+        <p:spPr>
+          <a:xfrm>
+            <a:off x="3456988" y="4406768"/>
+            <a:ext cx="1819470" cy="942392"/>
+          </a:xfrm>
+          <a:prstGeom prst="roundRect">
+            <a:avLst/>
+          </a:prstGeom>
+          <a:solidFill>
+            <a:schemeClr val="bg1">
+              <a:lumMod val="85000"/>
+            </a:schemeClr>
+          </a:solidFill>
+          <a:ln w="28575">
+            <a:solidFill>
+              <a:srgbClr val="FF0000"/>
+            </a:solidFill>
+          </a:ln>
+        </p:spPr>
+        <p:style>
+          <a:lnRef idx="2">
+            <a:schemeClr val="accent1">
+              <a:shade val="50000"/>
+            </a:schemeClr>
+          </a:lnRef>
+          <a:fillRef idx="1">
+            <a:schemeClr val="accent1"/>
+          </a:fillRef>
+          <a:effectRef idx="0">
+            <a:schemeClr val="accent1"/>
+          </a:effectRef>
+          <a:fontRef idx="minor">
+            <a:schemeClr val="lt1"/>
+          </a:fontRef>
+        </p:style>
+        <p:txBody>
+          <a:bodyPr rtlCol="0" anchor="ctr"/>
+          <a:lstStyle/>
+          <a:p>
+            <a:pPr algn="ctr"/>
+            <a:endParaRPr lang="en-GB">
+              <a:latin typeface="Segoe UI" panose="020B0502040204020203" pitchFamily="34" charset="0"/>
+              <a:cs typeface="Segoe UI" panose="020B0502040204020203" pitchFamily="34" charset="0"/>
+            </a:endParaRPr>
+          </a:p>
+        </p:txBody>
+      </p:sp>
+      <p:cxnSp>
+        <p:nvCxnSpPr>
+          <p:cNvPr id="16" name="Straight Connector 15">
+            <a:extLst>
+              <a:ext uri="{FF2B5EF4-FFF2-40B4-BE49-F238E27FC236}">
+                <a16:creationId xmlns:a16="http://schemas.microsoft.com/office/drawing/2014/main" id="{B8646BD2-FF5F-47C6-9788-5228BF540137}"/>
+              </a:ext>
+            </a:extLst>
+          </p:cNvPr>
+          <p:cNvCxnSpPr>
+            <a:cxnSpLocks/>
+          </p:cNvCxnSpPr>
+          <p:nvPr/>
+        </p:nvCxnSpPr>
+        <p:spPr>
+          <a:xfrm>
+            <a:off x="5592147" y="3429000"/>
+            <a:ext cx="0" cy="2449286"/>
+          </a:xfrm>
+          <a:prstGeom prst="line">
+            <a:avLst/>
+          </a:prstGeom>
+          <a:ln w="15875" cmpd="dbl">
+            <a:solidFill>
+              <a:schemeClr val="accent6">
+                <a:lumMod val="75000"/>
+              </a:schemeClr>
+            </a:solidFill>
+            <a:prstDash val="lgDash"/>
+          </a:ln>
+        </p:spPr>
+        <p:style>
+          <a:lnRef idx="1">
+            <a:schemeClr val="accent1"/>
+          </a:lnRef>
+          <a:fillRef idx="0">
+            <a:schemeClr val="accent1"/>
+          </a:fillRef>
+          <a:effectRef idx="0">
+            <a:schemeClr val="accent1"/>
+          </a:effectRef>
+          <a:fontRef idx="minor">
+            <a:schemeClr val="tx1"/>
+          </a:fontRef>
+        </p:style>
+      </p:cxnSp>
+      <p:sp>
+        <p:nvSpPr>
+          <p:cNvPr id="17" name="TextBox 16">
+            <a:extLst>
+              <a:ext uri="{FF2B5EF4-FFF2-40B4-BE49-F238E27FC236}">
+                <a16:creationId xmlns:a16="http://schemas.microsoft.com/office/drawing/2014/main" id="{6E8BFC32-3AFA-4B4C-9172-2CBE21A80A58}"/>
+              </a:ext>
+            </a:extLst>
+          </p:cNvPr>
+          <p:cNvSpPr txBox="1"/>
+          <p:nvPr/>
+        </p:nvSpPr>
+        <p:spPr>
+          <a:xfrm>
+            <a:off x="2362465" y="1178588"/>
+            <a:ext cx="3187956" cy="1446550"/>
+          </a:xfrm>
+          <a:prstGeom prst="rect">
+            <a:avLst/>
+          </a:prstGeom>
+          <a:noFill/>
+        </p:spPr>
+        <p:txBody>
+          <a:bodyPr wrap="square" rtlCol="0">
+            <a:spAutoFit/>
+          </a:bodyPr>
+          <a:lstStyle/>
+          <a:p>
+            <a:r>
+              <a:rPr lang="en-GB" sz="8800" dirty="0">
+                <a:latin typeface="Segoe UI" panose="020B0502040204020203" pitchFamily="34" charset="0"/>
+                <a:cs typeface="Segoe UI" panose="020B0502040204020203" pitchFamily="34" charset="0"/>
+              </a:rPr>
+              <a:t>HTML</a:t>
+            </a:r>
+          </a:p>
+        </p:txBody>
+      </p:sp>
+      <p:sp>
+        <p:nvSpPr>
+          <p:cNvPr id="19" name="TextBox 18">
+            <a:extLst>
+              <a:ext uri="{FF2B5EF4-FFF2-40B4-BE49-F238E27FC236}">
+                <a16:creationId xmlns:a16="http://schemas.microsoft.com/office/drawing/2014/main" id="{C81F58F9-1FC7-477B-877C-80F0959EBC0E}"/>
+              </a:ext>
+            </a:extLst>
+          </p:cNvPr>
+          <p:cNvSpPr txBox="1"/>
+          <p:nvPr/>
+        </p:nvSpPr>
+        <p:spPr>
+          <a:xfrm>
+            <a:off x="6019022" y="4693298"/>
+            <a:ext cx="1686507" cy="369332"/>
+          </a:xfrm>
+          <a:prstGeom prst="rect">
+            <a:avLst/>
+          </a:prstGeom>
+          <a:noFill/>
+        </p:spPr>
+        <p:txBody>
+          <a:bodyPr wrap="square" rtlCol="0">
+            <a:spAutoFit/>
+          </a:bodyPr>
+          <a:lstStyle/>
+          <a:p>
+            <a:r>
+              <a:rPr lang="en-GB" dirty="0">
+                <a:latin typeface="Segoe UI" panose="020B0502040204020203" pitchFamily="34" charset="0"/>
+                <a:cs typeface="Segoe UI" panose="020B0502040204020203" pitchFamily="34" charset="0"/>
+              </a:rPr>
+              <a:t>Framework ...n</a:t>
+            </a:r>
+          </a:p>
+        </p:txBody>
+      </p:sp>
+      <p:sp>
+        <p:nvSpPr>
+          <p:cNvPr id="20" name="TextBox 19">
+            <a:extLst>
+              <a:ext uri="{FF2B5EF4-FFF2-40B4-BE49-F238E27FC236}">
+                <a16:creationId xmlns:a16="http://schemas.microsoft.com/office/drawing/2014/main" id="{FB923CCF-0EA9-4C2D-AC00-B89B13CB18B9}"/>
+              </a:ext>
+            </a:extLst>
+          </p:cNvPr>
+          <p:cNvSpPr txBox="1"/>
+          <p:nvPr/>
+        </p:nvSpPr>
+        <p:spPr>
+          <a:xfrm>
+            <a:off x="3619499" y="4693298"/>
+            <a:ext cx="1488233" cy="369332"/>
+          </a:xfrm>
+          <a:prstGeom prst="rect">
+            <a:avLst/>
+          </a:prstGeom>
+          <a:noFill/>
+        </p:spPr>
+        <p:txBody>
+          <a:bodyPr wrap="square" rtlCol="0">
+            <a:spAutoFit/>
+          </a:bodyPr>
+          <a:lstStyle/>
+          <a:p>
+            <a:r>
+              <a:rPr lang="en-GB" dirty="0">
+                <a:latin typeface="Segoe UI" panose="020B0502040204020203" pitchFamily="34" charset="0"/>
+                <a:cs typeface="Segoe UI" panose="020B0502040204020203" pitchFamily="34" charset="0"/>
+              </a:rPr>
+              <a:t>Framework 2</a:t>
+            </a:r>
+          </a:p>
+        </p:txBody>
+      </p:sp>
+      <p:sp>
+        <p:nvSpPr>
+          <p:cNvPr id="21" name="TextBox 20">
+            <a:extLst>
+              <a:ext uri="{FF2B5EF4-FFF2-40B4-BE49-F238E27FC236}">
+                <a16:creationId xmlns:a16="http://schemas.microsoft.com/office/drawing/2014/main" id="{000E004F-3DEE-453A-880F-3667A9536687}"/>
+              </a:ext>
+            </a:extLst>
+          </p:cNvPr>
+          <p:cNvSpPr txBox="1"/>
+          <p:nvPr/>
+        </p:nvSpPr>
+        <p:spPr>
+          <a:xfrm>
+            <a:off x="1091681" y="4693298"/>
+            <a:ext cx="1488233" cy="369332"/>
+          </a:xfrm>
+          <a:prstGeom prst="rect">
+            <a:avLst/>
+          </a:prstGeom>
+          <a:noFill/>
+        </p:spPr>
+        <p:txBody>
+          <a:bodyPr wrap="square" rtlCol="0">
+            <a:spAutoFit/>
+          </a:bodyPr>
+          <a:lstStyle/>
+          <a:p>
+            <a:r>
+              <a:rPr lang="en-GB" dirty="0">
+                <a:latin typeface="Segoe UI" panose="020B0502040204020203" pitchFamily="34" charset="0"/>
+                <a:cs typeface="Segoe UI" panose="020B0502040204020203" pitchFamily="34" charset="0"/>
+              </a:rPr>
+              <a:t>Framework 1</a:t>
+            </a:r>
+          </a:p>
+        </p:txBody>
+      </p:sp>
+      <p:sp>
+        <p:nvSpPr>
+          <p:cNvPr id="23" name="Rectangle: Rounded Corners 22">
+            <a:extLst>
+              <a:ext uri="{FF2B5EF4-FFF2-40B4-BE49-F238E27FC236}">
+                <a16:creationId xmlns:a16="http://schemas.microsoft.com/office/drawing/2014/main" id="{B8A217E0-2E19-412E-A686-048F33BFC561}"/>
+              </a:ext>
+            </a:extLst>
+          </p:cNvPr>
+          <p:cNvSpPr/>
+          <p:nvPr/>
+        </p:nvSpPr>
+        <p:spPr>
+          <a:xfrm>
+            <a:off x="9193762" y="709127"/>
+            <a:ext cx="2251787" cy="4609322"/>
+          </a:xfrm>
+          <a:prstGeom prst="roundRect">
+            <a:avLst/>
+          </a:prstGeom>
+          <a:solidFill>
+            <a:schemeClr val="bg1">
+              <a:lumMod val="85000"/>
+            </a:schemeClr>
+          </a:solidFill>
+          <a:ln w="28575">
+            <a:solidFill>
+              <a:srgbClr val="FF0000"/>
+            </a:solidFill>
+          </a:ln>
+        </p:spPr>
+        <p:style>
+          <a:lnRef idx="2">
+            <a:schemeClr val="accent1">
+              <a:shade val="50000"/>
+            </a:schemeClr>
+          </a:lnRef>
+          <a:fillRef idx="1">
+            <a:schemeClr val="accent1"/>
+          </a:fillRef>
+          <a:effectRef idx="0">
+            <a:schemeClr val="accent1"/>
+          </a:effectRef>
+          <a:fontRef idx="minor">
+            <a:schemeClr val="lt1"/>
+          </a:fontRef>
+        </p:style>
+        <p:txBody>
+          <a:bodyPr rtlCol="0" anchor="ctr"/>
+          <a:lstStyle/>
+          <a:p>
+            <a:pPr algn="ctr"/>
+            <a:endParaRPr lang="en-GB">
+              <a:latin typeface="Segoe UI" panose="020B0502040204020203" pitchFamily="34" charset="0"/>
+              <a:cs typeface="Segoe UI" panose="020B0502040204020203" pitchFamily="34" charset="0"/>
+            </a:endParaRPr>
+          </a:p>
+        </p:txBody>
+      </p:sp>
+      <p:cxnSp>
+        <p:nvCxnSpPr>
+          <p:cNvPr id="18" name="Straight Arrow Connector 17">
+            <a:extLst>
+              <a:ext uri="{FF2B5EF4-FFF2-40B4-BE49-F238E27FC236}">
+                <a16:creationId xmlns:a16="http://schemas.microsoft.com/office/drawing/2014/main" id="{5F7D620A-347A-4465-8346-ADDE9EFF331B}"/>
+              </a:ext>
+            </a:extLst>
+          </p:cNvPr>
+          <p:cNvCxnSpPr>
+            <a:cxnSpLocks/>
+          </p:cNvCxnSpPr>
+          <p:nvPr/>
+        </p:nvCxnSpPr>
+        <p:spPr>
+          <a:xfrm flipV="1">
+            <a:off x="1688841" y="1346327"/>
+            <a:ext cx="0" cy="3029730"/>
+          </a:xfrm>
+          <a:prstGeom prst="straightConnector1">
+            <a:avLst/>
+          </a:prstGeom>
+          <a:ln w="38100">
+            <a:solidFill>
+              <a:schemeClr val="accent1">
+                <a:lumMod val="75000"/>
+              </a:schemeClr>
+            </a:solidFill>
+            <a:tailEnd type="triangle"/>
+          </a:ln>
+        </p:spPr>
+        <p:style>
+          <a:lnRef idx="1">
+            <a:schemeClr val="accent1"/>
+          </a:lnRef>
+          <a:fillRef idx="0">
+            <a:schemeClr val="accent1"/>
+          </a:fillRef>
+          <a:effectRef idx="0">
+            <a:schemeClr val="accent1"/>
+          </a:effectRef>
+          <a:fontRef idx="minor">
+            <a:schemeClr val="tx1"/>
+          </a:fontRef>
+        </p:style>
+      </p:cxnSp>
+      <p:cxnSp>
+        <p:nvCxnSpPr>
+          <p:cNvPr id="22" name="Straight Arrow Connector 21">
+            <a:extLst>
+              <a:ext uri="{FF2B5EF4-FFF2-40B4-BE49-F238E27FC236}">
+                <a16:creationId xmlns:a16="http://schemas.microsoft.com/office/drawing/2014/main" id="{58038E94-A816-4097-B154-9278E5E3AEC5}"/>
+              </a:ext>
+            </a:extLst>
+          </p:cNvPr>
+          <p:cNvCxnSpPr>
+            <a:cxnSpLocks/>
+          </p:cNvCxnSpPr>
+          <p:nvPr/>
+        </p:nvCxnSpPr>
+        <p:spPr>
+          <a:xfrm flipV="1">
+            <a:off x="4266429" y="2692866"/>
+            <a:ext cx="0" cy="1713902"/>
+          </a:xfrm>
+          <a:prstGeom prst="straightConnector1">
+            <a:avLst/>
+          </a:prstGeom>
+          <a:ln w="38100">
+            <a:solidFill>
+              <a:schemeClr val="accent1">
+                <a:lumMod val="75000"/>
+              </a:schemeClr>
+            </a:solidFill>
+            <a:tailEnd type="triangle"/>
+          </a:ln>
+        </p:spPr>
+        <p:style>
+          <a:lnRef idx="1">
+            <a:schemeClr val="accent1"/>
+          </a:lnRef>
+          <a:fillRef idx="0">
+            <a:schemeClr val="accent1"/>
+          </a:fillRef>
+          <a:effectRef idx="0">
+            <a:schemeClr val="accent1"/>
+          </a:effectRef>
+          <a:fontRef idx="minor">
+            <a:schemeClr val="tx1"/>
+          </a:fontRef>
+        </p:style>
+      </p:cxnSp>
+      <p:cxnSp>
+        <p:nvCxnSpPr>
+          <p:cNvPr id="25" name="Straight Arrow Connector 24">
+            <a:extLst>
+              <a:ext uri="{FF2B5EF4-FFF2-40B4-BE49-F238E27FC236}">
+                <a16:creationId xmlns:a16="http://schemas.microsoft.com/office/drawing/2014/main" id="{CE3C969B-AEB4-4EC9-9A8E-B3AE9B64804C}"/>
+              </a:ext>
+            </a:extLst>
+          </p:cNvPr>
+          <p:cNvCxnSpPr/>
+          <p:nvPr/>
+        </p:nvCxnSpPr>
+        <p:spPr>
+          <a:xfrm flipV="1">
+            <a:off x="6263180" y="1666564"/>
+            <a:ext cx="0" cy="2740204"/>
+          </a:xfrm>
+          <a:prstGeom prst="straightConnector1">
+            <a:avLst/>
+          </a:prstGeom>
+          <a:ln w="38100">
+            <a:solidFill>
+              <a:schemeClr val="accent1">
+                <a:lumMod val="75000"/>
+              </a:schemeClr>
+            </a:solidFill>
+            <a:tailEnd type="triangle"/>
+          </a:ln>
+        </p:spPr>
+        <p:style>
+          <a:lnRef idx="1">
+            <a:schemeClr val="accent1"/>
+          </a:lnRef>
+          <a:fillRef idx="0">
+            <a:schemeClr val="accent1"/>
+          </a:fillRef>
+          <a:effectRef idx="0">
+            <a:schemeClr val="accent1"/>
+          </a:effectRef>
+          <a:fontRef idx="minor">
+            <a:schemeClr val="tx1"/>
+          </a:fontRef>
+        </p:style>
+      </p:cxnSp>
+      <p:sp>
+        <p:nvSpPr>
+          <p:cNvPr id="2" name="TextBox 1">
+            <a:extLst>
+              <a:ext uri="{FF2B5EF4-FFF2-40B4-BE49-F238E27FC236}">
+                <a16:creationId xmlns:a16="http://schemas.microsoft.com/office/drawing/2014/main" id="{750521FD-EDC1-47B6-839B-F4D55BFCABCF}"/>
+              </a:ext>
+            </a:extLst>
+          </p:cNvPr>
+          <p:cNvSpPr txBox="1"/>
+          <p:nvPr/>
+        </p:nvSpPr>
+        <p:spPr>
+          <a:xfrm>
+            <a:off x="1388706" y="830901"/>
+            <a:ext cx="3590988" cy="646331"/>
+          </a:xfrm>
+          <a:prstGeom prst="rect">
+            <a:avLst/>
+          </a:prstGeom>
+          <a:noFill/>
+        </p:spPr>
+        <p:txBody>
+          <a:bodyPr wrap="square" rtlCol="0">
+            <a:spAutoFit/>
+          </a:bodyPr>
+          <a:lstStyle/>
+          <a:p>
+            <a:r>
+              <a:rPr lang="en-GB" dirty="0">
+                <a:solidFill>
+                  <a:schemeClr val="accent1">
+                    <a:lumMod val="75000"/>
+                  </a:schemeClr>
+                </a:solidFill>
+              </a:rPr>
+              <a:t>&lt;script src=“bundle.js”&gt;&lt;/script&gt;</a:t>
+            </a:r>
+          </a:p>
+          <a:p>
+            <a:r>
+              <a:rPr lang="en-GB" dirty="0">
+                <a:solidFill>
+                  <a:schemeClr val="accent1">
+                    <a:lumMod val="75000"/>
+                  </a:schemeClr>
+                </a:solidFill>
+              </a:rPr>
+              <a:t>&lt;div id=“app”&gt;</a:t>
+            </a:r>
+          </a:p>
+        </p:txBody>
+      </p:sp>
+      <p:sp>
+        <p:nvSpPr>
+          <p:cNvPr id="26" name="TextBox 25">
+            <a:extLst>
+              <a:ext uri="{FF2B5EF4-FFF2-40B4-BE49-F238E27FC236}">
+                <a16:creationId xmlns:a16="http://schemas.microsoft.com/office/drawing/2014/main" id="{92E01203-6628-42AA-B191-2BE8EE04C15B}"/>
+              </a:ext>
+            </a:extLst>
+          </p:cNvPr>
+          <p:cNvSpPr txBox="1"/>
+          <p:nvPr/>
+        </p:nvSpPr>
+        <p:spPr>
+          <a:xfrm>
+            <a:off x="9728713" y="1046454"/>
+            <a:ext cx="1278294" cy="369332"/>
+          </a:xfrm>
+          <a:prstGeom prst="rect">
+            <a:avLst/>
+          </a:prstGeom>
+          <a:solidFill>
+            <a:schemeClr val="accent1">
+              <a:lumMod val="60000"/>
+              <a:lumOff val="40000"/>
+            </a:schemeClr>
+          </a:solidFill>
+        </p:spPr>
+        <p:style>
+          <a:lnRef idx="2">
+            <a:schemeClr val="accent6">
+              <a:shade val="50000"/>
+            </a:schemeClr>
+          </a:lnRef>
+          <a:fillRef idx="1">
+            <a:schemeClr val="accent6"/>
+          </a:fillRef>
+          <a:effectRef idx="0">
+            <a:schemeClr val="accent6"/>
+          </a:effectRef>
+          <a:fontRef idx="minor">
+            <a:schemeClr val="lt1"/>
+          </a:fontRef>
+        </p:style>
+        <p:txBody>
+          <a:bodyPr rtlCol="0" anchor="ctr"/>
+          <a:lstStyle>
+            <a:defPPr>
+              <a:defRPr lang="en-US"/>
+            </a:defPPr>
+            <a:lvl1pPr algn="ctr">
+              <a:defRPr>
+                <a:solidFill>
+                  <a:schemeClr val="lt1"/>
+                </a:solidFill>
+                <a:latin typeface="Segoe UI" panose="020B0502040204020203" pitchFamily="34" charset="0"/>
+                <a:cs typeface="Segoe UI" panose="020B0502040204020203" pitchFamily="34" charset="0"/>
+              </a:defRPr>
+            </a:lvl1pPr>
+            <a:lvl2pPr>
+              <a:defRPr>
+                <a:solidFill>
+                  <a:schemeClr val="lt1"/>
+                </a:solidFill>
+              </a:defRPr>
+            </a:lvl2pPr>
+            <a:lvl3pPr>
+              <a:defRPr>
+                <a:solidFill>
+                  <a:schemeClr val="lt1"/>
+                </a:solidFill>
+              </a:defRPr>
+            </a:lvl3pPr>
+            <a:lvl4pPr>
+              <a:defRPr>
+                <a:solidFill>
+                  <a:schemeClr val="lt1"/>
+                </a:solidFill>
+              </a:defRPr>
+            </a:lvl4pPr>
+            <a:lvl5pPr>
+              <a:defRPr>
+                <a:solidFill>
+                  <a:schemeClr val="lt1"/>
+                </a:solidFill>
+              </a:defRPr>
+            </a:lvl5pPr>
+            <a:lvl6pPr>
+              <a:defRPr>
+                <a:solidFill>
+                  <a:schemeClr val="lt1"/>
+                </a:solidFill>
+              </a:defRPr>
+            </a:lvl6pPr>
+            <a:lvl7pPr>
+              <a:defRPr>
+                <a:solidFill>
+                  <a:schemeClr val="lt1"/>
+                </a:solidFill>
+              </a:defRPr>
+            </a:lvl7pPr>
+            <a:lvl8pPr>
+              <a:defRPr>
+                <a:solidFill>
+                  <a:schemeClr val="lt1"/>
+                </a:solidFill>
+              </a:defRPr>
+            </a:lvl8pPr>
+            <a:lvl9pPr>
+              <a:defRPr>
+                <a:solidFill>
+                  <a:schemeClr val="lt1"/>
+                </a:solidFill>
+              </a:defRPr>
+            </a:lvl9pPr>
+          </a:lstStyle>
+          <a:p>
+            <a:r>
+              <a:rPr lang="en-GB" dirty="0"/>
+              <a:t>WordPress</a:t>
+            </a:r>
+          </a:p>
+        </p:txBody>
+      </p:sp>
+      <p:pic>
+        <p:nvPicPr>
+          <p:cNvPr id="4" name="Graphic 3" descr="Sad face with no fill">
+            <a:extLst>
+              <a:ext uri="{FF2B5EF4-FFF2-40B4-BE49-F238E27FC236}">
+                <a16:creationId xmlns:a16="http://schemas.microsoft.com/office/drawing/2014/main" id="{66A14EB3-BF63-41D8-9A63-AE052D7983C9}"/>
+              </a:ext>
+            </a:extLst>
+          </p:cNvPr>
+          <p:cNvPicPr>
+            <a:picLocks noChangeAspect="1"/>
+          </p:cNvPicPr>
+          <p:nvPr/>
+        </p:nvPicPr>
+        <p:blipFill>
+          <a:blip r:embed="rId2">
+            <a:extLst>
+              <a:ext uri="{28A0092B-C50C-407E-A947-70E740481C1C}">
+                <a14:useLocalDpi xmlns:a14="http://schemas.microsoft.com/office/drawing/2010/main" val="0"/>
+              </a:ext>
+              <a:ext uri="{96DAC541-7B7A-43D3-8B79-37D633B846F1}">
+                <asvg:svgBlip xmlns:asvg="http://schemas.microsoft.com/office/drawing/2016/SVG/main" r:embed="rId3"/>
+              </a:ext>
+            </a:extLst>
+          </a:blip>
+          <a:stretch>
+            <a:fillRect/>
+          </a:stretch>
+        </p:blipFill>
+        <p:spPr>
+          <a:xfrm>
+            <a:off x="9259074" y="1901863"/>
+            <a:ext cx="2155961" cy="2155961"/>
+          </a:xfrm>
+          <a:prstGeom prst="rect">
+            <a:avLst/>
+          </a:prstGeom>
+        </p:spPr>
+      </p:pic>
+    </p:spTree>
+    <p:extLst>
+      <p:ext uri="{BB962C8B-B14F-4D97-AF65-F5344CB8AC3E}">
+        <p14:creationId xmlns:p14="http://schemas.microsoft.com/office/powerpoint/2010/main" val="2165501006"/>
+      </p:ext>
+    </p:extLst>
+  </p:cSld>
+  <p:clrMapOvr>
+    <a:masterClrMapping/>
+  </p:clrMapOvr>
+</p:sld>
+</file>
+
+<file path=ppt/slides/slide5.xml><?xml version="1.0" encoding="utf-8"?>
+<p:sld xmlns:a="http://schemas.openxmlformats.org/drawingml/2006/main" xmlns:r="http://schemas.openxmlformats.org/officeDocument/2006/relationships" xmlns:p="http://schemas.openxmlformats.org/presentationml/2006/main">
+  <p:cSld>
+    <p:spTree>
+      <p:nvGrpSpPr>
+        <p:cNvPr id="1" name=""/>
+        <p:cNvGrpSpPr/>
+        <p:nvPr/>
+      </p:nvGrpSpPr>
+      <p:grpSpPr>
+        <a:xfrm>
+          <a:off x="0" y="0"/>
+          <a:ext cx="0" cy="0"/>
+          <a:chOff x="0" y="0"/>
+          <a:chExt cx="0" cy="0"/>
+        </a:xfrm>
+      </p:grpSpPr>
+      <p:sp>
+        <p:nvSpPr>
+          <p:cNvPr id="5" name="Rectangle: Rounded Corners 4">
+            <a:extLst>
+              <a:ext uri="{FF2B5EF4-FFF2-40B4-BE49-F238E27FC236}">
+                <a16:creationId xmlns:a16="http://schemas.microsoft.com/office/drawing/2014/main" id="{65B1CF75-47B8-4AC4-BD1E-926B376FD50D}"/>
+              </a:ext>
+            </a:extLst>
+          </p:cNvPr>
+          <p:cNvSpPr/>
+          <p:nvPr/>
+        </p:nvSpPr>
+        <p:spPr>
+          <a:xfrm>
+            <a:off x="886408" y="4376057"/>
+            <a:ext cx="1819470" cy="942392"/>
+          </a:xfrm>
+          <a:prstGeom prst="roundRect">
+            <a:avLst/>
+          </a:prstGeom>
+          <a:solidFill>
+            <a:schemeClr val="bg1">
+              <a:lumMod val="85000"/>
+            </a:schemeClr>
+          </a:solidFill>
+          <a:ln w="28575">
+            <a:solidFill>
+              <a:srgbClr val="FF0000"/>
+            </a:solidFill>
+          </a:ln>
+        </p:spPr>
+        <p:style>
+          <a:lnRef idx="2">
+            <a:schemeClr val="accent1">
+              <a:shade val="50000"/>
+            </a:schemeClr>
+          </a:lnRef>
+          <a:fillRef idx="1">
+            <a:schemeClr val="accent1"/>
+          </a:fillRef>
+          <a:effectRef idx="0">
+            <a:schemeClr val="accent1"/>
+          </a:effectRef>
+          <a:fontRef idx="minor">
+            <a:schemeClr val="lt1"/>
+          </a:fontRef>
+        </p:style>
+        <p:txBody>
+          <a:bodyPr rtlCol="0" anchor="ctr"/>
+          <a:lstStyle/>
+          <a:p>
+            <a:pPr algn="ctr"/>
+            <a:endParaRPr lang="en-GB">
+              <a:latin typeface="Segoe UI" panose="020B0502040204020203" pitchFamily="34" charset="0"/>
+              <a:cs typeface="Segoe UI" panose="020B0502040204020203" pitchFamily="34" charset="0"/>
+            </a:endParaRPr>
+          </a:p>
+        </p:txBody>
+      </p:sp>
+      <p:cxnSp>
+        <p:nvCxnSpPr>
+          <p:cNvPr id="9" name="Straight Connector 8">
+            <a:extLst>
+              <a:ext uri="{FF2B5EF4-FFF2-40B4-BE49-F238E27FC236}">
+                <a16:creationId xmlns:a16="http://schemas.microsoft.com/office/drawing/2014/main" id="{8ECDE257-0E06-4C73-B713-15F600FA91AE}"/>
+              </a:ext>
+            </a:extLst>
+          </p:cNvPr>
+          <p:cNvCxnSpPr>
+            <a:cxnSpLocks/>
+          </p:cNvCxnSpPr>
+          <p:nvPr/>
+        </p:nvCxnSpPr>
+        <p:spPr>
+          <a:xfrm>
+            <a:off x="3097763" y="3437944"/>
+            <a:ext cx="0" cy="2449286"/>
+          </a:xfrm>
+          <a:prstGeom prst="line">
+            <a:avLst/>
+          </a:prstGeom>
+          <a:ln w="15875" cmpd="dbl">
+            <a:solidFill>
+              <a:schemeClr val="accent6">
+                <a:lumMod val="75000"/>
+              </a:schemeClr>
+            </a:solidFill>
+            <a:prstDash val="lgDash"/>
+          </a:ln>
+        </p:spPr>
+        <p:style>
+          <a:lnRef idx="1">
+            <a:schemeClr val="accent1"/>
+          </a:lnRef>
+          <a:fillRef idx="0">
+            <a:schemeClr val="accent1"/>
+          </a:fillRef>
+          <a:effectRef idx="0">
+            <a:schemeClr val="accent1"/>
+          </a:effectRef>
+          <a:fontRef idx="minor">
+            <a:schemeClr val="tx1"/>
+          </a:fontRef>
+        </p:style>
+      </p:cxnSp>
+      <p:sp>
+        <p:nvSpPr>
+          <p:cNvPr id="11" name="Rectangle: Rounded Corners 10">
+            <a:extLst>
+              <a:ext uri="{FF2B5EF4-FFF2-40B4-BE49-F238E27FC236}">
+                <a16:creationId xmlns:a16="http://schemas.microsoft.com/office/drawing/2014/main" id="{1D5DB675-0CE6-474A-B918-0BBB81FDF253}"/>
+              </a:ext>
+            </a:extLst>
+          </p:cNvPr>
+          <p:cNvSpPr/>
+          <p:nvPr/>
+        </p:nvSpPr>
+        <p:spPr>
+          <a:xfrm>
+            <a:off x="9193764" y="709127"/>
+            <a:ext cx="2251787" cy="4609322"/>
+          </a:xfrm>
+          <a:prstGeom prst="roundRect">
+            <a:avLst/>
+          </a:prstGeom>
+          <a:solidFill>
+            <a:schemeClr val="bg1">
+              <a:lumMod val="85000"/>
+            </a:schemeClr>
+          </a:solidFill>
+          <a:ln w="28575">
+            <a:solidFill>
+              <a:srgbClr val="FF0000"/>
+            </a:solidFill>
+          </a:ln>
+        </p:spPr>
+        <p:style>
+          <a:lnRef idx="2">
+            <a:schemeClr val="accent1">
+              <a:shade val="50000"/>
+            </a:schemeClr>
+          </a:lnRef>
+          <a:fillRef idx="1">
+            <a:schemeClr val="accent1"/>
+          </a:fillRef>
+          <a:effectRef idx="0">
+            <a:schemeClr val="accent1"/>
+          </a:effectRef>
+          <a:fontRef idx="minor">
+            <a:schemeClr val="lt1"/>
+          </a:fontRef>
+        </p:style>
+        <p:txBody>
+          <a:bodyPr rtlCol="0" anchor="ctr"/>
+          <a:lstStyle/>
+          <a:p>
+            <a:pPr algn="ctr"/>
+            <a:endParaRPr lang="en-GB">
+              <a:latin typeface="Segoe UI" panose="020B0502040204020203" pitchFamily="34" charset="0"/>
+              <a:cs typeface="Segoe UI" panose="020B0502040204020203" pitchFamily="34" charset="0"/>
+            </a:endParaRPr>
+          </a:p>
+        </p:txBody>
+      </p:sp>
+      <p:sp>
+        <p:nvSpPr>
+          <p:cNvPr id="13" name="Rectangle: Rounded Corners 12">
+            <a:extLst>
+              <a:ext uri="{FF2B5EF4-FFF2-40B4-BE49-F238E27FC236}">
+                <a16:creationId xmlns:a16="http://schemas.microsoft.com/office/drawing/2014/main" id="{497DB97B-039D-4182-8A21-C324F5A05084}"/>
+              </a:ext>
+            </a:extLst>
+          </p:cNvPr>
+          <p:cNvSpPr/>
+          <p:nvPr/>
+        </p:nvSpPr>
+        <p:spPr>
+          <a:xfrm>
+            <a:off x="1003054" y="777913"/>
+            <a:ext cx="6884431" cy="2183363"/>
+          </a:xfrm>
+          <a:prstGeom prst="roundRect">
+            <a:avLst/>
+          </a:prstGeom>
+          <a:solidFill>
+            <a:schemeClr val="bg1">
+              <a:lumMod val="85000"/>
+            </a:schemeClr>
+          </a:solidFill>
+          <a:ln w="28575">
+            <a:solidFill>
+              <a:srgbClr val="FF0000"/>
+            </a:solidFill>
+          </a:ln>
+        </p:spPr>
+        <p:style>
+          <a:lnRef idx="2">
+            <a:schemeClr val="accent1">
+              <a:shade val="50000"/>
+            </a:schemeClr>
+          </a:lnRef>
+          <a:fillRef idx="1">
+            <a:schemeClr val="accent1"/>
+          </a:fillRef>
+          <a:effectRef idx="0">
+            <a:schemeClr val="accent1"/>
+          </a:effectRef>
+          <a:fontRef idx="minor">
+            <a:schemeClr val="lt1"/>
+          </a:fontRef>
+        </p:style>
+        <p:txBody>
+          <a:bodyPr rtlCol="0" anchor="ctr"/>
+          <a:lstStyle/>
+          <a:p>
+            <a:pPr algn="ctr"/>
+            <a:endParaRPr lang="en-GB">
+              <a:latin typeface="Segoe UI" panose="020B0502040204020203" pitchFamily="34" charset="0"/>
+              <a:cs typeface="Segoe UI" panose="020B0502040204020203" pitchFamily="34" charset="0"/>
+            </a:endParaRPr>
+          </a:p>
+        </p:txBody>
+      </p:sp>
+      <p:sp>
+        <p:nvSpPr>
+          <p:cNvPr id="14" name="Rectangle: Rounded Corners 13">
+            <a:extLst>
+              <a:ext uri="{FF2B5EF4-FFF2-40B4-BE49-F238E27FC236}">
+                <a16:creationId xmlns:a16="http://schemas.microsoft.com/office/drawing/2014/main" id="{670B406B-FAA1-4A47-9E0F-388A4554F760}"/>
+              </a:ext>
+            </a:extLst>
+          </p:cNvPr>
+          <p:cNvSpPr/>
+          <p:nvPr/>
+        </p:nvSpPr>
+        <p:spPr>
+          <a:xfrm>
+            <a:off x="5951371" y="4406768"/>
+            <a:ext cx="1819465" cy="942392"/>
+          </a:xfrm>
+          <a:prstGeom prst="roundRect">
+            <a:avLst/>
+          </a:prstGeom>
+          <a:solidFill>
+            <a:schemeClr val="bg1">
+              <a:lumMod val="85000"/>
+            </a:schemeClr>
+          </a:solidFill>
+          <a:ln w="28575">
+            <a:solidFill>
+              <a:srgbClr val="FF0000"/>
+            </a:solidFill>
+          </a:ln>
+        </p:spPr>
+        <p:style>
+          <a:lnRef idx="2">
+            <a:schemeClr val="accent1">
+              <a:shade val="50000"/>
+            </a:schemeClr>
+          </a:lnRef>
+          <a:fillRef idx="1">
+            <a:schemeClr val="accent1"/>
+          </a:fillRef>
+          <a:effectRef idx="0">
+            <a:schemeClr val="accent1"/>
+          </a:effectRef>
+          <a:fontRef idx="minor">
+            <a:schemeClr val="lt1"/>
+          </a:fontRef>
+        </p:style>
+        <p:txBody>
+          <a:bodyPr rtlCol="0" anchor="ctr"/>
+          <a:lstStyle/>
+          <a:p>
+            <a:pPr algn="ctr"/>
+            <a:endParaRPr lang="en-GB">
+              <a:latin typeface="Segoe UI" panose="020B0502040204020203" pitchFamily="34" charset="0"/>
+              <a:cs typeface="Segoe UI" panose="020B0502040204020203" pitchFamily="34" charset="0"/>
+            </a:endParaRPr>
+          </a:p>
+        </p:txBody>
+      </p:sp>
+      <p:sp>
+        <p:nvSpPr>
+          <p:cNvPr id="15" name="Rectangle: Rounded Corners 14">
+            <a:extLst>
+              <a:ext uri="{FF2B5EF4-FFF2-40B4-BE49-F238E27FC236}">
+                <a16:creationId xmlns:a16="http://schemas.microsoft.com/office/drawing/2014/main" id="{56FA4A14-0892-4CE1-BE7A-A2056ECF1DAC}"/>
+              </a:ext>
+            </a:extLst>
+          </p:cNvPr>
+          <p:cNvSpPr/>
+          <p:nvPr/>
+        </p:nvSpPr>
+        <p:spPr>
+          <a:xfrm>
+            <a:off x="3456987" y="4406768"/>
+            <a:ext cx="1895667" cy="942392"/>
+          </a:xfrm>
+          <a:prstGeom prst="roundRect">
+            <a:avLst/>
+          </a:prstGeom>
+          <a:solidFill>
+            <a:schemeClr val="bg1">
+              <a:lumMod val="85000"/>
+            </a:schemeClr>
+          </a:solidFill>
+          <a:ln w="28575">
+            <a:solidFill>
+              <a:srgbClr val="FF0000"/>
+            </a:solidFill>
+          </a:ln>
+        </p:spPr>
+        <p:style>
+          <a:lnRef idx="2">
+            <a:schemeClr val="accent1">
+              <a:shade val="50000"/>
+            </a:schemeClr>
+          </a:lnRef>
+          <a:fillRef idx="1">
+            <a:schemeClr val="accent1"/>
+          </a:fillRef>
+          <a:effectRef idx="0">
+            <a:schemeClr val="accent1"/>
+          </a:effectRef>
+          <a:fontRef idx="minor">
+            <a:schemeClr val="lt1"/>
+          </a:fontRef>
+        </p:style>
+        <p:txBody>
+          <a:bodyPr rtlCol="0" anchor="ctr"/>
+          <a:lstStyle/>
+          <a:p>
+            <a:pPr algn="ctr"/>
+            <a:endParaRPr lang="en-GB">
+              <a:latin typeface="Segoe UI" panose="020B0502040204020203" pitchFamily="34" charset="0"/>
+              <a:cs typeface="Segoe UI" panose="020B0502040204020203" pitchFamily="34" charset="0"/>
+            </a:endParaRPr>
+          </a:p>
+        </p:txBody>
+      </p:sp>
+      <p:cxnSp>
+        <p:nvCxnSpPr>
+          <p:cNvPr id="16" name="Straight Connector 15">
+            <a:extLst>
+              <a:ext uri="{FF2B5EF4-FFF2-40B4-BE49-F238E27FC236}">
+                <a16:creationId xmlns:a16="http://schemas.microsoft.com/office/drawing/2014/main" id="{B8646BD2-FF5F-47C6-9788-5228BF540137}"/>
+              </a:ext>
+            </a:extLst>
+          </p:cNvPr>
+          <p:cNvCxnSpPr>
+            <a:cxnSpLocks/>
+          </p:cNvCxnSpPr>
+          <p:nvPr/>
+        </p:nvCxnSpPr>
+        <p:spPr>
+          <a:xfrm>
+            <a:off x="5592147" y="3429000"/>
+            <a:ext cx="0" cy="2449286"/>
+          </a:xfrm>
+          <a:prstGeom prst="line">
+            <a:avLst/>
+          </a:prstGeom>
+          <a:ln w="15875" cmpd="dbl">
+            <a:solidFill>
+              <a:schemeClr val="accent6">
+                <a:lumMod val="75000"/>
+              </a:schemeClr>
+            </a:solidFill>
+            <a:prstDash val="lgDash"/>
+          </a:ln>
+        </p:spPr>
+        <p:style>
+          <a:lnRef idx="1">
+            <a:schemeClr val="accent1"/>
+          </a:lnRef>
+          <a:fillRef idx="0">
+            <a:schemeClr val="accent1"/>
+          </a:fillRef>
+          <a:effectRef idx="0">
+            <a:schemeClr val="accent1"/>
+          </a:effectRef>
+          <a:fontRef idx="minor">
+            <a:schemeClr val="tx1"/>
+          </a:fontRef>
+        </p:style>
+      </p:cxnSp>
+      <p:sp>
+        <p:nvSpPr>
+          <p:cNvPr id="17" name="TextBox 16">
+            <a:extLst>
+              <a:ext uri="{FF2B5EF4-FFF2-40B4-BE49-F238E27FC236}">
+                <a16:creationId xmlns:a16="http://schemas.microsoft.com/office/drawing/2014/main" id="{6E8BFC32-3AFA-4B4C-9172-2CBE21A80A58}"/>
+              </a:ext>
+            </a:extLst>
+          </p:cNvPr>
+          <p:cNvSpPr txBox="1"/>
+          <p:nvPr/>
+        </p:nvSpPr>
+        <p:spPr>
+          <a:xfrm>
+            <a:off x="2908044" y="1063132"/>
+            <a:ext cx="3187956" cy="1446550"/>
+          </a:xfrm>
+          <a:prstGeom prst="rect">
+            <a:avLst/>
+          </a:prstGeom>
+          <a:noFill/>
+        </p:spPr>
+        <p:txBody>
+          <a:bodyPr wrap="square" rtlCol="0">
+            <a:spAutoFit/>
+          </a:bodyPr>
+          <a:lstStyle/>
+          <a:p>
+            <a:r>
+              <a:rPr lang="en-GB" sz="8800" dirty="0">
+                <a:latin typeface="Segoe UI" panose="020B0502040204020203" pitchFamily="34" charset="0"/>
+                <a:cs typeface="Segoe UI" panose="020B0502040204020203" pitchFamily="34" charset="0"/>
+              </a:rPr>
+              <a:t>HTML</a:t>
+            </a:r>
+          </a:p>
+        </p:txBody>
+      </p:sp>
+      <p:sp>
+        <p:nvSpPr>
+          <p:cNvPr id="19" name="TextBox 18">
+            <a:extLst>
+              <a:ext uri="{FF2B5EF4-FFF2-40B4-BE49-F238E27FC236}">
+                <a16:creationId xmlns:a16="http://schemas.microsoft.com/office/drawing/2014/main" id="{C81F58F9-1FC7-477B-877C-80F0959EBC0E}"/>
+              </a:ext>
+            </a:extLst>
+          </p:cNvPr>
+          <p:cNvSpPr txBox="1"/>
+          <p:nvPr/>
+        </p:nvSpPr>
+        <p:spPr>
+          <a:xfrm>
+            <a:off x="6019022" y="4693298"/>
+            <a:ext cx="1702057" cy="369332"/>
+          </a:xfrm>
+          <a:prstGeom prst="rect">
+            <a:avLst/>
+          </a:prstGeom>
+          <a:noFill/>
+        </p:spPr>
+        <p:txBody>
+          <a:bodyPr wrap="square" rtlCol="0">
+            <a:spAutoFit/>
+          </a:bodyPr>
+          <a:lstStyle/>
+          <a:p>
+            <a:r>
+              <a:rPr lang="en-GB" dirty="0">
+                <a:latin typeface="Segoe UI" panose="020B0502040204020203" pitchFamily="34" charset="0"/>
+                <a:cs typeface="Segoe UI" panose="020B0502040204020203" pitchFamily="34" charset="0"/>
+              </a:rPr>
+              <a:t>Framework ...n</a:t>
+            </a:r>
+          </a:p>
+        </p:txBody>
+      </p:sp>
+      <p:sp>
+        <p:nvSpPr>
+          <p:cNvPr id="20" name="TextBox 19">
+            <a:extLst>
+              <a:ext uri="{FF2B5EF4-FFF2-40B4-BE49-F238E27FC236}">
+                <a16:creationId xmlns:a16="http://schemas.microsoft.com/office/drawing/2014/main" id="{FB923CCF-0EA9-4C2D-AC00-B89B13CB18B9}"/>
+              </a:ext>
+            </a:extLst>
+          </p:cNvPr>
+          <p:cNvSpPr txBox="1"/>
+          <p:nvPr/>
+        </p:nvSpPr>
+        <p:spPr>
+          <a:xfrm>
+            <a:off x="3619499" y="4693298"/>
+            <a:ext cx="1488233" cy="369332"/>
+          </a:xfrm>
+          <a:prstGeom prst="rect">
+            <a:avLst/>
+          </a:prstGeom>
+          <a:noFill/>
+        </p:spPr>
+        <p:txBody>
+          <a:bodyPr wrap="square" rtlCol="0">
+            <a:spAutoFit/>
+          </a:bodyPr>
+          <a:lstStyle/>
+          <a:p>
+            <a:r>
+              <a:rPr lang="en-GB" dirty="0">
+                <a:latin typeface="Segoe UI" panose="020B0502040204020203" pitchFamily="34" charset="0"/>
+                <a:cs typeface="Segoe UI" panose="020B0502040204020203" pitchFamily="34" charset="0"/>
+              </a:rPr>
+              <a:t>Framework 2</a:t>
+            </a:r>
+          </a:p>
+        </p:txBody>
+      </p:sp>
+      <p:sp>
+        <p:nvSpPr>
+          <p:cNvPr id="21" name="TextBox 20">
+            <a:extLst>
+              <a:ext uri="{FF2B5EF4-FFF2-40B4-BE49-F238E27FC236}">
+                <a16:creationId xmlns:a16="http://schemas.microsoft.com/office/drawing/2014/main" id="{000E004F-3DEE-453A-880F-3667A9536687}"/>
+              </a:ext>
+            </a:extLst>
+          </p:cNvPr>
+          <p:cNvSpPr txBox="1"/>
+          <p:nvPr/>
+        </p:nvSpPr>
+        <p:spPr>
+          <a:xfrm>
+            <a:off x="1091681" y="4693298"/>
+            <a:ext cx="1488233" cy="369332"/>
+          </a:xfrm>
+          <a:prstGeom prst="rect">
+            <a:avLst/>
+          </a:prstGeom>
+          <a:noFill/>
+        </p:spPr>
+        <p:txBody>
+          <a:bodyPr wrap="square" rtlCol="0">
+            <a:spAutoFit/>
+          </a:bodyPr>
+          <a:lstStyle/>
+          <a:p>
+            <a:r>
+              <a:rPr lang="en-GB" dirty="0">
+                <a:latin typeface="Segoe UI" panose="020B0502040204020203" pitchFamily="34" charset="0"/>
+                <a:cs typeface="Segoe UI" panose="020B0502040204020203" pitchFamily="34" charset="0"/>
+              </a:rPr>
+              <a:t>Framework 1</a:t>
+            </a:r>
+          </a:p>
+        </p:txBody>
+      </p:sp>
+      <p:sp>
+        <p:nvSpPr>
+          <p:cNvPr id="2" name="Rectangle 1">
+            <a:extLst>
+              <a:ext uri="{FF2B5EF4-FFF2-40B4-BE49-F238E27FC236}">
+                <a16:creationId xmlns:a16="http://schemas.microsoft.com/office/drawing/2014/main" id="{FDD2DDAE-CA83-4119-9F26-87A3775E731D}"/>
+              </a:ext>
+            </a:extLst>
+          </p:cNvPr>
+          <p:cNvSpPr/>
+          <p:nvPr/>
+        </p:nvSpPr>
+        <p:spPr>
+          <a:xfrm>
+            <a:off x="886406" y="3150607"/>
+            <a:ext cx="6884431" cy="811764"/>
+          </a:xfrm>
+          <a:prstGeom prst="rect">
+            <a:avLst/>
+          </a:prstGeom>
+        </p:spPr>
+        <p:style>
+          <a:lnRef idx="2">
+            <a:schemeClr val="accent6">
+              <a:shade val="50000"/>
+            </a:schemeClr>
+          </a:lnRef>
+          <a:fillRef idx="1">
+            <a:schemeClr val="accent6"/>
+          </a:fillRef>
+          <a:effectRef idx="0">
+            <a:schemeClr val="accent6"/>
+          </a:effectRef>
+          <a:fontRef idx="minor">
+            <a:schemeClr val="lt1"/>
+          </a:fontRef>
+        </p:style>
+        <p:txBody>
+          <a:bodyPr rtlCol="0" anchor="ctr"/>
+          <a:lstStyle/>
+          <a:p>
+            <a:pPr algn="ctr"/>
+            <a:endParaRPr lang="en-GB">
+              <a:latin typeface="Segoe UI" panose="020B0502040204020203" pitchFamily="34" charset="0"/>
+              <a:cs typeface="Segoe UI" panose="020B0502040204020203" pitchFamily="34" charset="0"/>
+            </a:endParaRPr>
+          </a:p>
+        </p:txBody>
+      </p:sp>
+      <p:sp>
+        <p:nvSpPr>
+          <p:cNvPr id="3" name="TextBox 2">
+            <a:extLst>
+              <a:ext uri="{FF2B5EF4-FFF2-40B4-BE49-F238E27FC236}">
+                <a16:creationId xmlns:a16="http://schemas.microsoft.com/office/drawing/2014/main" id="{0F9AD193-E370-4053-AFC8-A661FCE69253}"/>
+              </a:ext>
+            </a:extLst>
+          </p:cNvPr>
+          <p:cNvSpPr txBox="1"/>
+          <p:nvPr/>
+        </p:nvSpPr>
+        <p:spPr>
+          <a:xfrm>
+            <a:off x="2292122" y="3288787"/>
+            <a:ext cx="4123332" cy="584775"/>
+          </a:xfrm>
+          <a:prstGeom prst="rect">
+            <a:avLst/>
+          </a:prstGeom>
+          <a:noFill/>
+        </p:spPr>
+        <p:txBody>
+          <a:bodyPr wrap="square" rtlCol="0">
+            <a:spAutoFit/>
+          </a:bodyPr>
+          <a:lstStyle/>
+          <a:p>
+            <a:r>
+              <a:rPr lang="en-GB" sz="3200" b="1" dirty="0">
+                <a:solidFill>
+                  <a:schemeClr val="bg1"/>
+                </a:solidFill>
+                <a:latin typeface="Segoe UI" panose="020B0502040204020203" pitchFamily="34" charset="0"/>
+                <a:cs typeface="Segoe UI" panose="020B0502040204020203" pitchFamily="34" charset="0"/>
+              </a:rPr>
+              <a:t>WEB COMPONENTS</a:t>
+            </a:r>
+          </a:p>
+        </p:txBody>
+      </p:sp>
+      <p:cxnSp>
+        <p:nvCxnSpPr>
+          <p:cNvPr id="6" name="Straight Arrow Connector 5">
+            <a:extLst>
+              <a:ext uri="{FF2B5EF4-FFF2-40B4-BE49-F238E27FC236}">
+                <a16:creationId xmlns:a16="http://schemas.microsoft.com/office/drawing/2014/main" id="{D229A287-52AB-46FC-9CD3-F99C53ACEF34}"/>
+              </a:ext>
+            </a:extLst>
+          </p:cNvPr>
+          <p:cNvCxnSpPr/>
+          <p:nvPr/>
+        </p:nvCxnSpPr>
+        <p:spPr>
+          <a:xfrm flipV="1">
+            <a:off x="2062065" y="3960073"/>
+            <a:ext cx="0" cy="415984"/>
+          </a:xfrm>
+          <a:prstGeom prst="straightConnector1">
+            <a:avLst/>
+          </a:prstGeom>
+          <a:ln w="50800">
+            <a:tailEnd type="triangle"/>
+          </a:ln>
+        </p:spPr>
+        <p:style>
+          <a:lnRef idx="1">
+            <a:schemeClr val="accent6"/>
+          </a:lnRef>
+          <a:fillRef idx="0">
+            <a:schemeClr val="accent6"/>
+          </a:fillRef>
+          <a:effectRef idx="0">
+            <a:schemeClr val="accent6"/>
+          </a:effectRef>
+          <a:fontRef idx="minor">
+            <a:schemeClr val="tx1"/>
+          </a:fontRef>
+        </p:style>
+      </p:cxnSp>
+      <p:cxnSp>
+        <p:nvCxnSpPr>
+          <p:cNvPr id="22" name="Straight Arrow Connector 21">
+            <a:extLst>
+              <a:ext uri="{FF2B5EF4-FFF2-40B4-BE49-F238E27FC236}">
+                <a16:creationId xmlns:a16="http://schemas.microsoft.com/office/drawing/2014/main" id="{F12C64DB-7B75-4A11-AC0A-77AB2AC81EAD}"/>
+              </a:ext>
+            </a:extLst>
+          </p:cNvPr>
+          <p:cNvCxnSpPr/>
+          <p:nvPr/>
+        </p:nvCxnSpPr>
+        <p:spPr>
+          <a:xfrm flipV="1">
+            <a:off x="4261757" y="3978735"/>
+            <a:ext cx="0" cy="415984"/>
+          </a:xfrm>
+          <a:prstGeom prst="straightConnector1">
+            <a:avLst/>
+          </a:prstGeom>
+          <a:ln w="50800">
+            <a:tailEnd type="triangle"/>
+          </a:ln>
+        </p:spPr>
+        <p:style>
+          <a:lnRef idx="1">
+            <a:schemeClr val="accent6"/>
+          </a:lnRef>
+          <a:fillRef idx="0">
+            <a:schemeClr val="accent6"/>
+          </a:fillRef>
+          <a:effectRef idx="0">
+            <a:schemeClr val="accent6"/>
+          </a:effectRef>
+          <a:fontRef idx="minor">
+            <a:schemeClr val="tx1"/>
+          </a:fontRef>
+        </p:style>
+      </p:cxnSp>
+      <p:cxnSp>
+        <p:nvCxnSpPr>
+          <p:cNvPr id="23" name="Straight Arrow Connector 22">
+            <a:extLst>
+              <a:ext uri="{FF2B5EF4-FFF2-40B4-BE49-F238E27FC236}">
+                <a16:creationId xmlns:a16="http://schemas.microsoft.com/office/drawing/2014/main" id="{8B1C15C1-C3CB-4D87-A0BB-7C3A15158A95}"/>
+              </a:ext>
+            </a:extLst>
+          </p:cNvPr>
+          <p:cNvCxnSpPr/>
+          <p:nvPr/>
+        </p:nvCxnSpPr>
+        <p:spPr>
+          <a:xfrm flipV="1">
+            <a:off x="6304384" y="3962371"/>
+            <a:ext cx="0" cy="415984"/>
+          </a:xfrm>
+          <a:prstGeom prst="straightConnector1">
+            <a:avLst/>
+          </a:prstGeom>
+          <a:ln w="50800">
+            <a:tailEnd type="triangle"/>
+          </a:ln>
+        </p:spPr>
+        <p:style>
+          <a:lnRef idx="1">
+            <a:schemeClr val="accent6"/>
+          </a:lnRef>
+          <a:fillRef idx="0">
+            <a:schemeClr val="accent6"/>
+          </a:fillRef>
+          <a:effectRef idx="0">
+            <a:schemeClr val="accent6"/>
+          </a:effectRef>
+          <a:fontRef idx="minor">
+            <a:schemeClr val="tx1"/>
+          </a:fontRef>
+        </p:style>
+      </p:cxnSp>
+      <p:cxnSp>
+        <p:nvCxnSpPr>
+          <p:cNvPr id="24" name="Straight Arrow Connector 23">
+            <a:extLst>
+              <a:ext uri="{FF2B5EF4-FFF2-40B4-BE49-F238E27FC236}">
+                <a16:creationId xmlns:a16="http://schemas.microsoft.com/office/drawing/2014/main" id="{163353F7-B0B9-4F80-AC63-42827D10FDAE}"/>
+              </a:ext>
+            </a:extLst>
+          </p:cNvPr>
+          <p:cNvCxnSpPr>
+            <a:cxnSpLocks/>
+          </p:cNvCxnSpPr>
+          <p:nvPr/>
+        </p:nvCxnSpPr>
+        <p:spPr>
+          <a:xfrm flipV="1">
+            <a:off x="4261757" y="2220686"/>
+            <a:ext cx="0" cy="929921"/>
+          </a:xfrm>
+          <a:prstGeom prst="straightConnector1">
+            <a:avLst/>
+          </a:prstGeom>
+          <a:ln w="50800">
+            <a:tailEnd type="triangle"/>
+          </a:ln>
+        </p:spPr>
+        <p:style>
+          <a:lnRef idx="1">
+            <a:schemeClr val="accent6"/>
+          </a:lnRef>
+          <a:fillRef idx="0">
+            <a:schemeClr val="accent6"/>
+          </a:fillRef>
+          <a:effectRef idx="0">
+            <a:schemeClr val="accent6"/>
+          </a:effectRef>
+          <a:fontRef idx="minor">
+            <a:schemeClr val="tx1"/>
+          </a:fontRef>
+        </p:style>
+      </p:cxnSp>
+      <p:cxnSp>
+        <p:nvCxnSpPr>
+          <p:cNvPr id="25" name="Straight Arrow Connector 24">
+            <a:extLst>
+              <a:ext uri="{FF2B5EF4-FFF2-40B4-BE49-F238E27FC236}">
+                <a16:creationId xmlns:a16="http://schemas.microsoft.com/office/drawing/2014/main" id="{CC440C1A-3EF4-4B67-8663-C472C2FCEE45}"/>
+              </a:ext>
+            </a:extLst>
+          </p:cNvPr>
+          <p:cNvCxnSpPr>
+            <a:cxnSpLocks/>
+          </p:cNvCxnSpPr>
+          <p:nvPr/>
+        </p:nvCxnSpPr>
+        <p:spPr>
+          <a:xfrm>
+            <a:off x="2062065" y="3997396"/>
+            <a:ext cx="1464906" cy="490628"/>
+          </a:xfrm>
+          <a:prstGeom prst="straightConnector1">
+            <a:avLst/>
+          </a:prstGeom>
+          <a:ln w="50800">
+            <a:tailEnd type="triangle"/>
+          </a:ln>
+        </p:spPr>
+        <p:style>
+          <a:lnRef idx="1">
+            <a:schemeClr val="accent6"/>
+          </a:lnRef>
+          <a:fillRef idx="0">
+            <a:schemeClr val="accent6"/>
+          </a:fillRef>
+          <a:effectRef idx="0">
+            <a:schemeClr val="accent6"/>
+          </a:effectRef>
+          <a:fontRef idx="minor">
+            <a:schemeClr val="tx1"/>
+          </a:fontRef>
+        </p:style>
+      </p:cxnSp>
+      <p:cxnSp>
+        <p:nvCxnSpPr>
+          <p:cNvPr id="28" name="Straight Arrow Connector 27">
+            <a:extLst>
+              <a:ext uri="{FF2B5EF4-FFF2-40B4-BE49-F238E27FC236}">
+                <a16:creationId xmlns:a16="http://schemas.microsoft.com/office/drawing/2014/main" id="{BB158374-8877-4243-9769-72088526DB6A}"/>
+              </a:ext>
+            </a:extLst>
+          </p:cNvPr>
+          <p:cNvCxnSpPr>
+            <a:cxnSpLocks/>
+          </p:cNvCxnSpPr>
+          <p:nvPr/>
+        </p:nvCxnSpPr>
+        <p:spPr>
+          <a:xfrm>
+            <a:off x="4261757" y="3997396"/>
+            <a:ext cx="1689614" cy="490628"/>
+          </a:xfrm>
+          <a:prstGeom prst="straightConnector1">
+            <a:avLst/>
+          </a:prstGeom>
+          <a:ln w="50800">
+            <a:tailEnd type="triangle"/>
+          </a:ln>
+        </p:spPr>
+        <p:style>
+          <a:lnRef idx="1">
+            <a:schemeClr val="accent6"/>
+          </a:lnRef>
+          <a:fillRef idx="0">
+            <a:schemeClr val="accent6"/>
+          </a:fillRef>
+          <a:effectRef idx="0">
+            <a:schemeClr val="accent6"/>
+          </a:effectRef>
+          <a:fontRef idx="minor">
+            <a:schemeClr val="tx1"/>
+          </a:fontRef>
+        </p:style>
+      </p:cxnSp>
+      <p:sp>
+        <p:nvSpPr>
+          <p:cNvPr id="8" name="Arrow: Right 7">
+            <a:extLst>
+              <a:ext uri="{FF2B5EF4-FFF2-40B4-BE49-F238E27FC236}">
+                <a16:creationId xmlns:a16="http://schemas.microsoft.com/office/drawing/2014/main" id="{25BD3FE5-5BA0-48FE-B758-52C44C0D1DC1}"/>
+              </a:ext>
+            </a:extLst>
+          </p:cNvPr>
+          <p:cNvSpPr/>
+          <p:nvPr/>
+        </p:nvSpPr>
+        <p:spPr>
+          <a:xfrm rot="10800000">
+            <a:off x="7770836" y="3134313"/>
+            <a:ext cx="1411331" cy="825759"/>
+          </a:xfrm>
+          <a:prstGeom prst="rightArrow">
+            <a:avLst/>
+          </a:prstGeom>
+        </p:spPr>
+        <p:style>
+          <a:lnRef idx="2">
+            <a:schemeClr val="accent1">
+              <a:shade val="50000"/>
+            </a:schemeClr>
+          </a:lnRef>
+          <a:fillRef idx="1">
+            <a:schemeClr val="accent1"/>
+          </a:fillRef>
+          <a:effectRef idx="0">
+            <a:schemeClr val="accent1"/>
+          </a:effectRef>
+          <a:fontRef idx="minor">
+            <a:schemeClr val="lt1"/>
+          </a:fontRef>
+        </p:style>
+        <p:txBody>
+          <a:bodyPr rtlCol="0" anchor="ctr"/>
+          <a:lstStyle/>
+          <a:p>
+            <a:pPr algn="ctr"/>
+            <a:endParaRPr lang="en-GB"/>
+          </a:p>
+        </p:txBody>
+      </p:sp>
+      <p:sp>
+        <p:nvSpPr>
+          <p:cNvPr id="30" name="TextBox 29">
+            <a:extLst>
+              <a:ext uri="{FF2B5EF4-FFF2-40B4-BE49-F238E27FC236}">
+                <a16:creationId xmlns:a16="http://schemas.microsoft.com/office/drawing/2014/main" id="{20D77E3C-AC7F-43B7-8FF2-980322AACB93}"/>
+              </a:ext>
+            </a:extLst>
+          </p:cNvPr>
+          <p:cNvSpPr txBox="1"/>
+          <p:nvPr/>
+        </p:nvSpPr>
+        <p:spPr>
+          <a:xfrm>
+            <a:off x="9300027" y="3199941"/>
+            <a:ext cx="2070867" cy="649536"/>
+          </a:xfrm>
+          <a:prstGeom prst="rect">
+            <a:avLst/>
+          </a:prstGeom>
+        </p:spPr>
+        <p:style>
+          <a:lnRef idx="2">
+            <a:schemeClr val="accent6">
+              <a:shade val="50000"/>
+            </a:schemeClr>
+          </a:lnRef>
+          <a:fillRef idx="1">
+            <a:schemeClr val="accent6"/>
+          </a:fillRef>
+          <a:effectRef idx="0">
+            <a:schemeClr val="accent6"/>
+          </a:effectRef>
+          <a:fontRef idx="minor">
+            <a:schemeClr val="lt1"/>
+          </a:fontRef>
+        </p:style>
+        <p:txBody>
+          <a:bodyPr rtlCol="0" anchor="ctr"/>
+          <a:lstStyle>
+            <a:defPPr>
+              <a:defRPr lang="en-US"/>
+            </a:defPPr>
+            <a:lvl1pPr algn="ctr">
+              <a:defRPr>
+                <a:solidFill>
+                  <a:schemeClr val="lt1"/>
+                </a:solidFill>
+                <a:latin typeface="Segoe UI" panose="020B0502040204020203" pitchFamily="34" charset="0"/>
+                <a:cs typeface="Segoe UI" panose="020B0502040204020203" pitchFamily="34" charset="0"/>
+              </a:defRPr>
+            </a:lvl1pPr>
+            <a:lvl2pPr>
+              <a:defRPr>
+                <a:solidFill>
+                  <a:schemeClr val="lt1"/>
+                </a:solidFill>
+              </a:defRPr>
+            </a:lvl2pPr>
+            <a:lvl3pPr>
+              <a:defRPr>
+                <a:solidFill>
+                  <a:schemeClr val="lt1"/>
+                </a:solidFill>
+              </a:defRPr>
+            </a:lvl3pPr>
+            <a:lvl4pPr>
+              <a:defRPr>
+                <a:solidFill>
+                  <a:schemeClr val="lt1"/>
+                </a:solidFill>
+              </a:defRPr>
+            </a:lvl4pPr>
+            <a:lvl5pPr>
+              <a:defRPr>
+                <a:solidFill>
+                  <a:schemeClr val="lt1"/>
+                </a:solidFill>
+              </a:defRPr>
+            </a:lvl5pPr>
+            <a:lvl6pPr>
+              <a:defRPr>
+                <a:solidFill>
+                  <a:schemeClr val="lt1"/>
+                </a:solidFill>
+              </a:defRPr>
+            </a:lvl6pPr>
+            <a:lvl7pPr>
+              <a:defRPr>
+                <a:solidFill>
+                  <a:schemeClr val="lt1"/>
+                </a:solidFill>
+              </a:defRPr>
+            </a:lvl7pPr>
+            <a:lvl8pPr>
+              <a:defRPr>
+                <a:solidFill>
+                  <a:schemeClr val="lt1"/>
+                </a:solidFill>
+              </a:defRPr>
+            </a:lvl8pPr>
+            <a:lvl9pPr>
+              <a:defRPr>
+                <a:solidFill>
+                  <a:schemeClr val="lt1"/>
+                </a:solidFill>
+              </a:defRPr>
+            </a:lvl9pPr>
+          </a:lstStyle>
+          <a:p>
+            <a:r>
+              <a:rPr lang="en-GB" dirty="0"/>
+              <a:t>Web Components</a:t>
+            </a:r>
+          </a:p>
+        </p:txBody>
+      </p:sp>
+      <p:sp>
+        <p:nvSpPr>
+          <p:cNvPr id="7" name="TextBox 6">
+            <a:extLst>
+              <a:ext uri="{FF2B5EF4-FFF2-40B4-BE49-F238E27FC236}">
+                <a16:creationId xmlns:a16="http://schemas.microsoft.com/office/drawing/2014/main" id="{E43BE3A4-2CE9-4073-B059-EA24D3386969}"/>
+              </a:ext>
+            </a:extLst>
+          </p:cNvPr>
+          <p:cNvSpPr txBox="1"/>
+          <p:nvPr/>
+        </p:nvSpPr>
+        <p:spPr>
+          <a:xfrm>
+            <a:off x="9461241" y="4416299"/>
+            <a:ext cx="1844351" cy="646331"/>
+          </a:xfrm>
+          <a:prstGeom prst="rect">
+            <a:avLst/>
+          </a:prstGeom>
+          <a:noFill/>
+        </p:spPr>
+        <p:txBody>
+          <a:bodyPr wrap="square" rtlCol="0">
+            <a:spAutoFit/>
+          </a:bodyPr>
+          <a:lstStyle/>
+          <a:p>
+            <a:r>
+              <a:rPr lang="en-GB" dirty="0"/>
+              <a:t>WP PHP PAGES</a:t>
+            </a:r>
+          </a:p>
+          <a:p>
+            <a:r>
+              <a:rPr lang="en-GB" dirty="0"/>
+              <a:t>Gutenberg Blocks</a:t>
+            </a:r>
+          </a:p>
+        </p:txBody>
+      </p:sp>
+      <p:cxnSp>
+        <p:nvCxnSpPr>
+          <p:cNvPr id="34" name="Straight Arrow Connector 33">
+            <a:extLst>
+              <a:ext uri="{FF2B5EF4-FFF2-40B4-BE49-F238E27FC236}">
+                <a16:creationId xmlns:a16="http://schemas.microsoft.com/office/drawing/2014/main" id="{3224BDD2-743D-4365-AF4A-A42C3D6B51E2}"/>
+              </a:ext>
+            </a:extLst>
+          </p:cNvPr>
+          <p:cNvCxnSpPr>
+            <a:cxnSpLocks/>
+          </p:cNvCxnSpPr>
+          <p:nvPr/>
+        </p:nvCxnSpPr>
+        <p:spPr>
+          <a:xfrm>
+            <a:off x="10319390" y="3873562"/>
+            <a:ext cx="8035" cy="562723"/>
+          </a:xfrm>
+          <a:prstGeom prst="straightConnector1">
+            <a:avLst/>
+          </a:prstGeom>
+          <a:ln w="38100">
+            <a:solidFill>
+              <a:schemeClr val="accent1">
+                <a:lumMod val="75000"/>
+              </a:schemeClr>
+            </a:solidFill>
+            <a:tailEnd type="triangle"/>
+          </a:ln>
+        </p:spPr>
+        <p:style>
+          <a:lnRef idx="1">
+            <a:schemeClr val="accent1"/>
+          </a:lnRef>
+          <a:fillRef idx="0">
+            <a:schemeClr val="accent1"/>
+          </a:fillRef>
+          <a:effectRef idx="0">
+            <a:schemeClr val="accent1"/>
+          </a:effectRef>
+          <a:fontRef idx="minor">
+            <a:schemeClr val="tx1"/>
+          </a:fontRef>
+        </p:style>
+      </p:cxnSp>
+      <p:pic>
+        <p:nvPicPr>
+          <p:cNvPr id="10" name="Graphic 9" descr="Smiling face with no fill">
+            <a:extLst>
+              <a:ext uri="{FF2B5EF4-FFF2-40B4-BE49-F238E27FC236}">
+                <a16:creationId xmlns:a16="http://schemas.microsoft.com/office/drawing/2014/main" id="{948FA2EF-7A78-4EE3-B2FE-AE0D3A001999}"/>
+              </a:ext>
+            </a:extLst>
+          </p:cNvPr>
+          <p:cNvPicPr>
+            <a:picLocks noChangeAspect="1"/>
+          </p:cNvPicPr>
+          <p:nvPr/>
+        </p:nvPicPr>
+        <p:blipFill>
+          <a:blip r:embed="rId2">
+            <a:extLst>
+              <a:ext uri="{28A0092B-C50C-407E-A947-70E740481C1C}">
+                <a14:useLocalDpi xmlns:a14="http://schemas.microsoft.com/office/drawing/2010/main" val="0"/>
+              </a:ext>
+              <a:ext uri="{96DAC541-7B7A-43D3-8B79-37D633B846F1}">
+                <asvg:svgBlip xmlns:asvg="http://schemas.microsoft.com/office/drawing/2016/SVG/main" r:embed="rId3"/>
+              </a:ext>
+            </a:extLst>
+          </a:blip>
+          <a:stretch>
+            <a:fillRect/>
+          </a:stretch>
+        </p:blipFill>
+        <p:spPr>
+          <a:xfrm>
+            <a:off x="9541349" y="1296525"/>
+            <a:ext cx="1647597" cy="1647597"/>
+          </a:xfrm>
+          <a:prstGeom prst="rect">
+            <a:avLst/>
+          </a:prstGeom>
+        </p:spPr>
+      </p:pic>
+      <p:cxnSp>
+        <p:nvCxnSpPr>
+          <p:cNvPr id="31" name="Straight Arrow Connector 30">
+            <a:extLst>
+              <a:ext uri="{FF2B5EF4-FFF2-40B4-BE49-F238E27FC236}">
+                <a16:creationId xmlns:a16="http://schemas.microsoft.com/office/drawing/2014/main" id="{337058BE-0D49-4EC0-B972-1EBA8C485F2D}"/>
+              </a:ext>
+            </a:extLst>
+          </p:cNvPr>
+          <p:cNvCxnSpPr>
+            <a:cxnSpLocks/>
+          </p:cNvCxnSpPr>
+          <p:nvPr/>
+        </p:nvCxnSpPr>
+        <p:spPr>
+          <a:xfrm flipH="1" flipV="1">
+            <a:off x="6143841" y="1786407"/>
+            <a:ext cx="3019774" cy="1433290"/>
+          </a:xfrm>
+          <a:prstGeom prst="straightConnector1">
+            <a:avLst/>
+          </a:prstGeom>
+          <a:ln w="76200">
+            <a:solidFill>
+              <a:schemeClr val="accent1">
+                <a:lumMod val="75000"/>
+              </a:schemeClr>
+            </a:solidFill>
+            <a:tailEnd type="triangle"/>
+          </a:ln>
+        </p:spPr>
+        <p:style>
+          <a:lnRef idx="1">
+            <a:schemeClr val="accent1"/>
+          </a:lnRef>
+          <a:fillRef idx="0">
+            <a:schemeClr val="accent1"/>
+          </a:fillRef>
+          <a:effectRef idx="0">
+            <a:schemeClr val="accent1"/>
+          </a:effectRef>
+          <a:fontRef idx="minor">
+            <a:schemeClr val="tx1"/>
+          </a:fontRef>
+        </p:style>
+      </p:cxnSp>
+      <p:sp>
+        <p:nvSpPr>
+          <p:cNvPr id="27" name="TextBox 26">
+            <a:extLst>
+              <a:ext uri="{FF2B5EF4-FFF2-40B4-BE49-F238E27FC236}">
+                <a16:creationId xmlns:a16="http://schemas.microsoft.com/office/drawing/2014/main" id="{1794E5C5-20F5-4436-91DA-BD85E1E31CB0}"/>
+              </a:ext>
+            </a:extLst>
+          </p:cNvPr>
+          <p:cNvSpPr txBox="1"/>
+          <p:nvPr/>
+        </p:nvSpPr>
+        <p:spPr>
+          <a:xfrm>
+            <a:off x="9680243" y="834281"/>
+            <a:ext cx="1278294" cy="369332"/>
+          </a:xfrm>
+          <a:prstGeom prst="rect">
+            <a:avLst/>
+          </a:prstGeom>
+          <a:solidFill>
+            <a:schemeClr val="accent1">
+              <a:lumMod val="60000"/>
+              <a:lumOff val="40000"/>
+            </a:schemeClr>
+          </a:solidFill>
+        </p:spPr>
+        <p:style>
+          <a:lnRef idx="2">
+            <a:schemeClr val="accent6">
+              <a:shade val="50000"/>
+            </a:schemeClr>
+          </a:lnRef>
+          <a:fillRef idx="1">
+            <a:schemeClr val="accent6"/>
+          </a:fillRef>
+          <a:effectRef idx="0">
+            <a:schemeClr val="accent6"/>
+          </a:effectRef>
+          <a:fontRef idx="minor">
+            <a:schemeClr val="lt1"/>
+          </a:fontRef>
+        </p:style>
+        <p:txBody>
+          <a:bodyPr rtlCol="0" anchor="ctr"/>
+          <a:lstStyle>
+            <a:defPPr>
+              <a:defRPr lang="en-US"/>
+            </a:defPPr>
+            <a:lvl1pPr algn="ctr">
+              <a:defRPr>
+                <a:solidFill>
+                  <a:schemeClr val="lt1"/>
+                </a:solidFill>
+                <a:latin typeface="Segoe UI" panose="020B0502040204020203" pitchFamily="34" charset="0"/>
+                <a:cs typeface="Segoe UI" panose="020B0502040204020203" pitchFamily="34" charset="0"/>
+              </a:defRPr>
+            </a:lvl1pPr>
+            <a:lvl2pPr>
+              <a:defRPr>
+                <a:solidFill>
+                  <a:schemeClr val="lt1"/>
+                </a:solidFill>
+              </a:defRPr>
+            </a:lvl2pPr>
+            <a:lvl3pPr>
+              <a:defRPr>
+                <a:solidFill>
+                  <a:schemeClr val="lt1"/>
+                </a:solidFill>
+              </a:defRPr>
+            </a:lvl3pPr>
+            <a:lvl4pPr>
+              <a:defRPr>
+                <a:solidFill>
+                  <a:schemeClr val="lt1"/>
+                </a:solidFill>
+              </a:defRPr>
+            </a:lvl4pPr>
+            <a:lvl5pPr>
+              <a:defRPr>
+                <a:solidFill>
+                  <a:schemeClr val="lt1"/>
+                </a:solidFill>
+              </a:defRPr>
+            </a:lvl5pPr>
+            <a:lvl6pPr>
+              <a:defRPr>
+                <a:solidFill>
+                  <a:schemeClr val="lt1"/>
+                </a:solidFill>
+              </a:defRPr>
+            </a:lvl6pPr>
+            <a:lvl7pPr>
+              <a:defRPr>
+                <a:solidFill>
+                  <a:schemeClr val="lt1"/>
+                </a:solidFill>
+              </a:defRPr>
+            </a:lvl7pPr>
+            <a:lvl8pPr>
+              <a:defRPr>
+                <a:solidFill>
+                  <a:schemeClr val="lt1"/>
+                </a:solidFill>
+              </a:defRPr>
+            </a:lvl8pPr>
+            <a:lvl9pPr>
+              <a:defRPr>
+                <a:solidFill>
+                  <a:schemeClr val="lt1"/>
+                </a:solidFill>
+              </a:defRPr>
+            </a:lvl9pPr>
+          </a:lstStyle>
+          <a:p>
+            <a:r>
+              <a:rPr lang="en-GB" dirty="0"/>
+              <a:t>WordPress</a:t>
+            </a:r>
+          </a:p>
+        </p:txBody>
+      </p:sp>
+    </p:spTree>
+    <p:extLst>
+      <p:ext uri="{BB962C8B-B14F-4D97-AF65-F5344CB8AC3E}">
+        <p14:creationId xmlns:p14="http://schemas.microsoft.com/office/powerpoint/2010/main" val="3043959635"/>
+      </p:ext>
+    </p:extLst>
+  </p:cSld>
+  <p:clrMapOvr>
+    <a:masterClrMapping/>
+  </p:clrMapOvr>
+</p:sld>
+</file>
+
+<file path=ppt/slides/slide6.xml><?xml version="1.0" encoding="utf-8"?>
 <p:sld xmlns:a="http://schemas.openxmlformats.org/drawingml/2006/main" xmlns:r="http://schemas.openxmlformats.org/officeDocument/2006/relationships" xmlns:p="http://schemas.openxmlformats.org/presentationml/2006/main">
   <p:cSld>
     <p:bg>
@@ -6887,7 +10376,7 @@
 </p:sld>
 </file>
 
-<file path=ppt/slides/slide4.xml><?xml version="1.0" encoding="utf-8"?>
+<file path=ppt/slides/slide7.xml><?xml version="1.0" encoding="utf-8"?>
 <p:sld xmlns:a="http://schemas.openxmlformats.org/drawingml/2006/main" xmlns:r="http://schemas.openxmlformats.org/officeDocument/2006/relationships" xmlns:p="http://schemas.openxmlformats.org/presentationml/2006/main">
   <p:cSld>
     <p:spTree>
@@ -7002,7 +10491,7 @@
 </p:sld>
 </file>
 
-<file path=ppt/slides/slide5.xml><?xml version="1.0" encoding="utf-8"?>
+<file path=ppt/slides/slide8.xml><?xml version="1.0" encoding="utf-8"?>
 <p:sld xmlns:a="http://schemas.openxmlformats.org/drawingml/2006/main" xmlns:r="http://schemas.openxmlformats.org/officeDocument/2006/relationships" xmlns:p="http://schemas.openxmlformats.org/presentationml/2006/main">
   <p:cSld>
     <p:bg>
@@ -7417,7 +10906,7 @@
 </p:sld>
 </file>
 
-<file path=ppt/slides/slide6.xml><?xml version="1.0" encoding="utf-8"?>
+<file path=ppt/slides/slide9.xml><?xml version="1.0" encoding="utf-8"?>
 <p:sld xmlns:a="http://schemas.openxmlformats.org/drawingml/2006/main" xmlns:r="http://schemas.openxmlformats.org/officeDocument/2006/relationships" xmlns:p="http://schemas.openxmlformats.org/presentationml/2006/main">
   <p:cSld>
     <p:bg>
@@ -7731,1065 +11220,6 @@
                                           <p:spTgt spid="3">
                                             <p:txEl>
                                               <p:pRg st="0" end="0"/>
-                                            </p:txEl>
-                                          </p:spTgt>
-                                        </p:tgtEl>
-                                        <p:attrNameLst>
-                                          <p:attrName>style.visibility</p:attrName>
-                                        </p:attrNameLst>
-                                      </p:cBhvr>
-                                      <p:to>
-                                        <p:strVal val="visible"/>
-                                      </p:to>
-                                    </p:set>
-                                  </p:childTnLst>
-                                </p:cTn>
-                              </p:par>
-                            </p:childTnLst>
-                          </p:cTn>
-                        </p:par>
-                      </p:childTnLst>
-                    </p:cTn>
-                  </p:par>
-                </p:childTnLst>
-              </p:cTn>
-              <p:prevCondLst>
-                <p:cond evt="onPrev" delay="0">
-                  <p:tgtEl>
-                    <p:sldTgt/>
-                  </p:tgtEl>
-                </p:cond>
-              </p:prevCondLst>
-              <p:nextCondLst>
-                <p:cond evt="onNext" delay="0">
-                  <p:tgtEl>
-                    <p:sldTgt/>
-                  </p:tgtEl>
-                </p:cond>
-              </p:nextCondLst>
-            </p:seq>
-          </p:childTnLst>
-        </p:cTn>
-      </p:par>
-    </p:tnLst>
-  </p:timing>
-</p:sld>
-</file>
-
-<file path=ppt/slides/slide7.xml><?xml version="1.0" encoding="utf-8"?>
-<p:sld xmlns:a="http://schemas.openxmlformats.org/drawingml/2006/main" xmlns:r="http://schemas.openxmlformats.org/officeDocument/2006/relationships" xmlns:p="http://schemas.openxmlformats.org/presentationml/2006/main">
-  <p:cSld>
-    <p:bg>
-      <p:bgPr>
-        <a:solidFill>
-          <a:schemeClr val="tx1">
-            <a:lumMod val="65000"/>
-            <a:lumOff val="35000"/>
-          </a:schemeClr>
-        </a:solidFill>
-        <a:effectLst/>
-      </p:bgPr>
-    </p:bg>
-    <p:spTree>
-      <p:nvGrpSpPr>
-        <p:cNvPr id="1" name=""/>
-        <p:cNvGrpSpPr/>
-        <p:nvPr/>
-      </p:nvGrpSpPr>
-      <p:grpSpPr>
-        <a:xfrm>
-          <a:off x="0" y="0"/>
-          <a:ext cx="0" cy="0"/>
-          <a:chOff x="0" y="0"/>
-          <a:chExt cx="0" cy="0"/>
-        </a:xfrm>
-      </p:grpSpPr>
-      <p:sp>
-        <p:nvSpPr>
-          <p:cNvPr id="2" name="Title 1">
-            <a:extLst>
-              <a:ext uri="{FF2B5EF4-FFF2-40B4-BE49-F238E27FC236}">
-                <a16:creationId xmlns:a16="http://schemas.microsoft.com/office/drawing/2014/main" id="{81769C98-962F-4C3A-B575-99BB0A9C6763}"/>
-              </a:ext>
-            </a:extLst>
-          </p:cNvPr>
-          <p:cNvSpPr>
-            <a:spLocks noGrp="1"/>
-          </p:cNvSpPr>
-          <p:nvPr>
-            <p:ph type="title"/>
-          </p:nvPr>
-        </p:nvSpPr>
-        <p:spPr>
-          <a:xfrm>
-            <a:off x="910628" y="237026"/>
-            <a:ext cx="10515600" cy="892835"/>
-          </a:xfrm>
-        </p:spPr>
-        <p:txBody>
-          <a:bodyPr/>
-          <a:lstStyle/>
-          <a:p>
-            <a:r>
-              <a:rPr lang="en-GB" dirty="0">
-                <a:solidFill>
-                  <a:schemeClr val="bg1"/>
-                </a:solidFill>
-              </a:rPr>
-              <a:t>JavaScript, Fetch API and Promises</a:t>
-            </a:r>
-          </a:p>
-        </p:txBody>
-      </p:sp>
-      <p:sp>
-        <p:nvSpPr>
-          <p:cNvPr id="3" name="Content Placeholder 2">
-            <a:extLst>
-              <a:ext uri="{FF2B5EF4-FFF2-40B4-BE49-F238E27FC236}">
-                <a16:creationId xmlns:a16="http://schemas.microsoft.com/office/drawing/2014/main" id="{C77D8FCA-15A2-453C-BEDB-B01FF3E48151}"/>
-              </a:ext>
-            </a:extLst>
-          </p:cNvPr>
-          <p:cNvSpPr>
-            <a:spLocks noGrp="1"/>
-          </p:cNvSpPr>
-          <p:nvPr>
-            <p:ph idx="1"/>
-          </p:nvPr>
-        </p:nvSpPr>
-        <p:spPr>
-          <a:xfrm>
-            <a:off x="910628" y="1573998"/>
-            <a:ext cx="10515600" cy="4598278"/>
-          </a:xfrm>
-        </p:spPr>
-        <p:txBody>
-          <a:bodyPr>
-            <a:noAutofit/>
-          </a:bodyPr>
-          <a:lstStyle/>
-          <a:p>
-            <a:pPr marL="914400" lvl="1" indent="-457200">
-              <a:buFont typeface="Arial" panose="020B0604020202020204" pitchFamily="34" charset="0"/>
-              <a:buChar char="•"/>
-            </a:pPr>
-            <a:r>
-              <a:rPr lang="en-GB" sz="3200" dirty="0">
-                <a:solidFill>
-                  <a:schemeClr val="bg1"/>
-                </a:solidFill>
-                <a:latin typeface="Segoe UI" panose="020B0502040204020203" pitchFamily="34" charset="0"/>
-                <a:cs typeface="Segoe UI" panose="020B0502040204020203" pitchFamily="34" charset="0"/>
-              </a:rPr>
-              <a:t>The good news is that there is essentially just one JavaScript code snippet that is used over and over again.</a:t>
-            </a:r>
-          </a:p>
-          <a:p>
-            <a:pPr marL="914400" lvl="1" indent="-457200">
-              <a:buFont typeface="Arial" panose="020B0604020202020204" pitchFamily="34" charset="0"/>
-              <a:buChar char="•"/>
-            </a:pPr>
-            <a:r>
-              <a:rPr lang="en-GB" sz="3200" dirty="0">
-                <a:solidFill>
-                  <a:schemeClr val="bg1"/>
-                </a:solidFill>
-              </a:rPr>
-              <a:t>However, it does involve some concepts that may be new to you.</a:t>
-            </a:r>
-          </a:p>
-          <a:p>
-            <a:pPr marL="914400" lvl="1" indent="-457200">
-              <a:buFont typeface="Arial" panose="020B0604020202020204" pitchFamily="34" charset="0"/>
-              <a:buChar char="•"/>
-            </a:pPr>
-            <a:r>
-              <a:rPr lang="en-GB" sz="3200" dirty="0">
-                <a:solidFill>
-                  <a:schemeClr val="bg1"/>
-                </a:solidFill>
-              </a:rPr>
-              <a:t>Remember, this is an overview to show you how all the parts fit together.</a:t>
-            </a:r>
-          </a:p>
-          <a:p>
-            <a:pPr marL="914400" lvl="1" indent="-457200">
-              <a:buFont typeface="Arial" panose="020B0604020202020204" pitchFamily="34" charset="0"/>
-              <a:buChar char="•"/>
-            </a:pPr>
-            <a:endParaRPr lang="en-GB" sz="3200" dirty="0">
-              <a:solidFill>
-                <a:schemeClr val="bg1"/>
-              </a:solidFill>
-            </a:endParaRPr>
-          </a:p>
-          <a:p>
-            <a:pPr marL="914400" lvl="1" indent="-457200">
-              <a:buFont typeface="Arial" panose="020B0604020202020204" pitchFamily="34" charset="0"/>
-              <a:buChar char="•"/>
-            </a:pPr>
-            <a:endParaRPr lang="en-GB" sz="3200" dirty="0">
-              <a:solidFill>
-                <a:schemeClr val="bg1"/>
-              </a:solidFill>
-              <a:latin typeface="Segoe UI" panose="020B0502040204020203" pitchFamily="34" charset="0"/>
-              <a:cs typeface="Segoe UI" panose="020B0502040204020203" pitchFamily="34" charset="0"/>
-            </a:endParaRPr>
-          </a:p>
-        </p:txBody>
-      </p:sp>
-    </p:spTree>
-    <p:extLst>
-      <p:ext uri="{BB962C8B-B14F-4D97-AF65-F5344CB8AC3E}">
-        <p14:creationId xmlns:p14="http://schemas.microsoft.com/office/powerpoint/2010/main" val="2016784523"/>
-      </p:ext>
-    </p:extLst>
-  </p:cSld>
-  <p:clrMapOvr>
-    <a:masterClrMapping/>
-  </p:clrMapOvr>
-  <p:timing>
-    <p:tnLst>
-      <p:par>
-        <p:cTn id="1" dur="indefinite" restart="never" nodeType="tmRoot">
-          <p:childTnLst>
-            <p:seq concurrent="1" nextAc="seek">
-              <p:cTn id="2" dur="indefinite" nodeType="mainSeq">
-                <p:childTnLst>
-                  <p:par>
-                    <p:cTn id="3" fill="hold">
-                      <p:stCondLst>
-                        <p:cond delay="indefinite"/>
-                      </p:stCondLst>
-                      <p:childTnLst>
-                        <p:par>
-                          <p:cTn id="4" fill="hold">
-                            <p:stCondLst>
-                              <p:cond delay="0"/>
-                            </p:stCondLst>
-                            <p:childTnLst>
-                              <p:par>
-                                <p:cTn id="5" presetID="1" presetClass="entr" presetSubtype="0" fill="hold" nodeType="clickEffect">
-                                  <p:stCondLst>
-                                    <p:cond delay="0"/>
-                                  </p:stCondLst>
-                                  <p:childTnLst>
-                                    <p:set>
-                                      <p:cBhvr>
-                                        <p:cTn id="6" dur="1" fill="hold">
-                                          <p:stCondLst>
-                                            <p:cond delay="0"/>
-                                          </p:stCondLst>
-                                        </p:cTn>
-                                        <p:tgtEl>
-                                          <p:spTgt spid="3">
-                                            <p:txEl>
-                                              <p:pRg st="0" end="0"/>
-                                            </p:txEl>
-                                          </p:spTgt>
-                                        </p:tgtEl>
-                                        <p:attrNameLst>
-                                          <p:attrName>style.visibility</p:attrName>
-                                        </p:attrNameLst>
-                                      </p:cBhvr>
-                                      <p:to>
-                                        <p:strVal val="visible"/>
-                                      </p:to>
-                                    </p:set>
-                                  </p:childTnLst>
-                                </p:cTn>
-                              </p:par>
-                            </p:childTnLst>
-                          </p:cTn>
-                        </p:par>
-                      </p:childTnLst>
-                    </p:cTn>
-                  </p:par>
-                  <p:par>
-                    <p:cTn id="7" fill="hold">
-                      <p:stCondLst>
-                        <p:cond delay="indefinite"/>
-                      </p:stCondLst>
-                      <p:childTnLst>
-                        <p:par>
-                          <p:cTn id="8" fill="hold">
-                            <p:stCondLst>
-                              <p:cond delay="0"/>
-                            </p:stCondLst>
-                            <p:childTnLst>
-                              <p:par>
-                                <p:cTn id="9" presetID="1" presetClass="entr" presetSubtype="0" fill="hold" nodeType="clickEffect">
-                                  <p:stCondLst>
-                                    <p:cond delay="0"/>
-                                  </p:stCondLst>
-                                  <p:childTnLst>
-                                    <p:set>
-                                      <p:cBhvr>
-                                        <p:cTn id="10" dur="1" fill="hold">
-                                          <p:stCondLst>
-                                            <p:cond delay="0"/>
-                                          </p:stCondLst>
-                                        </p:cTn>
-                                        <p:tgtEl>
-                                          <p:spTgt spid="3">
-                                            <p:txEl>
-                                              <p:pRg st="1" end="1"/>
-                                            </p:txEl>
-                                          </p:spTgt>
-                                        </p:tgtEl>
-                                        <p:attrNameLst>
-                                          <p:attrName>style.visibility</p:attrName>
-                                        </p:attrNameLst>
-                                      </p:cBhvr>
-                                      <p:to>
-                                        <p:strVal val="visible"/>
-                                      </p:to>
-                                    </p:set>
-                                  </p:childTnLst>
-                                </p:cTn>
-                              </p:par>
-                            </p:childTnLst>
-                          </p:cTn>
-                        </p:par>
-                      </p:childTnLst>
-                    </p:cTn>
-                  </p:par>
-                  <p:par>
-                    <p:cTn id="11" fill="hold">
-                      <p:stCondLst>
-                        <p:cond delay="indefinite"/>
-                      </p:stCondLst>
-                      <p:childTnLst>
-                        <p:par>
-                          <p:cTn id="12" fill="hold">
-                            <p:stCondLst>
-                              <p:cond delay="0"/>
-                            </p:stCondLst>
-                            <p:childTnLst>
-                              <p:par>
-                                <p:cTn id="13" presetID="1" presetClass="entr" presetSubtype="0" fill="hold" nodeType="clickEffect">
-                                  <p:stCondLst>
-                                    <p:cond delay="0"/>
-                                  </p:stCondLst>
-                                  <p:childTnLst>
-                                    <p:set>
-                                      <p:cBhvr>
-                                        <p:cTn id="14" dur="1" fill="hold">
-                                          <p:stCondLst>
-                                            <p:cond delay="0"/>
-                                          </p:stCondLst>
-                                        </p:cTn>
-                                        <p:tgtEl>
-                                          <p:spTgt spid="3">
-                                            <p:txEl>
-                                              <p:pRg st="2" end="2"/>
-                                            </p:txEl>
-                                          </p:spTgt>
-                                        </p:tgtEl>
-                                        <p:attrNameLst>
-                                          <p:attrName>style.visibility</p:attrName>
-                                        </p:attrNameLst>
-                                      </p:cBhvr>
-                                      <p:to>
-                                        <p:strVal val="visible"/>
-                                      </p:to>
-                                    </p:set>
-                                  </p:childTnLst>
-                                </p:cTn>
-                              </p:par>
-                            </p:childTnLst>
-                          </p:cTn>
-                        </p:par>
-                      </p:childTnLst>
-                    </p:cTn>
-                  </p:par>
-                </p:childTnLst>
-              </p:cTn>
-              <p:prevCondLst>
-                <p:cond evt="onPrev" delay="0">
-                  <p:tgtEl>
-                    <p:sldTgt/>
-                  </p:tgtEl>
-                </p:cond>
-              </p:prevCondLst>
-              <p:nextCondLst>
-                <p:cond evt="onNext" delay="0">
-                  <p:tgtEl>
-                    <p:sldTgt/>
-                  </p:tgtEl>
-                </p:cond>
-              </p:nextCondLst>
-            </p:seq>
-          </p:childTnLst>
-        </p:cTn>
-      </p:par>
-    </p:tnLst>
-  </p:timing>
-</p:sld>
-</file>
-
-<file path=ppt/slides/slide8.xml><?xml version="1.0" encoding="utf-8"?>
-<p:sld xmlns:a="http://schemas.openxmlformats.org/drawingml/2006/main" xmlns:r="http://schemas.openxmlformats.org/officeDocument/2006/relationships" xmlns:p="http://schemas.openxmlformats.org/presentationml/2006/main">
-  <p:cSld>
-    <p:bg>
-      <p:bgPr>
-        <a:solidFill>
-          <a:schemeClr val="tx1">
-            <a:lumMod val="65000"/>
-            <a:lumOff val="35000"/>
-          </a:schemeClr>
-        </a:solidFill>
-        <a:effectLst/>
-      </p:bgPr>
-    </p:bg>
-    <p:spTree>
-      <p:nvGrpSpPr>
-        <p:cNvPr id="1" name=""/>
-        <p:cNvGrpSpPr/>
-        <p:nvPr/>
-      </p:nvGrpSpPr>
-      <p:grpSpPr>
-        <a:xfrm>
-          <a:off x="0" y="0"/>
-          <a:ext cx="0" cy="0"/>
-          <a:chOff x="0" y="0"/>
-          <a:chExt cx="0" cy="0"/>
-        </a:xfrm>
-      </p:grpSpPr>
-      <p:sp>
-        <p:nvSpPr>
-          <p:cNvPr id="2" name="Title 1">
-            <a:extLst>
-              <a:ext uri="{FF2B5EF4-FFF2-40B4-BE49-F238E27FC236}">
-                <a16:creationId xmlns:a16="http://schemas.microsoft.com/office/drawing/2014/main" id="{81769C98-962F-4C3A-B575-99BB0A9C6763}"/>
-              </a:ext>
-            </a:extLst>
-          </p:cNvPr>
-          <p:cNvSpPr>
-            <a:spLocks noGrp="1"/>
-          </p:cNvSpPr>
-          <p:nvPr>
-            <p:ph type="title"/>
-          </p:nvPr>
-        </p:nvSpPr>
-        <p:spPr>
-          <a:xfrm>
-            <a:off x="910628" y="237026"/>
-            <a:ext cx="10515600" cy="892835"/>
-          </a:xfrm>
-        </p:spPr>
-        <p:txBody>
-          <a:bodyPr/>
-          <a:lstStyle/>
-          <a:p>
-            <a:r>
-              <a:rPr lang="en-GB" dirty="0">
-                <a:solidFill>
-                  <a:schemeClr val="bg1"/>
-                </a:solidFill>
-              </a:rPr>
-              <a:t>JavaScript, Fetch API and Promises</a:t>
-            </a:r>
-          </a:p>
-        </p:txBody>
-      </p:sp>
-      <p:sp>
-        <p:nvSpPr>
-          <p:cNvPr id="3" name="Content Placeholder 2">
-            <a:extLst>
-              <a:ext uri="{FF2B5EF4-FFF2-40B4-BE49-F238E27FC236}">
-                <a16:creationId xmlns:a16="http://schemas.microsoft.com/office/drawing/2014/main" id="{C77D8FCA-15A2-453C-BEDB-B01FF3E48151}"/>
-              </a:ext>
-            </a:extLst>
-          </p:cNvPr>
-          <p:cNvSpPr>
-            <a:spLocks noGrp="1"/>
-          </p:cNvSpPr>
-          <p:nvPr>
-            <p:ph idx="1"/>
-          </p:nvPr>
-        </p:nvSpPr>
-        <p:spPr>
-          <a:xfrm>
-            <a:off x="910628" y="1573998"/>
-            <a:ext cx="10515600" cy="4598278"/>
-          </a:xfrm>
-        </p:spPr>
-        <p:txBody>
-          <a:bodyPr>
-            <a:noAutofit/>
-          </a:bodyPr>
-          <a:lstStyle/>
-          <a:p>
-            <a:pPr marL="914400" lvl="1" indent="-457200">
-              <a:buFont typeface="Arial" panose="020B0604020202020204" pitchFamily="34" charset="0"/>
-              <a:buChar char="•"/>
-            </a:pPr>
-            <a:r>
-              <a:rPr lang="en-GB" sz="3200" dirty="0">
-                <a:solidFill>
-                  <a:schemeClr val="bg1"/>
-                </a:solidFill>
-              </a:rPr>
-              <a:t>The videos supplied and recommended will enable you to spend the necessary time to understand these more fully.</a:t>
-            </a:r>
-          </a:p>
-          <a:p>
-            <a:pPr marL="914400" lvl="1" indent="-457200">
-              <a:buFont typeface="Arial" panose="020B0604020202020204" pitchFamily="34" charset="0"/>
-              <a:buChar char="•"/>
-            </a:pPr>
-            <a:r>
-              <a:rPr lang="en-GB" sz="3200" dirty="0">
-                <a:solidFill>
-                  <a:schemeClr val="bg1"/>
-                </a:solidFill>
-              </a:rPr>
-              <a:t>Nonetheless, you can implement the code snippets without much understanding…I did!</a:t>
-            </a:r>
-          </a:p>
-          <a:p>
-            <a:pPr marL="914400" lvl="1" indent="-457200">
-              <a:buFont typeface="Arial" panose="020B0604020202020204" pitchFamily="34" charset="0"/>
-              <a:buChar char="•"/>
-            </a:pPr>
-            <a:endParaRPr lang="en-GB" sz="3200" dirty="0">
-              <a:solidFill>
-                <a:schemeClr val="bg1"/>
-              </a:solidFill>
-            </a:endParaRPr>
-          </a:p>
-          <a:p>
-            <a:pPr marL="914400" lvl="1" indent="-457200">
-              <a:buFont typeface="Arial" panose="020B0604020202020204" pitchFamily="34" charset="0"/>
-              <a:buChar char="•"/>
-            </a:pPr>
-            <a:endParaRPr lang="en-GB" sz="3200" dirty="0">
-              <a:solidFill>
-                <a:schemeClr val="bg1"/>
-              </a:solidFill>
-              <a:latin typeface="Segoe UI" panose="020B0502040204020203" pitchFamily="34" charset="0"/>
-              <a:cs typeface="Segoe UI" panose="020B0502040204020203" pitchFamily="34" charset="0"/>
-            </a:endParaRPr>
-          </a:p>
-        </p:txBody>
-      </p:sp>
-    </p:spTree>
-    <p:extLst>
-      <p:ext uri="{BB962C8B-B14F-4D97-AF65-F5344CB8AC3E}">
-        <p14:creationId xmlns:p14="http://schemas.microsoft.com/office/powerpoint/2010/main" val="1223072096"/>
-      </p:ext>
-    </p:extLst>
-  </p:cSld>
-  <p:clrMapOvr>
-    <a:masterClrMapping/>
-  </p:clrMapOvr>
-  <p:timing>
-    <p:tnLst>
-      <p:par>
-        <p:cTn id="1" dur="indefinite" restart="never" nodeType="tmRoot">
-          <p:childTnLst>
-            <p:seq concurrent="1" nextAc="seek">
-              <p:cTn id="2" dur="indefinite" nodeType="mainSeq">
-                <p:childTnLst>
-                  <p:par>
-                    <p:cTn id="3" fill="hold">
-                      <p:stCondLst>
-                        <p:cond delay="indefinite"/>
-                      </p:stCondLst>
-                      <p:childTnLst>
-                        <p:par>
-                          <p:cTn id="4" fill="hold">
-                            <p:stCondLst>
-                              <p:cond delay="0"/>
-                            </p:stCondLst>
-                            <p:childTnLst>
-                              <p:par>
-                                <p:cTn id="5" presetID="1" presetClass="entr" presetSubtype="0" fill="hold" nodeType="clickEffect">
-                                  <p:stCondLst>
-                                    <p:cond delay="0"/>
-                                  </p:stCondLst>
-                                  <p:childTnLst>
-                                    <p:set>
-                                      <p:cBhvr>
-                                        <p:cTn id="6" dur="1" fill="hold">
-                                          <p:stCondLst>
-                                            <p:cond delay="0"/>
-                                          </p:stCondLst>
-                                        </p:cTn>
-                                        <p:tgtEl>
-                                          <p:spTgt spid="3">
-                                            <p:txEl>
-                                              <p:pRg st="0" end="0"/>
-                                            </p:txEl>
-                                          </p:spTgt>
-                                        </p:tgtEl>
-                                        <p:attrNameLst>
-                                          <p:attrName>style.visibility</p:attrName>
-                                        </p:attrNameLst>
-                                      </p:cBhvr>
-                                      <p:to>
-                                        <p:strVal val="visible"/>
-                                      </p:to>
-                                    </p:set>
-                                  </p:childTnLst>
-                                </p:cTn>
-                              </p:par>
-                            </p:childTnLst>
-                          </p:cTn>
-                        </p:par>
-                      </p:childTnLst>
-                    </p:cTn>
-                  </p:par>
-                  <p:par>
-                    <p:cTn id="7" fill="hold">
-                      <p:stCondLst>
-                        <p:cond delay="indefinite"/>
-                      </p:stCondLst>
-                      <p:childTnLst>
-                        <p:par>
-                          <p:cTn id="8" fill="hold">
-                            <p:stCondLst>
-                              <p:cond delay="0"/>
-                            </p:stCondLst>
-                            <p:childTnLst>
-                              <p:par>
-                                <p:cTn id="9" presetID="1" presetClass="entr" presetSubtype="0" fill="hold" nodeType="clickEffect">
-                                  <p:stCondLst>
-                                    <p:cond delay="0"/>
-                                  </p:stCondLst>
-                                  <p:childTnLst>
-                                    <p:set>
-                                      <p:cBhvr>
-                                        <p:cTn id="10" dur="1" fill="hold">
-                                          <p:stCondLst>
-                                            <p:cond delay="0"/>
-                                          </p:stCondLst>
-                                        </p:cTn>
-                                        <p:tgtEl>
-                                          <p:spTgt spid="3">
-                                            <p:txEl>
-                                              <p:pRg st="1" end="1"/>
-                                            </p:txEl>
-                                          </p:spTgt>
-                                        </p:tgtEl>
-                                        <p:attrNameLst>
-                                          <p:attrName>style.visibility</p:attrName>
-                                        </p:attrNameLst>
-                                      </p:cBhvr>
-                                      <p:to>
-                                        <p:strVal val="visible"/>
-                                      </p:to>
-                                    </p:set>
-                                  </p:childTnLst>
-                                </p:cTn>
-                              </p:par>
-                            </p:childTnLst>
-                          </p:cTn>
-                        </p:par>
-                      </p:childTnLst>
-                    </p:cTn>
-                  </p:par>
-                </p:childTnLst>
-              </p:cTn>
-              <p:prevCondLst>
-                <p:cond evt="onPrev" delay="0">
-                  <p:tgtEl>
-                    <p:sldTgt/>
-                  </p:tgtEl>
-                </p:cond>
-              </p:prevCondLst>
-              <p:nextCondLst>
-                <p:cond evt="onNext" delay="0">
-                  <p:tgtEl>
-                    <p:sldTgt/>
-                  </p:tgtEl>
-                </p:cond>
-              </p:nextCondLst>
-            </p:seq>
-          </p:childTnLst>
-        </p:cTn>
-      </p:par>
-    </p:tnLst>
-  </p:timing>
-</p:sld>
-</file>
-
-<file path=ppt/slides/slide9.xml><?xml version="1.0" encoding="utf-8"?>
-<p:sld xmlns:a="http://schemas.openxmlformats.org/drawingml/2006/main" xmlns:r="http://schemas.openxmlformats.org/officeDocument/2006/relationships" xmlns:p="http://schemas.openxmlformats.org/presentationml/2006/main">
-  <p:cSld>
-    <p:bg>
-      <p:bgPr>
-        <a:solidFill>
-          <a:schemeClr val="tx1">
-            <a:lumMod val="65000"/>
-            <a:lumOff val="35000"/>
-          </a:schemeClr>
-        </a:solidFill>
-        <a:effectLst/>
-      </p:bgPr>
-    </p:bg>
-    <p:spTree>
-      <p:nvGrpSpPr>
-        <p:cNvPr id="1" name=""/>
-        <p:cNvGrpSpPr/>
-        <p:nvPr/>
-      </p:nvGrpSpPr>
-      <p:grpSpPr>
-        <a:xfrm>
-          <a:off x="0" y="0"/>
-          <a:ext cx="0" cy="0"/>
-          <a:chOff x="0" y="0"/>
-          <a:chExt cx="0" cy="0"/>
-        </a:xfrm>
-      </p:grpSpPr>
-      <p:sp>
-        <p:nvSpPr>
-          <p:cNvPr id="2" name="Title 1">
-            <a:extLst>
-              <a:ext uri="{FF2B5EF4-FFF2-40B4-BE49-F238E27FC236}">
-                <a16:creationId xmlns:a16="http://schemas.microsoft.com/office/drawing/2014/main" id="{81769C98-962F-4C3A-B575-99BB0A9C6763}"/>
-              </a:ext>
-            </a:extLst>
-          </p:cNvPr>
-          <p:cNvSpPr>
-            <a:spLocks noGrp="1"/>
-          </p:cNvSpPr>
-          <p:nvPr>
-            <p:ph type="title"/>
-          </p:nvPr>
-        </p:nvSpPr>
-        <p:spPr>
-          <a:xfrm>
-            <a:off x="910628" y="237026"/>
-            <a:ext cx="10515600" cy="892835"/>
-          </a:xfrm>
-        </p:spPr>
-        <p:txBody>
-          <a:bodyPr/>
-          <a:lstStyle/>
-          <a:p>
-            <a:r>
-              <a:rPr lang="en-GB" dirty="0">
-                <a:solidFill>
-                  <a:schemeClr val="bg1"/>
-                </a:solidFill>
-              </a:rPr>
-              <a:t>  Decoupled WordPress Sites</a:t>
-            </a:r>
-          </a:p>
-        </p:txBody>
-      </p:sp>
-      <p:sp>
-        <p:nvSpPr>
-          <p:cNvPr id="3" name="Content Placeholder 2">
-            <a:extLst>
-              <a:ext uri="{FF2B5EF4-FFF2-40B4-BE49-F238E27FC236}">
-                <a16:creationId xmlns:a16="http://schemas.microsoft.com/office/drawing/2014/main" id="{C77D8FCA-15A2-453C-BEDB-B01FF3E48151}"/>
-              </a:ext>
-            </a:extLst>
-          </p:cNvPr>
-          <p:cNvSpPr>
-            <a:spLocks noGrp="1"/>
-          </p:cNvSpPr>
-          <p:nvPr>
-            <p:ph idx="1"/>
-          </p:nvPr>
-        </p:nvSpPr>
-        <p:spPr>
-          <a:xfrm>
-            <a:off x="910628" y="1493655"/>
-            <a:ext cx="10515600" cy="4598278"/>
-          </a:xfrm>
-        </p:spPr>
-        <p:txBody>
-          <a:bodyPr>
-            <a:noAutofit/>
-          </a:bodyPr>
-          <a:lstStyle/>
-          <a:p>
-            <a:pPr marL="914400" lvl="1" indent="-457200">
-              <a:buFont typeface="Arial" panose="020B0604020202020204" pitchFamily="34" charset="0"/>
-              <a:buChar char="•"/>
-            </a:pPr>
-            <a:r>
-              <a:rPr lang="en-GB" sz="3200" dirty="0">
-                <a:solidFill>
-                  <a:schemeClr val="bg1"/>
-                </a:solidFill>
-                <a:latin typeface="Segoe UI" panose="020B0502040204020203" pitchFamily="34" charset="0"/>
-                <a:cs typeface="Segoe UI" panose="020B0502040204020203" pitchFamily="34" charset="0"/>
-              </a:rPr>
-              <a:t>There are now many decoupled WP architectures…</a:t>
-            </a:r>
-          </a:p>
-          <a:p>
-            <a:pPr marL="914400" lvl="1" indent="-457200">
-              <a:buFont typeface="Arial" panose="020B0604020202020204" pitchFamily="34" charset="0"/>
-              <a:buChar char="•"/>
-            </a:pPr>
-            <a:r>
-              <a:rPr lang="en-GB" sz="3200" dirty="0">
-                <a:solidFill>
-                  <a:schemeClr val="bg1"/>
-                </a:solidFill>
-              </a:rPr>
-              <a:t>Most CMS cloud services have ready made WP importing of data.</a:t>
-            </a:r>
-            <a:endParaRPr lang="en-GB" sz="3200" dirty="0">
-              <a:solidFill>
-                <a:schemeClr val="bg1"/>
-              </a:solidFill>
-              <a:latin typeface="Segoe UI" panose="020B0502040204020203" pitchFamily="34" charset="0"/>
-              <a:cs typeface="Segoe UI" panose="020B0502040204020203" pitchFamily="34" charset="0"/>
-            </a:endParaRPr>
-          </a:p>
-          <a:p>
-            <a:pPr marL="914400" lvl="1" indent="-457200">
-              <a:buFont typeface="Arial" panose="020B0604020202020204" pitchFamily="34" charset="0"/>
-              <a:buChar char="•"/>
-            </a:pPr>
-            <a:r>
-              <a:rPr lang="en-GB" sz="3200" dirty="0">
-                <a:solidFill>
-                  <a:schemeClr val="bg1"/>
-                </a:solidFill>
-                <a:latin typeface="Segoe UI" panose="020B0502040204020203" pitchFamily="34" charset="0"/>
-                <a:cs typeface="Segoe UI" panose="020B0502040204020203" pitchFamily="34" charset="0"/>
-              </a:rPr>
-              <a:t>Separation between Model (data) and View (theme).</a:t>
-            </a:r>
-          </a:p>
-          <a:p>
-            <a:pPr marL="914400" lvl="1" indent="-457200">
-              <a:buFont typeface="Arial" panose="020B0604020202020204" pitchFamily="34" charset="0"/>
-              <a:buChar char="•"/>
-            </a:pPr>
-            <a:r>
-              <a:rPr lang="en-GB" sz="3200" dirty="0">
-                <a:solidFill>
-                  <a:schemeClr val="bg1"/>
-                </a:solidFill>
-              </a:rPr>
-              <a:t>They will depend on WP REST API or GraphQL, which is another type of API architecture.</a:t>
-            </a:r>
-            <a:endParaRPr lang="en-GB" sz="3200" dirty="0">
-              <a:solidFill>
-                <a:schemeClr val="bg1"/>
-              </a:solidFill>
-              <a:latin typeface="Segoe UI" panose="020B0502040204020203" pitchFamily="34" charset="0"/>
-              <a:cs typeface="Segoe UI" panose="020B0502040204020203" pitchFamily="34" charset="0"/>
-            </a:endParaRPr>
-          </a:p>
-          <a:p>
-            <a:pPr marL="914400" lvl="1" indent="-457200">
-              <a:buFont typeface="Arial" panose="020B0604020202020204" pitchFamily="34" charset="0"/>
-              <a:buChar char="•"/>
-            </a:pPr>
-            <a:endParaRPr lang="en-GB" sz="3200" dirty="0">
-              <a:solidFill>
-                <a:schemeClr val="bg1"/>
-              </a:solidFill>
-              <a:latin typeface="Segoe UI" panose="020B0502040204020203" pitchFamily="34" charset="0"/>
-              <a:cs typeface="Segoe UI" panose="020B0502040204020203" pitchFamily="34" charset="0"/>
-            </a:endParaRPr>
-          </a:p>
-        </p:txBody>
-      </p:sp>
-    </p:spTree>
-    <p:extLst>
-      <p:ext uri="{BB962C8B-B14F-4D97-AF65-F5344CB8AC3E}">
-        <p14:creationId xmlns:p14="http://schemas.microsoft.com/office/powerpoint/2010/main" val="735708405"/>
-      </p:ext>
-    </p:extLst>
-  </p:cSld>
-  <p:clrMapOvr>
-    <a:masterClrMapping/>
-  </p:clrMapOvr>
-  <p:timing>
-    <p:tnLst>
-      <p:par>
-        <p:cTn id="1" dur="indefinite" restart="never" nodeType="tmRoot">
-          <p:childTnLst>
-            <p:seq concurrent="1" nextAc="seek">
-              <p:cTn id="2" dur="indefinite" nodeType="mainSeq">
-                <p:childTnLst>
-                  <p:par>
-                    <p:cTn id="3" fill="hold">
-                      <p:stCondLst>
-                        <p:cond delay="indefinite"/>
-                      </p:stCondLst>
-                      <p:childTnLst>
-                        <p:par>
-                          <p:cTn id="4" fill="hold">
-                            <p:stCondLst>
-                              <p:cond delay="0"/>
-                            </p:stCondLst>
-                            <p:childTnLst>
-                              <p:par>
-                                <p:cTn id="5" presetID="1" presetClass="entr" presetSubtype="0" fill="hold" nodeType="clickEffect">
-                                  <p:stCondLst>
-                                    <p:cond delay="0"/>
-                                  </p:stCondLst>
-                                  <p:childTnLst>
-                                    <p:set>
-                                      <p:cBhvr>
-                                        <p:cTn id="6" dur="1" fill="hold">
-                                          <p:stCondLst>
-                                            <p:cond delay="0"/>
-                                          </p:stCondLst>
-                                        </p:cTn>
-                                        <p:tgtEl>
-                                          <p:spTgt spid="3">
-                                            <p:txEl>
-                                              <p:pRg st="0" end="0"/>
-                                            </p:txEl>
-                                          </p:spTgt>
-                                        </p:tgtEl>
-                                        <p:attrNameLst>
-                                          <p:attrName>style.visibility</p:attrName>
-                                        </p:attrNameLst>
-                                      </p:cBhvr>
-                                      <p:to>
-                                        <p:strVal val="visible"/>
-                                      </p:to>
-                                    </p:set>
-                                  </p:childTnLst>
-                                </p:cTn>
-                              </p:par>
-                            </p:childTnLst>
-                          </p:cTn>
-                        </p:par>
-                      </p:childTnLst>
-                    </p:cTn>
-                  </p:par>
-                  <p:par>
-                    <p:cTn id="7" fill="hold">
-                      <p:stCondLst>
-                        <p:cond delay="indefinite"/>
-                      </p:stCondLst>
-                      <p:childTnLst>
-                        <p:par>
-                          <p:cTn id="8" fill="hold">
-                            <p:stCondLst>
-                              <p:cond delay="0"/>
-                            </p:stCondLst>
-                            <p:childTnLst>
-                              <p:par>
-                                <p:cTn id="9" presetID="1" presetClass="entr" presetSubtype="0" fill="hold" nodeType="clickEffect">
-                                  <p:stCondLst>
-                                    <p:cond delay="0"/>
-                                  </p:stCondLst>
-                                  <p:childTnLst>
-                                    <p:set>
-                                      <p:cBhvr>
-                                        <p:cTn id="10" dur="1" fill="hold">
-                                          <p:stCondLst>
-                                            <p:cond delay="0"/>
-                                          </p:stCondLst>
-                                        </p:cTn>
-                                        <p:tgtEl>
-                                          <p:spTgt spid="3">
-                                            <p:txEl>
-                                              <p:pRg st="1" end="1"/>
-                                            </p:txEl>
-                                          </p:spTgt>
-                                        </p:tgtEl>
-                                        <p:attrNameLst>
-                                          <p:attrName>style.visibility</p:attrName>
-                                        </p:attrNameLst>
-                                      </p:cBhvr>
-                                      <p:to>
-                                        <p:strVal val="visible"/>
-                                      </p:to>
-                                    </p:set>
-                                  </p:childTnLst>
-                                </p:cTn>
-                              </p:par>
-                            </p:childTnLst>
-                          </p:cTn>
-                        </p:par>
-                      </p:childTnLst>
-                    </p:cTn>
-                  </p:par>
-                  <p:par>
-                    <p:cTn id="11" fill="hold">
-                      <p:stCondLst>
-                        <p:cond delay="indefinite"/>
-                      </p:stCondLst>
-                      <p:childTnLst>
-                        <p:par>
-                          <p:cTn id="12" fill="hold">
-                            <p:stCondLst>
-                              <p:cond delay="0"/>
-                            </p:stCondLst>
-                            <p:childTnLst>
-                              <p:par>
-                                <p:cTn id="13" presetID="1" presetClass="entr" presetSubtype="0" fill="hold" nodeType="clickEffect">
-                                  <p:stCondLst>
-                                    <p:cond delay="0"/>
-                                  </p:stCondLst>
-                                  <p:childTnLst>
-                                    <p:set>
-                                      <p:cBhvr>
-                                        <p:cTn id="14" dur="1" fill="hold">
-                                          <p:stCondLst>
-                                            <p:cond delay="0"/>
-                                          </p:stCondLst>
-                                        </p:cTn>
-                                        <p:tgtEl>
-                                          <p:spTgt spid="3">
-                                            <p:txEl>
-                                              <p:pRg st="2" end="2"/>
-                                            </p:txEl>
-                                          </p:spTgt>
-                                        </p:tgtEl>
-                                        <p:attrNameLst>
-                                          <p:attrName>style.visibility</p:attrName>
-                                        </p:attrNameLst>
-                                      </p:cBhvr>
-                                      <p:to>
-                                        <p:strVal val="visible"/>
-                                      </p:to>
-                                    </p:set>
-                                  </p:childTnLst>
-                                </p:cTn>
-                              </p:par>
-                            </p:childTnLst>
-                          </p:cTn>
-                        </p:par>
-                      </p:childTnLst>
-                    </p:cTn>
-                  </p:par>
-                  <p:par>
-                    <p:cTn id="15" fill="hold">
-                      <p:stCondLst>
-                        <p:cond delay="indefinite"/>
-                      </p:stCondLst>
-                      <p:childTnLst>
-                        <p:par>
-                          <p:cTn id="16" fill="hold">
-                            <p:stCondLst>
-                              <p:cond delay="0"/>
-                            </p:stCondLst>
-                            <p:childTnLst>
-                              <p:par>
-                                <p:cTn id="17" presetID="1" presetClass="entr" presetSubtype="0" fill="hold" nodeType="clickEffect">
-                                  <p:stCondLst>
-                                    <p:cond delay="0"/>
-                                  </p:stCondLst>
-                                  <p:childTnLst>
-                                    <p:set>
-                                      <p:cBhvr>
-                                        <p:cTn id="18" dur="1" fill="hold">
-                                          <p:stCondLst>
-                                            <p:cond delay="0"/>
-                                          </p:stCondLst>
-                                        </p:cTn>
-                                        <p:tgtEl>
-                                          <p:spTgt spid="3">
-                                            <p:txEl>
-                                              <p:pRg st="3" end="3"/>
                                             </p:txEl>
                                           </p:spTgt>
                                         </p:tgtEl>
